--- a/Documentation/Test Plan/Quality_BrugadaGloriaRoguelRuiz.pptx
+++ b/Documentation/Test Plan/Quality_BrugadaGloriaRoguelRuiz.pptx
@@ -5,23 +5,27 @@
     <p:sldMasterId id="2147483660" r:id="rId1"/>
   </p:sldMasterIdLst>
   <p:sldIdLst>
-    <p:sldId id="256" r:id="rId2"/>
-    <p:sldId id="257" r:id="rId3"/>
-    <p:sldId id="258" r:id="rId4"/>
-    <p:sldId id="259" r:id="rId5"/>
-    <p:sldId id="260" r:id="rId6"/>
-    <p:sldId id="261" r:id="rId7"/>
-    <p:sldId id="262" r:id="rId8"/>
-    <p:sldId id="263" r:id="rId9"/>
-    <p:sldId id="264" r:id="rId10"/>
-    <p:sldId id="265" r:id="rId11"/>
-    <p:sldId id="266" r:id="rId12"/>
-    <p:sldId id="267" r:id="rId13"/>
-    <p:sldId id="268" r:id="rId14"/>
-    <p:sldId id="269" r:id="rId15"/>
-    <p:sldId id="270" r:id="rId16"/>
-    <p:sldId id="271" r:id="rId17"/>
-    <p:sldId id="272" r:id="rId18"/>
+    <p:sldId id="272" r:id="rId2"/>
+    <p:sldId id="273" r:id="rId3"/>
+    <p:sldId id="274" r:id="rId4"/>
+    <p:sldId id="256" r:id="rId5"/>
+    <p:sldId id="257" r:id="rId6"/>
+    <p:sldId id="258" r:id="rId7"/>
+    <p:sldId id="259" r:id="rId8"/>
+    <p:sldId id="260" r:id="rId9"/>
+    <p:sldId id="261" r:id="rId10"/>
+    <p:sldId id="262" r:id="rId11"/>
+    <p:sldId id="263" r:id="rId12"/>
+    <p:sldId id="264" r:id="rId13"/>
+    <p:sldId id="265" r:id="rId14"/>
+    <p:sldId id="266" r:id="rId15"/>
+    <p:sldId id="267" r:id="rId16"/>
+    <p:sldId id="268" r:id="rId17"/>
+    <p:sldId id="269" r:id="rId18"/>
+    <p:sldId id="270" r:id="rId19"/>
+    <p:sldId id="271" r:id="rId20"/>
+    <p:sldId id="276" r:id="rId21"/>
+    <p:sldId id="277" r:id="rId22"/>
   </p:sldIdLst>
   <p:sldSz cx="12192000" cy="6858000"/>
   <p:notesSz cx="6858000" cy="9144000"/>
@@ -122,7 +126,18 @@
   </p:defaultTextStyle>
   <p:extLst>
     <p:ext uri="{EFAFB233-063F-42B5-8137-9DF3F51BA10A}">
-      <p15:sldGuideLst xmlns:p15="http://schemas.microsoft.com/office/powerpoint/2012/main"/>
+      <p15:sldGuideLst xmlns:p15="http://schemas.microsoft.com/office/powerpoint/2012/main">
+        <p15:guide id="1" orient="horz" pos="2160">
+          <p15:clr>
+            <a:srgbClr val="A4A3A4"/>
+          </p15:clr>
+        </p15:guide>
+        <p15:guide id="2" pos="3840">
+          <p15:clr>
+            <a:srgbClr val="A4A3A4"/>
+          </p15:clr>
+        </p15:guide>
+      </p15:sldGuideLst>
     </p:ext>
   </p:extLst>
 </p:presentation>
@@ -297,7 +312,8 @@
           <a:p>
             <a:fld id="{75438FA9-2507-4C77-9D29-68ADFCAB96D1}" type="datetimeFigureOut">
               <a:rPr lang="en-US" smtClean="0"/>
-              <a:t>4/6/2017</a:t>
+              <a:pPr/>
+              <a:t>4/10/2017</a:t>
             </a:fld>
             <a:endParaRPr lang="en-US"/>
           </a:p>
@@ -365,6 +381,7 @@
           <a:p>
             <a:fld id="{64E593A3-8E8E-4937-9FE6-520E3439EF9A}" type="slidenum">
               <a:rPr lang="en-US" smtClean="0"/>
+              <a:pPr/>
               <a:t>‹#›</a:t>
             </a:fld>
             <a:endParaRPr lang="en-US"/>
@@ -627,7 +644,8 @@
           <a:p>
             <a:fld id="{75438FA9-2507-4C77-9D29-68ADFCAB96D1}" type="datetimeFigureOut">
               <a:rPr lang="en-US" smtClean="0"/>
-              <a:t>4/6/2017</a:t>
+              <a:pPr/>
+              <a:t>4/10/2017</a:t>
             </a:fld>
             <a:endParaRPr lang="en-US"/>
           </a:p>
@@ -669,6 +687,7 @@
           <a:p>
             <a:fld id="{64E593A3-8E8E-4937-9FE6-520E3439EF9A}" type="slidenum">
               <a:rPr lang="en-US" smtClean="0"/>
+              <a:pPr/>
               <a:t>‹#›</a:t>
             </a:fld>
             <a:endParaRPr lang="en-US"/>
@@ -807,7 +826,8 @@
           <a:p>
             <a:fld id="{75438FA9-2507-4C77-9D29-68ADFCAB96D1}" type="datetimeFigureOut">
               <a:rPr lang="en-US" smtClean="0"/>
-              <a:t>4/6/2017</a:t>
+              <a:pPr/>
+              <a:t>4/10/2017</a:t>
             </a:fld>
             <a:endParaRPr lang="en-US"/>
           </a:p>
@@ -849,6 +869,7 @@
           <a:p>
             <a:fld id="{64E593A3-8E8E-4937-9FE6-520E3439EF9A}" type="slidenum">
               <a:rPr lang="en-US" smtClean="0"/>
+              <a:pPr/>
               <a:t>‹#›</a:t>
             </a:fld>
             <a:endParaRPr lang="en-US"/>
@@ -977,7 +998,8 @@
           <a:p>
             <a:fld id="{75438FA9-2507-4C77-9D29-68ADFCAB96D1}" type="datetimeFigureOut">
               <a:rPr lang="en-US" smtClean="0"/>
-              <a:t>4/6/2017</a:t>
+              <a:pPr/>
+              <a:t>4/10/2017</a:t>
             </a:fld>
             <a:endParaRPr lang="en-US"/>
           </a:p>
@@ -1019,6 +1041,7 @@
           <a:p>
             <a:fld id="{64E593A3-8E8E-4937-9FE6-520E3439EF9A}" type="slidenum">
               <a:rPr lang="en-US" smtClean="0"/>
+              <a:pPr/>
               <a:t>‹#›</a:t>
             </a:fld>
             <a:endParaRPr lang="en-US"/>
@@ -1254,7 +1277,8 @@
           <a:p>
             <a:fld id="{75438FA9-2507-4C77-9D29-68ADFCAB96D1}" type="datetimeFigureOut">
               <a:rPr lang="en-US" smtClean="0"/>
-              <a:t>4/6/2017</a:t>
+              <a:pPr/>
+              <a:t>4/10/2017</a:t>
             </a:fld>
             <a:endParaRPr lang="en-US"/>
           </a:p>
@@ -1322,6 +1346,7 @@
           <a:p>
             <a:fld id="{64E593A3-8E8E-4937-9FE6-520E3439EF9A}" type="slidenum">
               <a:rPr lang="en-US" smtClean="0"/>
+              <a:pPr/>
               <a:t>‹#›</a:t>
             </a:fld>
             <a:endParaRPr lang="en-US"/>
@@ -1330,7 +1355,7 @@
       </p:sp>
       <p:sp>
         <p:nvSpPr>
-          <p:cNvPr id="7" name="Freeform 6" title="Crop Mark"/>
+          <p:cNvPr id="7" name="Freeform 6"/>
           <p:cNvSpPr/>
           <p:nvPr/>
         </p:nvSpPr>
@@ -1648,7 +1673,8 @@
           <a:p>
             <a:fld id="{75438FA9-2507-4C77-9D29-68ADFCAB96D1}" type="datetimeFigureOut">
               <a:rPr lang="en-US" smtClean="0"/>
-              <a:t>4/6/2017</a:t>
+              <a:pPr/>
+              <a:t>4/10/2017</a:t>
             </a:fld>
             <a:endParaRPr lang="en-US"/>
           </a:p>
@@ -1690,6 +1716,7 @@
           <a:p>
             <a:fld id="{64E593A3-8E8E-4937-9FE6-520E3439EF9A}" type="slidenum">
               <a:rPr lang="en-US" smtClean="0"/>
+              <a:pPr/>
               <a:t>‹#›</a:t>
             </a:fld>
             <a:endParaRPr lang="en-US"/>
@@ -2125,7 +2152,8 @@
           <a:p>
             <a:fld id="{75438FA9-2507-4C77-9D29-68ADFCAB96D1}" type="datetimeFigureOut">
               <a:rPr lang="en-US" smtClean="0"/>
-              <a:t>4/6/2017</a:t>
+              <a:pPr/>
+              <a:t>4/10/2017</a:t>
             </a:fld>
             <a:endParaRPr lang="en-US"/>
           </a:p>
@@ -2167,6 +2195,7 @@
           <a:p>
             <a:fld id="{64E593A3-8E8E-4937-9FE6-520E3439EF9A}" type="slidenum">
               <a:rPr lang="en-US" smtClean="0"/>
+              <a:pPr/>
               <a:t>‹#›</a:t>
             </a:fld>
             <a:endParaRPr lang="en-US"/>
@@ -2243,7 +2272,8 @@
           <a:p>
             <a:fld id="{75438FA9-2507-4C77-9D29-68ADFCAB96D1}" type="datetimeFigureOut">
               <a:rPr lang="en-US" smtClean="0"/>
-              <a:t>4/6/2017</a:t>
+              <a:pPr/>
+              <a:t>4/10/2017</a:t>
             </a:fld>
             <a:endParaRPr lang="en-US"/>
           </a:p>
@@ -2285,6 +2315,7 @@
           <a:p>
             <a:fld id="{64E593A3-8E8E-4937-9FE6-520E3439EF9A}" type="slidenum">
               <a:rPr lang="en-US" smtClean="0"/>
+              <a:pPr/>
               <a:t>‹#›</a:t>
             </a:fld>
             <a:endParaRPr lang="en-US"/>
@@ -2338,7 +2369,8 @@
           <a:p>
             <a:fld id="{75438FA9-2507-4C77-9D29-68ADFCAB96D1}" type="datetimeFigureOut">
               <a:rPr lang="en-US" smtClean="0"/>
-              <a:t>4/6/2017</a:t>
+              <a:pPr/>
+              <a:t>4/10/2017</a:t>
             </a:fld>
             <a:endParaRPr lang="en-US"/>
           </a:p>
@@ -2380,6 +2412,7 @@
           <a:p>
             <a:fld id="{64E593A3-8E8E-4937-9FE6-520E3439EF9A}" type="slidenum">
               <a:rPr lang="en-US" smtClean="0"/>
+              <a:pPr/>
               <a:t>‹#›</a:t>
             </a:fld>
             <a:endParaRPr lang="en-US"/>
@@ -2418,7 +2451,7 @@
       </p:grpSpPr>
       <p:sp>
         <p:nvSpPr>
-          <p:cNvPr id="8" name="Rectangle 7" title="Background Shape"/>
+          <p:cNvPr id="8" name="Rectangle 7"/>
           <p:cNvSpPr/>
           <p:nvPr/>
         </p:nvSpPr>
@@ -2684,7 +2717,8 @@
           <a:p>
             <a:fld id="{75438FA9-2507-4C77-9D29-68ADFCAB96D1}" type="datetimeFigureOut">
               <a:rPr lang="en-US" smtClean="0"/>
-              <a:t>4/6/2017</a:t>
+              <a:pPr/>
+              <a:t>4/10/2017</a:t>
             </a:fld>
             <a:endParaRPr lang="en-US"/>
           </a:p>
@@ -2752,6 +2786,7 @@
           <a:p>
             <a:fld id="{64E593A3-8E8E-4937-9FE6-520E3439EF9A}" type="slidenum">
               <a:rPr lang="en-US" smtClean="0"/>
+              <a:pPr/>
               <a:t>‹#›</a:t>
             </a:fld>
             <a:endParaRPr lang="en-US"/>
@@ -2760,7 +2795,7 @@
       </p:sp>
       <p:sp>
         <p:nvSpPr>
-          <p:cNvPr id="9" name="Rectangle 8" title="Divider Bar"/>
+          <p:cNvPr id="9" name="Rectangle 8"/>
           <p:cNvSpPr/>
           <p:nvPr/>
         </p:nvSpPr>
@@ -2828,7 +2863,7 @@
       </p:grpSpPr>
       <p:sp>
         <p:nvSpPr>
-          <p:cNvPr id="8" name="Rectangle 7" title="Background Shape"/>
+          <p:cNvPr id="8" name="Rectangle 7"/>
           <p:cNvSpPr/>
           <p:nvPr/>
         </p:nvSpPr>
@@ -3072,7 +3107,8 @@
           <a:p>
             <a:fld id="{75438FA9-2507-4C77-9D29-68ADFCAB96D1}" type="datetimeFigureOut">
               <a:rPr lang="en-US" smtClean="0"/>
-              <a:t>4/6/2017</a:t>
+              <a:pPr/>
+              <a:t>4/10/2017</a:t>
             </a:fld>
             <a:endParaRPr lang="en-US"/>
           </a:p>
@@ -3140,6 +3176,7 @@
           <a:p>
             <a:fld id="{64E593A3-8E8E-4937-9FE6-520E3439EF9A}" type="slidenum">
               <a:rPr lang="en-US" smtClean="0"/>
+              <a:pPr/>
               <a:t>‹#›</a:t>
             </a:fld>
             <a:endParaRPr lang="en-US"/>
@@ -3148,7 +3185,7 @@
       </p:sp>
       <p:sp>
         <p:nvSpPr>
-          <p:cNvPr id="9" name="Rectangle 8" title="Divider Bar"/>
+          <p:cNvPr id="9" name="Rectangle 8"/>
           <p:cNvSpPr/>
           <p:nvPr/>
         </p:nvSpPr>
@@ -3350,7 +3387,8 @@
           <a:p>
             <a:fld id="{75438FA9-2507-4C77-9D29-68ADFCAB96D1}" type="datetimeFigureOut">
               <a:rPr lang="en-US" smtClean="0"/>
-              <a:t>4/6/2017</a:t>
+              <a:pPr/>
+              <a:t>4/10/2017</a:t>
             </a:fld>
             <a:endParaRPr lang="en-US"/>
           </a:p>
@@ -3424,6 +3462,7 @@
           <a:p>
             <a:fld id="{64E593A3-8E8E-4937-9FE6-520E3439EF9A}" type="slidenum">
               <a:rPr lang="en-US" smtClean="0"/>
+              <a:pPr/>
               <a:t>‹#›</a:t>
             </a:fld>
             <a:endParaRPr lang="en-US"/>
@@ -3432,7 +3471,7 @@
       </p:sp>
       <p:sp>
         <p:nvSpPr>
-          <p:cNvPr id="9" name="Rectangle 8" title="Side bar"/>
+          <p:cNvPr id="9" name="Rectangle 8"/>
           <p:cNvSpPr/>
           <p:nvPr/>
         </p:nvSpPr>
@@ -3864,7 +3903,7 @@
       </p:grpSpPr>
       <p:sp>
         <p:nvSpPr>
-          <p:cNvPr id="2" name="Title 1"/>
+          <p:cNvPr id="4" name="Title 3"/>
           <p:cNvSpPr>
             <a:spLocks noGrp="1"/>
           </p:cNvSpPr>
@@ -3879,34 +3918,14 @@
           <a:p>
             <a:r>
               <a:rPr lang="en-US" dirty="0"/>
-              <a:t>Quality</a:t>
-            </a:r>
-            <a:br>
-              <a:rPr lang="en-US" dirty="0"/>
-            </a:br>
-            <a:r>
-              <a:rPr lang="en-US" sz="3600" dirty="0" err="1"/>
-              <a:t>planetX</a:t>
-            </a:r>
-            <a:r>
-              <a:rPr lang="en-US" sz="3600" dirty="0"/>
-              <a:t>: a </a:t>
-            </a:r>
-            <a:r>
-              <a:rPr lang="en-US" sz="3600" dirty="0" err="1"/>
-              <a:t>markerless</a:t>
-            </a:r>
-            <a:r>
-              <a:rPr lang="en-US" sz="3600" dirty="0"/>
-              <a:t> augmented reality app</a:t>
-            </a:r>
-            <a:endParaRPr lang="en-US" dirty="0"/>
+              <a:t>Quality use cases</a:t>
+            </a:r>
           </a:p>
         </p:txBody>
       </p:sp>
       <p:sp>
         <p:nvSpPr>
-          <p:cNvPr id="3" name="Subtitle 2"/>
+          <p:cNvPr id="5" name="Subtitle 4"/>
           <p:cNvSpPr>
             <a:spLocks noGrp="1"/>
           </p:cNvSpPr>
@@ -3916,59 +3935,55 @@
         </p:nvSpPr>
         <p:spPr>
           <a:xfrm>
-            <a:off x="2679906" y="3956278"/>
-            <a:ext cx="6831673" cy="1709415"/>
+            <a:off x="2679906" y="3956279"/>
+            <a:ext cx="6831673" cy="1647687"/>
           </a:xfrm>
         </p:spPr>
         <p:txBody>
           <a:bodyPr>
-            <a:normAutofit fontScale="92500" lnSpcReduction="10000"/>
+            <a:normAutofit lnSpcReduction="10000"/>
           </a:bodyPr>
           <a:lstStyle/>
           <a:p>
             <a:r>
-              <a:rPr lang="en-US" sz="1800" dirty="0"/>
-              <a:t>Prepared by: </a:t>
-            </a:r>
-          </a:p>
-          <a:p>
-            <a:r>
-              <a:rPr lang="en-US" sz="1800" dirty="0"/>
-              <a:t>(Aria: Survey and Report Generation System Team)</a:t>
-            </a:r>
-          </a:p>
-          <a:p>
-            <a:r>
-              <a:rPr lang="en-US" sz="1800" dirty="0"/>
-              <a:t>Brugada, Jesus P.</a:t>
-            </a:r>
-          </a:p>
-          <a:p>
-            <a:r>
-              <a:rPr lang="en-US" sz="1800" dirty="0"/>
-              <a:t>Gloria, Diego P.</a:t>
-            </a:r>
-          </a:p>
-          <a:p>
-            <a:r>
-              <a:rPr lang="en-US" sz="1800" dirty="0"/>
-              <a:t>Roguel, Jairus G.</a:t>
-            </a:r>
-          </a:p>
-          <a:p>
-            <a:r>
-              <a:rPr lang="en-US" sz="1800" dirty="0"/>
-              <a:t>Ruiz, Angel S.</a:t>
+              <a:rPr lang="en-US" dirty="0" err="1"/>
+              <a:t>Brugada</a:t>
+            </a:r>
+            <a:r>
+              <a:rPr lang="en-US" dirty="0"/>
+              <a:t>, Jesus</a:t>
+            </a:r>
+          </a:p>
+          <a:p>
+            <a:r>
+              <a:rPr lang="en-US" dirty="0"/>
+              <a:t>Gloria, Diego</a:t>
+            </a:r>
+          </a:p>
+          <a:p>
+            <a:r>
+              <a:rPr lang="en-US" dirty="0" err="1"/>
+              <a:t>Roguel</a:t>
+            </a:r>
+            <a:r>
+              <a:rPr lang="en-US" dirty="0"/>
+              <a:t>, </a:t>
+            </a:r>
+            <a:r>
+              <a:rPr lang="en-US" dirty="0" err="1"/>
+              <a:t>Jairus</a:t>
+            </a:r>
+            <a:endParaRPr lang="en-US" dirty="0"/>
+          </a:p>
+          <a:p>
+            <a:r>
+              <a:rPr lang="en-US" dirty="0"/>
+              <a:t>Ruiz, Angelica</a:t>
             </a:r>
           </a:p>
         </p:txBody>
       </p:sp>
     </p:spTree>
-    <p:extLst>
-      <p:ext uri="{BB962C8B-B14F-4D97-AF65-F5344CB8AC3E}">
-        <p14:creationId xmlns:p14="http://schemas.microsoft.com/office/powerpoint/2010/main" val="3678382479"/>
-      </p:ext>
-    </p:extLst>
   </p:cSld>
   <p:clrMapOvr>
     <a:masterClrMapping/>
@@ -4010,7 +4025,7 @@
           <a:p>
             <a:r>
               <a:rPr lang="en-US" dirty="0"/>
-              <a:t>Participants</a:t>
+              <a:t>Test Area and Specification</a:t>
             </a:r>
           </a:p>
         </p:txBody>
@@ -4025,14 +4040,14 @@
             <p:ph idx="1"/>
             <p:extLst>
               <p:ext uri="{D42A27DB-BD31-4B8C-83A1-F6EECF244321}">
-                <p14:modId xmlns:p14="http://schemas.microsoft.com/office/powerpoint/2010/main" val="77710971"/>
+                <p14:modId xmlns:p14="http://schemas.microsoft.com/office/powerpoint/2010/main" val="3292690542"/>
               </p:ext>
             </p:extLst>
           </p:nvPr>
         </p:nvGraphicFramePr>
         <p:xfrm>
-          <a:off x="1371600" y="2286000"/>
-          <a:ext cx="9601200" cy="1854200"/>
+          <a:off x="1371600" y="1362635"/>
+          <a:ext cx="9601200" cy="5308600"/>
         </p:xfrm>
         <a:graphic>
           <a:graphicData uri="http://schemas.openxmlformats.org/drawingml/2006/table">
@@ -4041,20 +4056,34 @@
                 <a:tableStyleId>{FABFCF23-3B69-468F-B69F-88F6DE6A72F2}</a:tableStyleId>
               </a:tblPr>
               <a:tblGrid>
-                <a:gridCol w="4499113">
+                <a:gridCol w="1344706">
                   <a:extLst>
                     <a:ext uri="{9D8B030D-6E8A-4147-A177-3AD203B41FA5}">
                       <a16:colId xmlns:a16="http://schemas.microsoft.com/office/drawing/2014/main" val="20000"/>
                     </a:ext>
                   </a:extLst>
                 </a:gridCol>
-                <a:gridCol w="5102087">
+                <a:gridCol w="3455894">
                   <a:extLst>
                     <a:ext uri="{9D8B030D-6E8A-4147-A177-3AD203B41FA5}">
                       <a16:colId xmlns:a16="http://schemas.microsoft.com/office/drawing/2014/main" val="20001"/>
                     </a:ext>
                   </a:extLst>
                 </a:gridCol>
+                <a:gridCol w="2400300">
+                  <a:extLst>
+                    <a:ext uri="{9D8B030D-6E8A-4147-A177-3AD203B41FA5}">
+                      <a16:colId xmlns:a16="http://schemas.microsoft.com/office/drawing/2014/main" val="20002"/>
+                    </a:ext>
+                  </a:extLst>
+                </a:gridCol>
+                <a:gridCol w="2400300">
+                  <a:extLst>
+                    <a:ext uri="{9D8B030D-6E8A-4147-A177-3AD203B41FA5}">
+                      <a16:colId xmlns:a16="http://schemas.microsoft.com/office/drawing/2014/main" val="20003"/>
+                    </a:ext>
+                  </a:extLst>
+                </a:gridCol>
               </a:tblGrid>
               <a:tr h="370840">
                 <a:tc>
@@ -4065,7 +4094,7 @@
                       <a:pPr algn="ctr"/>
                       <a:r>
                         <a:rPr lang="en-US" dirty="0"/>
-                        <a:t>Name</a:t>
+                        <a:t>UC No,</a:t>
                       </a:r>
                     </a:p>
                   </a:txBody>
@@ -4079,7 +4108,40 @@
                       <a:pPr algn="ctr"/>
                       <a:r>
                         <a:rPr lang="en-US" dirty="0"/>
-                        <a:t>Role</a:t>
+                        <a:t>UC</a:t>
+                      </a:r>
+                      <a:r>
+                        <a:rPr lang="en-US" baseline="0" dirty="0"/>
+                        <a:t> Name</a:t>
+                      </a:r>
+                      <a:endParaRPr lang="en-US" dirty="0"/>
+                    </a:p>
+                  </a:txBody>
+                  <a:tcPr/>
+                </a:tc>
+                <a:tc>
+                  <a:txBody>
+                    <a:bodyPr/>
+                    <a:lstStyle/>
+                    <a:p>
+                      <a:pPr algn="ctr"/>
+                      <a:r>
+                        <a:rPr lang="en-US" dirty="0"/>
+                        <a:t>Test Type</a:t>
+                      </a:r>
+                    </a:p>
+                  </a:txBody>
+                  <a:tcPr/>
+                </a:tc>
+                <a:tc>
+                  <a:txBody>
+                    <a:bodyPr/>
+                    <a:lstStyle/>
+                    <a:p>
+                      <a:pPr algn="ctr"/>
+                      <a:r>
+                        <a:rPr lang="en-US" dirty="0"/>
+                        <a:t>Build No.</a:t>
                       </a:r>
                     </a:p>
                   </a:txBody>
@@ -4100,11 +4162,25 @@
                       <a:pPr algn="ctr"/>
                       <a:r>
                         <a:rPr lang="en-US" dirty="0"/>
-                        <a:t>Angel</a:t>
+                        <a:t>UC01</a:t>
+                      </a:r>
+                    </a:p>
+                  </a:txBody>
+                  <a:tcPr/>
+                </a:tc>
+                <a:tc>
+                  <a:txBody>
+                    <a:bodyPr/>
+                    <a:lstStyle/>
+                    <a:p>
+                      <a:pPr algn="ctr"/>
+                      <a:r>
+                        <a:rPr lang="en-US" dirty="0"/>
+                        <a:t>Download the</a:t>
                       </a:r>
                       <a:r>
                         <a:rPr lang="en-US" baseline="0" dirty="0"/>
-                        <a:t> Ruiz</a:t>
+                        <a:t> PlanetX from the App Store</a:t>
                       </a:r>
                       <a:endParaRPr lang="en-US" dirty="0"/>
                     </a:p>
@@ -4119,8 +4195,27 @@
                       <a:pPr algn="ctr"/>
                       <a:r>
                         <a:rPr lang="en-US" dirty="0"/>
-                        <a:t>Project Manager</a:t>
-                      </a:r>
+                        <a:t>Functional, Performance</a:t>
+                      </a:r>
+                    </a:p>
+                  </a:txBody>
+                  <a:tcPr/>
+                </a:tc>
+                <a:tc>
+                  <a:txBody>
+                    <a:bodyPr/>
+                    <a:lstStyle/>
+                    <a:p>
+                      <a:pPr algn="ctr"/>
+                      <a:r>
+                        <a:rPr lang="en-US" dirty="0"/>
+                        <a:t>001,</a:t>
+                      </a:r>
+                      <a:r>
+                        <a:rPr lang="en-US" baseline="0" dirty="0"/>
+                        <a:t> 002</a:t>
+                      </a:r>
+                      <a:endParaRPr lang="en-US" dirty="0"/>
                     </a:p>
                   </a:txBody>
                   <a:tcPr/>
@@ -4139,18 +4234,91 @@
                     <a:p>
                       <a:pPr algn="ctr"/>
                       <a:r>
-                        <a:rPr lang="en-US" dirty="0" err="1"/>
-                        <a:t>Jairus</a:t>
-                      </a:r>
-                      <a:r>
                         <a:rPr lang="en-US" dirty="0"/>
-                        <a:t> </a:t>
-                      </a:r>
-                      <a:r>
-                        <a:rPr lang="en-US" dirty="0" err="1"/>
-                        <a:t>Roguel</a:t>
+                        <a:t>UC02</a:t>
+                      </a:r>
+                    </a:p>
+                  </a:txBody>
+                  <a:tcPr/>
+                </a:tc>
+                <a:tc>
+                  <a:txBody>
+                    <a:bodyPr/>
+                    <a:lstStyle/>
+                    <a:p>
+                      <a:pPr algn="ctr"/>
+                      <a:r>
+                        <a:rPr lang="en-US" dirty="0"/>
+                        <a:t>Tap the PlanetX</a:t>
+                      </a:r>
+                      <a:r>
+                        <a:rPr lang="en-US" baseline="0" dirty="0"/>
+                        <a:t> application</a:t>
                       </a:r>
                       <a:endParaRPr lang="en-US" dirty="0"/>
+                    </a:p>
+                  </a:txBody>
+                  <a:tcPr/>
+                </a:tc>
+                <a:tc>
+                  <a:txBody>
+                    <a:bodyPr/>
+                    <a:lstStyle/>
+                    <a:p>
+                      <a:pPr algn="ctr"/>
+                      <a:r>
+                        <a:rPr lang="en-US" dirty="0"/>
+                        <a:t>Functional, GUI, Performance</a:t>
+                      </a:r>
+                    </a:p>
+                  </a:txBody>
+                  <a:tcPr/>
+                </a:tc>
+                <a:tc>
+                  <a:txBody>
+                    <a:bodyPr/>
+                    <a:lstStyle/>
+                    <a:p>
+                      <a:pPr algn="ctr"/>
+                      <a:r>
+                        <a:rPr lang="en-US" dirty="0"/>
+                        <a:t>001, 002</a:t>
+                      </a:r>
+                    </a:p>
+                  </a:txBody>
+                  <a:tcPr/>
+                </a:tc>
+                <a:extLst>
+                  <a:ext uri="{0D108BD9-81ED-4DB2-BD59-A6C34878D82A}">
+                    <a16:rowId xmlns:a16="http://schemas.microsoft.com/office/drawing/2014/main" val="10002"/>
+                  </a:ext>
+                </a:extLst>
+              </a:tr>
+              <a:tr h="370840">
+                <a:tc>
+                  <a:txBody>
+                    <a:bodyPr/>
+                    <a:lstStyle/>
+                    <a:p>
+                      <a:pPr algn="ctr"/>
+                      <a:r>
+                        <a:rPr lang="en-US" dirty="0"/>
+                        <a:t>UC03</a:t>
+                      </a:r>
+                    </a:p>
+                  </a:txBody>
+                  <a:tcPr/>
+                </a:tc>
+                <a:tc>
+                  <a:txBody>
+                    <a:bodyPr/>
+                    <a:lstStyle/>
+                    <a:p>
+                      <a:pPr algn="ctr"/>
+                      <a:r>
+                        <a:rPr lang="en-US" dirty="0"/>
+                        <a:t>Choose number of people to accommodate</a:t>
+                      </a:r>
                     </a:p>
                   </a:txBody>
                   <a:tcPr/>
@@ -4179,7 +4347,25 @@
                       </a:pPr>
                       <a:r>
                         <a:rPr lang="en-US" dirty="0"/>
-                        <a:t>Software Designer</a:t>
+                        <a:t>Functional, GUI, Performance</a:t>
+                      </a:r>
+                    </a:p>
+                    <a:p>
+                      <a:pPr algn="ctr"/>
+                      <a:endParaRPr lang="en-US" dirty="0"/>
+                    </a:p>
+                  </a:txBody>
+                  <a:tcPr/>
+                </a:tc>
+                <a:tc>
+                  <a:txBody>
+                    <a:bodyPr/>
+                    <a:lstStyle/>
+                    <a:p>
+                      <a:pPr algn="ctr"/>
+                      <a:r>
+                        <a:rPr lang="en-US" dirty="0"/>
+                        <a:t>001</a:t>
                       </a:r>
                     </a:p>
                   </a:txBody>
@@ -4187,7 +4373,7 @@
                 </a:tc>
                 <a:extLst>
                   <a:ext uri="{0D108BD9-81ED-4DB2-BD59-A6C34878D82A}">
-                    <a16:rowId xmlns:a16="http://schemas.microsoft.com/office/drawing/2014/main" val="10002"/>
+                    <a16:rowId xmlns:a16="http://schemas.microsoft.com/office/drawing/2014/main" val="10003"/>
                   </a:ext>
                 </a:extLst>
               </a:tr>
@@ -4200,17 +4386,22 @@
                       <a:pPr algn="ctr"/>
                       <a:r>
                         <a:rPr lang="en-US" dirty="0"/>
-                        <a:t>Jesus</a:t>
-                      </a:r>
-                      <a:r>
-                        <a:rPr lang="en-US" baseline="0" dirty="0"/>
-                        <a:t> </a:t>
-                      </a:r>
-                      <a:r>
-                        <a:rPr lang="en-US" baseline="0" dirty="0" err="1"/>
-                        <a:t>Brugada</a:t>
-                      </a:r>
-                      <a:endParaRPr lang="en-US" dirty="0"/>
+                        <a:t>UC03.1</a:t>
+                      </a:r>
+                    </a:p>
+                  </a:txBody>
+                  <a:tcPr/>
+                </a:tc>
+                <a:tc>
+                  <a:txBody>
+                    <a:bodyPr/>
+                    <a:lstStyle/>
+                    <a:p>
+                      <a:pPr algn="ctr"/>
+                      <a:r>
+                        <a:rPr lang="en-US" dirty="0"/>
+                        <a:t>Detect ground plane</a:t>
+                      </a:r>
                     </a:p>
                   </a:txBody>
                   <a:tcPr/>
@@ -4239,20 +4430,33 @@
                       </a:pPr>
                       <a:r>
                         <a:rPr lang="en-US" dirty="0"/>
-                        <a:t>Quality Assurance</a:t>
-                      </a:r>
-                      <a:r>
-                        <a:rPr lang="en-US" baseline="0" dirty="0"/>
-                        <a:t> Manager</a:t>
-                      </a:r>
+                        <a:t>Functional, GUI, Performance</a:t>
+                      </a:r>
+                    </a:p>
+                    <a:p>
+                      <a:pPr algn="ctr"/>
                       <a:endParaRPr lang="en-US" dirty="0"/>
+                    </a:p>
+                  </a:txBody>
+                  <a:tcPr/>
+                </a:tc>
+                <a:tc>
+                  <a:txBody>
+                    <a:bodyPr/>
+                    <a:lstStyle/>
+                    <a:p>
+                      <a:pPr algn="ctr"/>
+                      <a:r>
+                        <a:rPr lang="en-US" dirty="0"/>
+                        <a:t>002</a:t>
+                      </a:r>
                     </a:p>
                   </a:txBody>
                   <a:tcPr/>
                 </a:tc>
                 <a:extLst>
                   <a:ext uri="{0D108BD9-81ED-4DB2-BD59-A6C34878D82A}">
-                    <a16:rowId xmlns:a16="http://schemas.microsoft.com/office/drawing/2014/main" val="10003"/>
+                    <a16:rowId xmlns:a16="http://schemas.microsoft.com/office/drawing/2014/main" val="10004"/>
                   </a:ext>
                 </a:extLst>
               </a:tr>
@@ -4265,13 +4469,22 @@
                       <a:pPr algn="ctr"/>
                       <a:r>
                         <a:rPr lang="en-US" dirty="0"/>
-                        <a:t>Diego</a:t>
-                      </a:r>
-                      <a:r>
-                        <a:rPr lang="en-US" baseline="0" dirty="0"/>
-                        <a:t> Gloria</a:t>
-                      </a:r>
-                      <a:endParaRPr lang="en-US" dirty="0"/>
+                        <a:t>UC04</a:t>
+                      </a:r>
+                    </a:p>
+                  </a:txBody>
+                  <a:tcPr/>
+                </a:tc>
+                <a:tc>
+                  <a:txBody>
+                    <a:bodyPr/>
+                    <a:lstStyle/>
+                    <a:p>
+                      <a:pPr algn="ctr"/>
+                      <a:r>
+                        <a:rPr lang="en-US" dirty="0"/>
+                        <a:t>Choose event</a:t>
+                      </a:r>
                     </a:p>
                   </a:txBody>
                   <a:tcPr/>
@@ -4300,7 +4513,25 @@
                       </a:pPr>
                       <a:r>
                         <a:rPr lang="en-US" dirty="0"/>
-                        <a:t>Quality Assurance Analyst</a:t>
+                        <a:t>Functional, GUI, Performance</a:t>
+                      </a:r>
+                    </a:p>
+                    <a:p>
+                      <a:pPr algn="ctr"/>
+                      <a:endParaRPr lang="en-US" dirty="0"/>
+                    </a:p>
+                  </a:txBody>
+                  <a:tcPr/>
+                </a:tc>
+                <a:tc>
+                  <a:txBody>
+                    <a:bodyPr/>
+                    <a:lstStyle/>
+                    <a:p>
+                      <a:pPr algn="ctr"/>
+                      <a:r>
+                        <a:rPr lang="en-US" dirty="0"/>
+                        <a:t>001</a:t>
                       </a:r>
                     </a:p>
                   </a:txBody>
@@ -4308,7 +4539,90 @@
                 </a:tc>
                 <a:extLst>
                   <a:ext uri="{0D108BD9-81ED-4DB2-BD59-A6C34878D82A}">
-                    <a16:rowId xmlns:a16="http://schemas.microsoft.com/office/drawing/2014/main" val="10004"/>
+                    <a16:rowId xmlns:a16="http://schemas.microsoft.com/office/drawing/2014/main" val="10005"/>
+                  </a:ext>
+                </a:extLst>
+              </a:tr>
+              <a:tr h="370840">
+                <a:tc>
+                  <a:txBody>
+                    <a:bodyPr/>
+                    <a:lstStyle/>
+                    <a:p>
+                      <a:pPr algn="ctr"/>
+                      <a:r>
+                        <a:rPr lang="en-US" dirty="0"/>
+                        <a:t>UC04.1</a:t>
+                      </a:r>
+                    </a:p>
+                  </a:txBody>
+                  <a:tcPr/>
+                </a:tc>
+                <a:tc>
+                  <a:txBody>
+                    <a:bodyPr/>
+                    <a:lstStyle/>
+                    <a:p>
+                      <a:pPr algn="ctr"/>
+                      <a:r>
+                        <a:rPr lang="en-US" dirty="0"/>
+                        <a:t>Choose 3D objects</a:t>
+                      </a:r>
+                    </a:p>
+                  </a:txBody>
+                  <a:tcPr/>
+                </a:tc>
+                <a:tc>
+                  <a:txBody>
+                    <a:bodyPr/>
+                    <a:lstStyle/>
+                    <a:p>
+                      <a:pPr marL="0" marR="0" lvl="0" indent="0" algn="ctr" defTabSz="914400" rtl="0" eaLnBrk="1" fontAlgn="auto" latinLnBrk="0" hangingPunct="1">
+                        <a:lnSpc>
+                          <a:spcPct val="100000"/>
+                        </a:lnSpc>
+                        <a:spcBef>
+                          <a:spcPts val="0"/>
+                        </a:spcBef>
+                        <a:spcAft>
+                          <a:spcPts val="0"/>
+                        </a:spcAft>
+                        <a:buClrTx/>
+                        <a:buSzTx/>
+                        <a:buFontTx/>
+                        <a:buNone/>
+                        <a:tabLst/>
+                        <a:defRPr/>
+                      </a:pPr>
+                      <a:r>
+                        <a:rPr lang="en-US" dirty="0"/>
+                        <a:t>Functional, GUI, Performance</a:t>
+                      </a:r>
+                    </a:p>
+                    <a:p>
+                      <a:pPr algn="ctr"/>
+                      <a:endParaRPr lang="en-US" dirty="0"/>
+                    </a:p>
+                  </a:txBody>
+                  <a:tcPr/>
+                </a:tc>
+                <a:tc>
+                  <a:txBody>
+                    <a:bodyPr/>
+                    <a:lstStyle/>
+                    <a:p>
+                      <a:pPr algn="ctr"/>
+                      <a:r>
+                        <a:rPr lang="en-US" dirty="0"/>
+                        <a:t>002</a:t>
+                      </a:r>
+                    </a:p>
+                  </a:txBody>
+                  <a:tcPr/>
+                </a:tc>
+                <a:extLst>
+                  <a:ext uri="{0D108BD9-81ED-4DB2-BD59-A6C34878D82A}">
+                    <a16:rowId xmlns:a16="http://schemas.microsoft.com/office/drawing/2014/main" val="10006"/>
                   </a:ext>
                 </a:extLst>
               </a:tr>
@@ -4319,7 +4633,7 @@
     </p:spTree>
     <p:extLst>
       <p:ext uri="{BB962C8B-B14F-4D97-AF65-F5344CB8AC3E}">
-        <p14:creationId xmlns:p14="http://schemas.microsoft.com/office/powerpoint/2010/main" val="1059633524"/>
+        <p14:creationId xmlns:p14="http://schemas.microsoft.com/office/powerpoint/2010/main" val="4705265"/>
       </p:ext>
     </p:extLst>
   </p:cSld>
@@ -4361,46 +4675,378 @@
           <a:bodyPr/>
           <a:lstStyle/>
           <a:p>
-            <a:r>
-              <a:rPr lang="en-US" dirty="0"/>
-              <a:t>Pie Chart of Iteration 1 and 2 consisting of 12 Test Cases</a:t>
-            </a:r>
+            <a:endParaRPr lang="en-US"/>
           </a:p>
         </p:txBody>
       </p:sp>
-      <p:pic>
-        <p:nvPicPr>
+      <p:graphicFrame>
+        <p:nvGraphicFramePr>
           <p:cNvPr id="4" name="Content Placeholder 3"/>
-          <p:cNvPicPr>
-            <a:picLocks noGrp="1" noChangeAspect="1"/>
-          </p:cNvPicPr>
+          <p:cNvGraphicFramePr>
+            <a:graphicFrameLocks noGrp="1"/>
+          </p:cNvGraphicFramePr>
           <p:nvPr>
             <p:ph idx="1"/>
-          </p:nvPr>
-        </p:nvPicPr>
-        <p:blipFill>
-          <a:blip r:embed="rId2">
-            <a:extLst>
-              <a:ext uri="{28A0092B-C50C-407E-A947-70E740481C1C}">
-                <a14:useLocalDpi xmlns:a14="http://schemas.microsoft.com/office/drawing/2010/main" val="0"/>
-              </a:ext>
-            </a:extLst>
-          </a:blip>
-          <a:stretch>
-            <a:fillRect/>
-          </a:stretch>
-        </p:blipFill>
-        <p:spPr>
-          <a:xfrm>
-            <a:off x="3801035" y="2171700"/>
-            <a:ext cx="4514945" cy="4189124"/>
-          </a:xfrm>
-        </p:spPr>
-      </p:pic>
+            <p:extLst>
+              <p:ext uri="{D42A27DB-BD31-4B8C-83A1-F6EECF244321}">
+                <p14:modId xmlns:p14="http://schemas.microsoft.com/office/powerpoint/2010/main" val="3276772862"/>
+              </p:ext>
+            </p:extLst>
+          </p:nvPr>
+        </p:nvGraphicFramePr>
+        <p:xfrm>
+          <a:off x="1371600" y="2286000"/>
+          <a:ext cx="9601200" cy="2291080"/>
+        </p:xfrm>
+        <a:graphic>
+          <a:graphicData uri="http://schemas.openxmlformats.org/drawingml/2006/table">
+            <a:tbl>
+              <a:tblPr firstRow="1" bandRow="1">
+                <a:tableStyleId>{FABFCF23-3B69-468F-B69F-88F6DE6A72F2}</a:tableStyleId>
+              </a:tblPr>
+              <a:tblGrid>
+                <a:gridCol w="2400300">
+                  <a:extLst>
+                    <a:ext uri="{9D8B030D-6E8A-4147-A177-3AD203B41FA5}">
+                      <a16:colId xmlns:a16="http://schemas.microsoft.com/office/drawing/2014/main" val="20000"/>
+                    </a:ext>
+                  </a:extLst>
+                </a:gridCol>
+                <a:gridCol w="2400300">
+                  <a:extLst>
+                    <a:ext uri="{9D8B030D-6E8A-4147-A177-3AD203B41FA5}">
+                      <a16:colId xmlns:a16="http://schemas.microsoft.com/office/drawing/2014/main" val="20001"/>
+                    </a:ext>
+                  </a:extLst>
+                </a:gridCol>
+                <a:gridCol w="2400300">
+                  <a:extLst>
+                    <a:ext uri="{9D8B030D-6E8A-4147-A177-3AD203B41FA5}">
+                      <a16:colId xmlns:a16="http://schemas.microsoft.com/office/drawing/2014/main" val="20002"/>
+                    </a:ext>
+                  </a:extLst>
+                </a:gridCol>
+                <a:gridCol w="2400300">
+                  <a:extLst>
+                    <a:ext uri="{9D8B030D-6E8A-4147-A177-3AD203B41FA5}">
+                      <a16:colId xmlns:a16="http://schemas.microsoft.com/office/drawing/2014/main" val="20003"/>
+                    </a:ext>
+                  </a:extLst>
+                </a:gridCol>
+              </a:tblGrid>
+              <a:tr h="370840">
+                <a:tc>
+                  <a:txBody>
+                    <a:bodyPr/>
+                    <a:lstStyle/>
+                    <a:p>
+                      <a:pPr algn="ctr"/>
+                      <a:r>
+                        <a:rPr lang="en-US" dirty="0"/>
+                        <a:t>UC No.</a:t>
+                      </a:r>
+                    </a:p>
+                  </a:txBody>
+                  <a:tcPr/>
+                </a:tc>
+                <a:tc>
+                  <a:txBody>
+                    <a:bodyPr/>
+                    <a:lstStyle/>
+                    <a:p>
+                      <a:pPr algn="ctr"/>
+                      <a:r>
+                        <a:rPr lang="en-US" dirty="0"/>
+                        <a:t>UC Name</a:t>
+                      </a:r>
+                    </a:p>
+                  </a:txBody>
+                  <a:tcPr/>
+                </a:tc>
+                <a:tc>
+                  <a:txBody>
+                    <a:bodyPr/>
+                    <a:lstStyle/>
+                    <a:p>
+                      <a:pPr algn="ctr"/>
+                      <a:r>
+                        <a:rPr lang="en-US" dirty="0"/>
+                        <a:t>Test Type</a:t>
+                      </a:r>
+                    </a:p>
+                  </a:txBody>
+                  <a:tcPr/>
+                </a:tc>
+                <a:tc>
+                  <a:txBody>
+                    <a:bodyPr/>
+                    <a:lstStyle/>
+                    <a:p>
+                      <a:pPr algn="ctr"/>
+                      <a:r>
+                        <a:rPr lang="en-US" dirty="0"/>
+                        <a:t>Build No.</a:t>
+                      </a:r>
+                    </a:p>
+                  </a:txBody>
+                  <a:tcPr/>
+                </a:tc>
+                <a:extLst>
+                  <a:ext uri="{0D108BD9-81ED-4DB2-BD59-A6C34878D82A}">
+                    <a16:rowId xmlns:a16="http://schemas.microsoft.com/office/drawing/2014/main" val="10000"/>
+                  </a:ext>
+                </a:extLst>
+              </a:tr>
+              <a:tr h="370840">
+                <a:tc>
+                  <a:txBody>
+                    <a:bodyPr/>
+                    <a:lstStyle/>
+                    <a:p>
+                      <a:pPr algn="ctr"/>
+                      <a:r>
+                        <a:rPr lang="en-US" dirty="0"/>
+                        <a:t>UC05</a:t>
+                      </a:r>
+                    </a:p>
+                  </a:txBody>
+                  <a:tcPr/>
+                </a:tc>
+                <a:tc>
+                  <a:txBody>
+                    <a:bodyPr/>
+                    <a:lstStyle/>
+                    <a:p>
+                      <a:pPr algn="ctr"/>
+                      <a:r>
+                        <a:rPr lang="en-US" dirty="0"/>
+                        <a:t>Interact with the AR Camera</a:t>
+                      </a:r>
+                    </a:p>
+                  </a:txBody>
+                  <a:tcPr/>
+                </a:tc>
+                <a:tc>
+                  <a:txBody>
+                    <a:bodyPr/>
+                    <a:lstStyle/>
+                    <a:p>
+                      <a:pPr marL="0" marR="0" lvl="0" indent="0" algn="ctr" defTabSz="914400" rtl="0" eaLnBrk="1" fontAlgn="auto" latinLnBrk="0" hangingPunct="1">
+                        <a:lnSpc>
+                          <a:spcPct val="100000"/>
+                        </a:lnSpc>
+                        <a:spcBef>
+                          <a:spcPts val="0"/>
+                        </a:spcBef>
+                        <a:spcAft>
+                          <a:spcPts val="0"/>
+                        </a:spcAft>
+                        <a:buClrTx/>
+                        <a:buSzTx/>
+                        <a:buFontTx/>
+                        <a:buNone/>
+                        <a:tabLst/>
+                        <a:defRPr/>
+                      </a:pPr>
+                      <a:r>
+                        <a:rPr lang="en-US" dirty="0"/>
+                        <a:t>Functional, GUI, Performance</a:t>
+                      </a:r>
+                    </a:p>
+                  </a:txBody>
+                  <a:tcPr/>
+                </a:tc>
+                <a:tc>
+                  <a:txBody>
+                    <a:bodyPr/>
+                    <a:lstStyle/>
+                    <a:p>
+                      <a:pPr algn="ctr"/>
+                      <a:r>
+                        <a:rPr lang="en-US" dirty="0"/>
+                        <a:t>001</a:t>
+                      </a:r>
+                    </a:p>
+                  </a:txBody>
+                  <a:tcPr/>
+                </a:tc>
+                <a:extLst>
+                  <a:ext uri="{0D108BD9-81ED-4DB2-BD59-A6C34878D82A}">
+                    <a16:rowId xmlns:a16="http://schemas.microsoft.com/office/drawing/2014/main" val="10001"/>
+                  </a:ext>
+                </a:extLst>
+              </a:tr>
+              <a:tr h="370840">
+                <a:tc>
+                  <a:txBody>
+                    <a:bodyPr/>
+                    <a:lstStyle/>
+                    <a:p>
+                      <a:pPr algn="ctr"/>
+                      <a:r>
+                        <a:rPr lang="en-US" dirty="0"/>
+                        <a:t>UC05.1</a:t>
+                      </a:r>
+                    </a:p>
+                  </a:txBody>
+                  <a:tcPr/>
+                </a:tc>
+                <a:tc>
+                  <a:txBody>
+                    <a:bodyPr/>
+                    <a:lstStyle/>
+                    <a:p>
+                      <a:pPr algn="ctr"/>
+                      <a:r>
+                        <a:rPr lang="en-US" dirty="0"/>
+                        <a:t>Resize 3D</a:t>
+                      </a:r>
+                      <a:r>
+                        <a:rPr lang="en-US" baseline="0" dirty="0"/>
+                        <a:t> objects</a:t>
+                      </a:r>
+                      <a:endParaRPr lang="en-US" dirty="0"/>
+                    </a:p>
+                  </a:txBody>
+                  <a:tcPr/>
+                </a:tc>
+                <a:tc>
+                  <a:txBody>
+                    <a:bodyPr/>
+                    <a:lstStyle/>
+                    <a:p>
+                      <a:pPr marL="0" marR="0" lvl="0" indent="0" algn="ctr" defTabSz="914400" rtl="0" eaLnBrk="1" fontAlgn="auto" latinLnBrk="0" hangingPunct="1">
+                        <a:lnSpc>
+                          <a:spcPct val="100000"/>
+                        </a:lnSpc>
+                        <a:spcBef>
+                          <a:spcPts val="0"/>
+                        </a:spcBef>
+                        <a:spcAft>
+                          <a:spcPts val="0"/>
+                        </a:spcAft>
+                        <a:buClrTx/>
+                        <a:buSzTx/>
+                        <a:buFontTx/>
+                        <a:buNone/>
+                        <a:tabLst/>
+                        <a:defRPr/>
+                      </a:pPr>
+                      <a:r>
+                        <a:rPr lang="en-US" dirty="0"/>
+                        <a:t>Functional, GUI, Performance</a:t>
+                      </a:r>
+                    </a:p>
+                  </a:txBody>
+                  <a:tcPr/>
+                </a:tc>
+                <a:tc>
+                  <a:txBody>
+                    <a:bodyPr/>
+                    <a:lstStyle/>
+                    <a:p>
+                      <a:pPr algn="ctr"/>
+                      <a:r>
+                        <a:rPr lang="en-US" dirty="0"/>
+                        <a:t>002</a:t>
+                      </a:r>
+                    </a:p>
+                  </a:txBody>
+                  <a:tcPr/>
+                </a:tc>
+                <a:extLst>
+                  <a:ext uri="{0D108BD9-81ED-4DB2-BD59-A6C34878D82A}">
+                    <a16:rowId xmlns:a16="http://schemas.microsoft.com/office/drawing/2014/main" val="10002"/>
+                  </a:ext>
+                </a:extLst>
+              </a:tr>
+              <a:tr h="370840">
+                <a:tc>
+                  <a:txBody>
+                    <a:bodyPr/>
+                    <a:lstStyle/>
+                    <a:p>
+                      <a:pPr algn="ctr"/>
+                      <a:r>
+                        <a:rPr lang="en-US" dirty="0"/>
+                        <a:t>UC06</a:t>
+                      </a:r>
+                    </a:p>
+                  </a:txBody>
+                  <a:tcPr/>
+                </a:tc>
+                <a:tc>
+                  <a:txBody>
+                    <a:bodyPr/>
+                    <a:lstStyle/>
+                    <a:p>
+                      <a:pPr algn="ctr"/>
+                      <a:r>
+                        <a:rPr lang="en-US" dirty="0"/>
+                        <a:t>Close the app</a:t>
+                      </a:r>
+                    </a:p>
+                  </a:txBody>
+                  <a:tcPr/>
+                </a:tc>
+                <a:tc>
+                  <a:txBody>
+                    <a:bodyPr/>
+                    <a:lstStyle/>
+                    <a:p>
+                      <a:pPr marL="0" marR="0" lvl="0" indent="0" algn="ctr" defTabSz="914400" rtl="0" eaLnBrk="1" fontAlgn="auto" latinLnBrk="0" hangingPunct="1">
+                        <a:lnSpc>
+                          <a:spcPct val="100000"/>
+                        </a:lnSpc>
+                        <a:spcBef>
+                          <a:spcPts val="0"/>
+                        </a:spcBef>
+                        <a:spcAft>
+                          <a:spcPts val="0"/>
+                        </a:spcAft>
+                        <a:buClrTx/>
+                        <a:buSzTx/>
+                        <a:buFontTx/>
+                        <a:buNone/>
+                        <a:tabLst/>
+                        <a:defRPr/>
+                      </a:pPr>
+                      <a:r>
+                        <a:rPr lang="en-US" dirty="0"/>
+                        <a:t>Functional, GUI, Performance</a:t>
+                      </a:r>
+                    </a:p>
+                  </a:txBody>
+                  <a:tcPr/>
+                </a:tc>
+                <a:tc>
+                  <a:txBody>
+                    <a:bodyPr/>
+                    <a:lstStyle/>
+                    <a:p>
+                      <a:pPr algn="ctr"/>
+                      <a:r>
+                        <a:rPr lang="en-US" dirty="0"/>
+                        <a:t>001,002</a:t>
+                      </a:r>
+                    </a:p>
+                  </a:txBody>
+                  <a:tcPr/>
+                </a:tc>
+                <a:extLst>
+                  <a:ext uri="{0D108BD9-81ED-4DB2-BD59-A6C34878D82A}">
+                    <a16:rowId xmlns:a16="http://schemas.microsoft.com/office/drawing/2014/main" val="10003"/>
+                  </a:ext>
+                </a:extLst>
+              </a:tr>
+            </a:tbl>
+          </a:graphicData>
+        </a:graphic>
+      </p:graphicFrame>
     </p:spTree>
     <p:extLst>
       <p:ext uri="{BB962C8B-B14F-4D97-AF65-F5344CB8AC3E}">
-        <p14:creationId xmlns:p14="http://schemas.microsoft.com/office/powerpoint/2010/main" val="83026798"/>
+        <p14:creationId xmlns:p14="http://schemas.microsoft.com/office/powerpoint/2010/main" val="2544367676"/>
       </p:ext>
     </p:extLst>
   </p:cSld>
@@ -4444,44 +5090,688 @@
           <a:p>
             <a:r>
               <a:rPr lang="en-US" dirty="0"/>
-              <a:t>Test Result Per Test Case</a:t>
+              <a:t>Milestone</a:t>
             </a:r>
           </a:p>
         </p:txBody>
       </p:sp>
-      <p:pic>
-        <p:nvPicPr>
+      <p:graphicFrame>
+        <p:nvGraphicFramePr>
           <p:cNvPr id="4" name="Content Placeholder 3"/>
-          <p:cNvPicPr>
-            <a:picLocks noGrp="1" noChangeAspect="1"/>
-          </p:cNvPicPr>
+          <p:cNvGraphicFramePr>
+            <a:graphicFrameLocks noGrp="1"/>
+          </p:cNvGraphicFramePr>
           <p:nvPr>
             <p:ph idx="1"/>
-          </p:nvPr>
-        </p:nvPicPr>
-        <p:blipFill>
-          <a:blip r:embed="rId2">
-            <a:extLst>
-              <a:ext uri="{28A0092B-C50C-407E-A947-70E740481C1C}">
-                <a14:useLocalDpi xmlns:a14="http://schemas.microsoft.com/office/drawing/2010/main" val="0"/>
-              </a:ext>
-            </a:extLst>
-          </a:blip>
-          <a:stretch>
-            <a:fillRect/>
-          </a:stretch>
-        </p:blipFill>
-        <p:spPr>
-          <a:xfrm>
-            <a:off x="2137689" y="2330823"/>
-            <a:ext cx="8556938" cy="3823447"/>
-          </a:xfrm>
-        </p:spPr>
-      </p:pic>
+            <p:extLst>
+              <p:ext uri="{D42A27DB-BD31-4B8C-83A1-F6EECF244321}">
+                <p14:modId xmlns:p14="http://schemas.microsoft.com/office/powerpoint/2010/main" val="2109552368"/>
+              </p:ext>
+            </p:extLst>
+          </p:nvPr>
+        </p:nvGraphicFramePr>
+        <p:xfrm>
+          <a:off x="1371600" y="1757083"/>
+          <a:ext cx="9601200" cy="4450080"/>
+        </p:xfrm>
+        <a:graphic>
+          <a:graphicData uri="http://schemas.openxmlformats.org/drawingml/2006/table">
+            <a:tbl>
+              <a:tblPr firstRow="1" bandRow="1">
+                <a:tableStyleId>{FABFCF23-3B69-468F-B69F-88F6DE6A72F2}</a:tableStyleId>
+              </a:tblPr>
+              <a:tblGrid>
+                <a:gridCol w="3200400">
+                  <a:extLst>
+                    <a:ext uri="{9D8B030D-6E8A-4147-A177-3AD203B41FA5}">
+                      <a16:colId xmlns:a16="http://schemas.microsoft.com/office/drawing/2014/main" val="20000"/>
+                    </a:ext>
+                  </a:extLst>
+                </a:gridCol>
+                <a:gridCol w="3200400">
+                  <a:extLst>
+                    <a:ext uri="{9D8B030D-6E8A-4147-A177-3AD203B41FA5}">
+                      <a16:colId xmlns:a16="http://schemas.microsoft.com/office/drawing/2014/main" val="20001"/>
+                    </a:ext>
+                  </a:extLst>
+                </a:gridCol>
+                <a:gridCol w="3200400">
+                  <a:extLst>
+                    <a:ext uri="{9D8B030D-6E8A-4147-A177-3AD203B41FA5}">
+                      <a16:colId xmlns:a16="http://schemas.microsoft.com/office/drawing/2014/main" val="20002"/>
+                    </a:ext>
+                  </a:extLst>
+                </a:gridCol>
+              </a:tblGrid>
+              <a:tr h="370840">
+                <a:tc>
+                  <a:txBody>
+                    <a:bodyPr/>
+                    <a:lstStyle/>
+                    <a:p>
+                      <a:pPr algn="ctr"/>
+                      <a:r>
+                        <a:rPr lang="en-US" dirty="0"/>
+                        <a:t>Deliverables</a:t>
+                      </a:r>
+                    </a:p>
+                  </a:txBody>
+                  <a:tcPr/>
+                </a:tc>
+                <a:tc>
+                  <a:txBody>
+                    <a:bodyPr/>
+                    <a:lstStyle/>
+                    <a:p>
+                      <a:pPr algn="ctr"/>
+                      <a:r>
+                        <a:rPr lang="en-US" dirty="0"/>
+                        <a:t>Date Start</a:t>
+                      </a:r>
+                    </a:p>
+                  </a:txBody>
+                  <a:tcPr/>
+                </a:tc>
+                <a:tc>
+                  <a:txBody>
+                    <a:bodyPr/>
+                    <a:lstStyle/>
+                    <a:p>
+                      <a:pPr algn="ctr"/>
+                      <a:r>
+                        <a:rPr lang="en-US" dirty="0"/>
+                        <a:t>Date End</a:t>
+                      </a:r>
+                    </a:p>
+                  </a:txBody>
+                  <a:tcPr/>
+                </a:tc>
+                <a:extLst>
+                  <a:ext uri="{0D108BD9-81ED-4DB2-BD59-A6C34878D82A}">
+                    <a16:rowId xmlns:a16="http://schemas.microsoft.com/office/drawing/2014/main" val="10000"/>
+                  </a:ext>
+                </a:extLst>
+              </a:tr>
+              <a:tr h="370840">
+                <a:tc>
+                  <a:txBody>
+                    <a:bodyPr/>
+                    <a:lstStyle/>
+                    <a:p>
+                      <a:pPr algn="ctr"/>
+                      <a:r>
+                        <a:rPr lang="en-US" b="1" dirty="0"/>
+                        <a:t>Create Use</a:t>
+                      </a:r>
+                      <a:r>
+                        <a:rPr lang="en-US" b="1" baseline="0" dirty="0"/>
+                        <a:t> Cases</a:t>
+                      </a:r>
+                      <a:endParaRPr lang="en-US" b="1" dirty="0"/>
+                    </a:p>
+                  </a:txBody>
+                  <a:tcPr/>
+                </a:tc>
+                <a:tc>
+                  <a:txBody>
+                    <a:bodyPr/>
+                    <a:lstStyle/>
+                    <a:p>
+                      <a:pPr algn="ctr"/>
+                      <a:r>
+                        <a:rPr lang="en-US" dirty="0"/>
+                        <a:t>February 27, 2017</a:t>
+                      </a:r>
+                    </a:p>
+                  </a:txBody>
+                  <a:tcPr/>
+                </a:tc>
+                <a:tc>
+                  <a:txBody>
+                    <a:bodyPr/>
+                    <a:lstStyle/>
+                    <a:p>
+                      <a:pPr algn="ctr"/>
+                      <a:r>
+                        <a:rPr lang="en-US" dirty="0"/>
+                        <a:t>March</a:t>
+                      </a:r>
+                      <a:r>
+                        <a:rPr lang="en-US" baseline="0" dirty="0"/>
+                        <a:t> 6, 2017</a:t>
+                      </a:r>
+                      <a:endParaRPr lang="en-US" dirty="0"/>
+                    </a:p>
+                  </a:txBody>
+                  <a:tcPr/>
+                </a:tc>
+                <a:extLst>
+                  <a:ext uri="{0D108BD9-81ED-4DB2-BD59-A6C34878D82A}">
+                    <a16:rowId xmlns:a16="http://schemas.microsoft.com/office/drawing/2014/main" val="10001"/>
+                  </a:ext>
+                </a:extLst>
+              </a:tr>
+              <a:tr h="370840">
+                <a:tc>
+                  <a:txBody>
+                    <a:bodyPr/>
+                    <a:lstStyle/>
+                    <a:p>
+                      <a:pPr algn="ctr"/>
+                      <a:r>
+                        <a:rPr lang="en-US" b="1" dirty="0"/>
+                        <a:t>Develop Test Plan</a:t>
+                      </a:r>
+                    </a:p>
+                  </a:txBody>
+                  <a:tcPr/>
+                </a:tc>
+                <a:tc>
+                  <a:txBody>
+                    <a:bodyPr/>
+                    <a:lstStyle/>
+                    <a:p>
+                      <a:pPr algn="ctr"/>
+                      <a:r>
+                        <a:rPr lang="en-US" dirty="0"/>
+                        <a:t>February 27, 2017</a:t>
+                      </a:r>
+                    </a:p>
+                  </a:txBody>
+                  <a:tcPr/>
+                </a:tc>
+                <a:tc>
+                  <a:txBody>
+                    <a:bodyPr/>
+                    <a:lstStyle/>
+                    <a:p>
+                      <a:pPr algn="ctr"/>
+                      <a:r>
+                        <a:rPr lang="en-US" dirty="0"/>
+                        <a:t>March 6, 2017</a:t>
+                      </a:r>
+                    </a:p>
+                  </a:txBody>
+                  <a:tcPr/>
+                </a:tc>
+                <a:extLst>
+                  <a:ext uri="{0D108BD9-81ED-4DB2-BD59-A6C34878D82A}">
+                    <a16:rowId xmlns:a16="http://schemas.microsoft.com/office/drawing/2014/main" val="10002"/>
+                  </a:ext>
+                </a:extLst>
+              </a:tr>
+              <a:tr h="370840">
+                <a:tc>
+                  <a:txBody>
+                    <a:bodyPr/>
+                    <a:lstStyle/>
+                    <a:p>
+                      <a:pPr algn="ctr"/>
+                      <a:r>
+                        <a:rPr lang="en-US" b="1" dirty="0"/>
+                        <a:t>Update Test Plan</a:t>
+                      </a:r>
+                    </a:p>
+                  </a:txBody>
+                  <a:tcPr/>
+                </a:tc>
+                <a:tc>
+                  <a:txBody>
+                    <a:bodyPr/>
+                    <a:lstStyle/>
+                    <a:p>
+                      <a:pPr algn="ctr"/>
+                      <a:r>
+                        <a:rPr lang="en-US" dirty="0"/>
+                        <a:t>March 6, 2017</a:t>
+                      </a:r>
+                    </a:p>
+                  </a:txBody>
+                  <a:tcPr/>
+                </a:tc>
+                <a:tc>
+                  <a:txBody>
+                    <a:bodyPr/>
+                    <a:lstStyle/>
+                    <a:p>
+                      <a:pPr algn="ctr"/>
+                      <a:r>
+                        <a:rPr lang="en-US" dirty="0"/>
+                        <a:t>March 13,</a:t>
+                      </a:r>
+                      <a:r>
+                        <a:rPr lang="en-US" baseline="0" dirty="0"/>
+                        <a:t> 2017</a:t>
+                      </a:r>
+                      <a:endParaRPr lang="en-US" dirty="0"/>
+                    </a:p>
+                  </a:txBody>
+                  <a:tcPr/>
+                </a:tc>
+                <a:extLst>
+                  <a:ext uri="{0D108BD9-81ED-4DB2-BD59-A6C34878D82A}">
+                    <a16:rowId xmlns:a16="http://schemas.microsoft.com/office/drawing/2014/main" val="10003"/>
+                  </a:ext>
+                </a:extLst>
+              </a:tr>
+              <a:tr h="370840">
+                <a:tc gridSpan="3">
+                  <a:txBody>
+                    <a:bodyPr/>
+                    <a:lstStyle/>
+                    <a:p>
+                      <a:pPr algn="ctr"/>
+                      <a:r>
+                        <a:rPr lang="en-US" b="1" dirty="0"/>
+                        <a:t>BUILD</a:t>
+                      </a:r>
+                      <a:r>
+                        <a:rPr lang="en-US" b="1" baseline="0" dirty="0"/>
+                        <a:t> 001</a:t>
+                      </a:r>
+                      <a:endParaRPr lang="en-US" b="1" dirty="0"/>
+                    </a:p>
+                  </a:txBody>
+                  <a:tcPr/>
+                </a:tc>
+                <a:tc hMerge="1">
+                  <a:txBody>
+                    <a:bodyPr/>
+                    <a:lstStyle/>
+                    <a:p>
+                      <a:pPr algn="ctr"/>
+                      <a:endParaRPr lang="en-US" dirty="0"/>
+                    </a:p>
+                  </a:txBody>
+                  <a:tcPr/>
+                </a:tc>
+                <a:tc hMerge="1">
+                  <a:txBody>
+                    <a:bodyPr/>
+                    <a:lstStyle/>
+                    <a:p>
+                      <a:pPr algn="ctr"/>
+                      <a:endParaRPr lang="en-US" dirty="0"/>
+                    </a:p>
+                  </a:txBody>
+                  <a:tcPr/>
+                </a:tc>
+                <a:extLst>
+                  <a:ext uri="{0D108BD9-81ED-4DB2-BD59-A6C34878D82A}">
+                    <a16:rowId xmlns:a16="http://schemas.microsoft.com/office/drawing/2014/main" val="10004"/>
+                  </a:ext>
+                </a:extLst>
+              </a:tr>
+              <a:tr h="370840">
+                <a:tc>
+                  <a:txBody>
+                    <a:bodyPr/>
+                    <a:lstStyle/>
+                    <a:p>
+                      <a:pPr algn="ctr"/>
+                      <a:r>
+                        <a:rPr lang="en-US" b="1" dirty="0"/>
+                        <a:t>Test Case</a:t>
+                      </a:r>
+                    </a:p>
+                  </a:txBody>
+                  <a:tcPr/>
+                </a:tc>
+                <a:tc>
+                  <a:txBody>
+                    <a:bodyPr/>
+                    <a:lstStyle/>
+                    <a:p>
+                      <a:pPr algn="ctr"/>
+                      <a:r>
+                        <a:rPr lang="en-US" b="0" dirty="0"/>
+                        <a:t>March 13, 2017</a:t>
+                      </a:r>
+                    </a:p>
+                  </a:txBody>
+                  <a:tcPr/>
+                </a:tc>
+                <a:tc>
+                  <a:txBody>
+                    <a:bodyPr/>
+                    <a:lstStyle/>
+                    <a:p>
+                      <a:pPr algn="ctr"/>
+                      <a:r>
+                        <a:rPr lang="en-US" b="0" dirty="0"/>
+                        <a:t>March 13, 2017</a:t>
+                      </a:r>
+                    </a:p>
+                  </a:txBody>
+                  <a:tcPr/>
+                </a:tc>
+                <a:extLst>
+                  <a:ext uri="{0D108BD9-81ED-4DB2-BD59-A6C34878D82A}">
+                    <a16:rowId xmlns:a16="http://schemas.microsoft.com/office/drawing/2014/main" val="10005"/>
+                  </a:ext>
+                </a:extLst>
+              </a:tr>
+              <a:tr h="370840">
+                <a:tc>
+                  <a:txBody>
+                    <a:bodyPr/>
+                    <a:lstStyle/>
+                    <a:p>
+                      <a:pPr algn="ctr"/>
+                      <a:r>
+                        <a:rPr lang="en-US" b="1" dirty="0"/>
+                        <a:t>Execute TC – Build</a:t>
+                      </a:r>
+                      <a:r>
+                        <a:rPr lang="en-US" b="1" baseline="0" dirty="0"/>
+                        <a:t> 001</a:t>
+                      </a:r>
+                      <a:endParaRPr lang="en-US" b="1" dirty="0"/>
+                    </a:p>
+                  </a:txBody>
+                  <a:tcPr/>
+                </a:tc>
+                <a:tc>
+                  <a:txBody>
+                    <a:bodyPr/>
+                    <a:lstStyle/>
+                    <a:p>
+                      <a:pPr algn="ctr"/>
+                      <a:r>
+                        <a:rPr lang="en-US" b="0" dirty="0"/>
+                        <a:t>March 16, 2017</a:t>
+                      </a:r>
+                    </a:p>
+                  </a:txBody>
+                  <a:tcPr/>
+                </a:tc>
+                <a:tc>
+                  <a:txBody>
+                    <a:bodyPr/>
+                    <a:lstStyle/>
+                    <a:p>
+                      <a:pPr algn="ctr"/>
+                      <a:r>
+                        <a:rPr lang="en-US" b="0" dirty="0"/>
+                        <a:t>March 16, 2017</a:t>
+                      </a:r>
+                    </a:p>
+                  </a:txBody>
+                  <a:tcPr/>
+                </a:tc>
+                <a:extLst>
+                  <a:ext uri="{0D108BD9-81ED-4DB2-BD59-A6C34878D82A}">
+                    <a16:rowId xmlns:a16="http://schemas.microsoft.com/office/drawing/2014/main" val="10006"/>
+                  </a:ext>
+                </a:extLst>
+              </a:tr>
+              <a:tr h="370840">
+                <a:tc>
+                  <a:txBody>
+                    <a:bodyPr/>
+                    <a:lstStyle/>
+                    <a:p>
+                      <a:pPr algn="ctr"/>
+                      <a:r>
+                        <a:rPr lang="en-US" b="1" dirty="0"/>
+                        <a:t>Test Log/Reports</a:t>
+                      </a:r>
+                    </a:p>
+                  </a:txBody>
+                  <a:tcPr/>
+                </a:tc>
+                <a:tc>
+                  <a:txBody>
+                    <a:bodyPr/>
+                    <a:lstStyle/>
+                    <a:p>
+                      <a:pPr algn="ctr"/>
+                      <a:r>
+                        <a:rPr lang="en-US" b="0" dirty="0"/>
+                        <a:t>March 16, 2017</a:t>
+                      </a:r>
+                    </a:p>
+                  </a:txBody>
+                  <a:tcPr/>
+                </a:tc>
+                <a:tc>
+                  <a:txBody>
+                    <a:bodyPr/>
+                    <a:lstStyle/>
+                    <a:p>
+                      <a:pPr algn="ctr"/>
+                      <a:r>
+                        <a:rPr lang="en-US" b="0" dirty="0"/>
+                        <a:t>March 20, 2017</a:t>
+                      </a:r>
+                    </a:p>
+                  </a:txBody>
+                  <a:tcPr/>
+                </a:tc>
+                <a:extLst>
+                  <a:ext uri="{0D108BD9-81ED-4DB2-BD59-A6C34878D82A}">
+                    <a16:rowId xmlns:a16="http://schemas.microsoft.com/office/drawing/2014/main" val="10007"/>
+                  </a:ext>
+                </a:extLst>
+              </a:tr>
+              <a:tr h="370840">
+                <a:tc>
+                  <a:txBody>
+                    <a:bodyPr/>
+                    <a:lstStyle/>
+                    <a:p>
+                      <a:pPr algn="ctr"/>
+                      <a:r>
+                        <a:rPr lang="en-US" b="1" dirty="0"/>
+                        <a:t>Review/Update</a:t>
+                      </a:r>
+                      <a:r>
+                        <a:rPr lang="en-US" b="1" baseline="0" dirty="0"/>
+                        <a:t> Cases</a:t>
+                      </a:r>
+                      <a:endParaRPr lang="en-US" b="1" dirty="0"/>
+                    </a:p>
+                  </a:txBody>
+                  <a:tcPr/>
+                </a:tc>
+                <a:tc>
+                  <a:txBody>
+                    <a:bodyPr/>
+                    <a:lstStyle/>
+                    <a:p>
+                      <a:pPr algn="ctr"/>
+                      <a:r>
+                        <a:rPr lang="en-US" b="0" dirty="0"/>
+                        <a:t>March</a:t>
+                      </a:r>
+                      <a:r>
+                        <a:rPr lang="en-US" b="0" baseline="0" dirty="0"/>
+                        <a:t> 20, 2017</a:t>
+                      </a:r>
+                      <a:endParaRPr lang="en-US" b="0" dirty="0"/>
+                    </a:p>
+                  </a:txBody>
+                  <a:tcPr/>
+                </a:tc>
+                <a:tc>
+                  <a:txBody>
+                    <a:bodyPr/>
+                    <a:lstStyle/>
+                    <a:p>
+                      <a:pPr algn="ctr"/>
+                      <a:r>
+                        <a:rPr lang="en-US" b="0" dirty="0"/>
+                        <a:t>March 27, 2017</a:t>
+                      </a:r>
+                    </a:p>
+                  </a:txBody>
+                  <a:tcPr/>
+                </a:tc>
+                <a:extLst>
+                  <a:ext uri="{0D108BD9-81ED-4DB2-BD59-A6C34878D82A}">
+                    <a16:rowId xmlns:a16="http://schemas.microsoft.com/office/drawing/2014/main" val="10008"/>
+                  </a:ext>
+                </a:extLst>
+              </a:tr>
+              <a:tr h="370840">
+                <a:tc gridSpan="3">
+                  <a:txBody>
+                    <a:bodyPr/>
+                    <a:lstStyle/>
+                    <a:p>
+                      <a:pPr algn="ctr"/>
+                      <a:r>
+                        <a:rPr lang="en-US" b="1" dirty="0"/>
+                        <a:t>BUILD</a:t>
+                      </a:r>
+                      <a:r>
+                        <a:rPr lang="en-US" b="1" baseline="0" dirty="0"/>
+                        <a:t> 002</a:t>
+                      </a:r>
+                      <a:endParaRPr lang="en-US" b="1" dirty="0"/>
+                    </a:p>
+                  </a:txBody>
+                  <a:tcPr/>
+                </a:tc>
+                <a:tc hMerge="1">
+                  <a:txBody>
+                    <a:bodyPr/>
+                    <a:lstStyle/>
+                    <a:p>
+                      <a:pPr algn="ctr"/>
+                      <a:endParaRPr lang="en-US" b="1" dirty="0"/>
+                    </a:p>
+                  </a:txBody>
+                  <a:tcPr/>
+                </a:tc>
+                <a:tc hMerge="1">
+                  <a:txBody>
+                    <a:bodyPr/>
+                    <a:lstStyle/>
+                    <a:p>
+                      <a:pPr algn="ctr"/>
+                      <a:endParaRPr lang="en-US" b="1" dirty="0"/>
+                    </a:p>
+                  </a:txBody>
+                  <a:tcPr/>
+                </a:tc>
+                <a:extLst>
+                  <a:ext uri="{0D108BD9-81ED-4DB2-BD59-A6C34878D82A}">
+                    <a16:rowId xmlns:a16="http://schemas.microsoft.com/office/drawing/2014/main" val="10009"/>
+                  </a:ext>
+                </a:extLst>
+              </a:tr>
+              <a:tr h="370840">
+                <a:tc>
+                  <a:txBody>
+                    <a:bodyPr/>
+                    <a:lstStyle/>
+                    <a:p>
+                      <a:pPr algn="ctr"/>
+                      <a:r>
+                        <a:rPr lang="en-US" b="1" dirty="0"/>
+                        <a:t>Execute</a:t>
+                      </a:r>
+                      <a:r>
+                        <a:rPr lang="en-US" b="1" baseline="0" dirty="0"/>
+                        <a:t> TC – Build 002</a:t>
+                      </a:r>
+                      <a:endParaRPr lang="en-US" b="1" dirty="0"/>
+                    </a:p>
+                  </a:txBody>
+                  <a:tcPr/>
+                </a:tc>
+                <a:tc>
+                  <a:txBody>
+                    <a:bodyPr/>
+                    <a:lstStyle/>
+                    <a:p>
+                      <a:pPr algn="ctr"/>
+                      <a:r>
+                        <a:rPr lang="en-US" b="0" dirty="0"/>
+                        <a:t>March 27, 2017</a:t>
+                      </a:r>
+                    </a:p>
+                  </a:txBody>
+                  <a:tcPr/>
+                </a:tc>
+                <a:tc>
+                  <a:txBody>
+                    <a:bodyPr/>
+                    <a:lstStyle/>
+                    <a:p>
+                      <a:pPr algn="ctr"/>
+                      <a:r>
+                        <a:rPr lang="en-US" b="0" dirty="0"/>
+                        <a:t>March 30, 2017</a:t>
+                      </a:r>
+                    </a:p>
+                  </a:txBody>
+                  <a:tcPr/>
+                </a:tc>
+                <a:extLst>
+                  <a:ext uri="{0D108BD9-81ED-4DB2-BD59-A6C34878D82A}">
+                    <a16:rowId xmlns:a16="http://schemas.microsoft.com/office/drawing/2014/main" val="10010"/>
+                  </a:ext>
+                </a:extLst>
+              </a:tr>
+              <a:tr h="370840">
+                <a:tc>
+                  <a:txBody>
+                    <a:bodyPr/>
+                    <a:lstStyle/>
+                    <a:p>
+                      <a:pPr algn="ctr"/>
+                      <a:r>
+                        <a:rPr lang="en-US" b="1" dirty="0"/>
+                        <a:t>Test Log/Results</a:t>
+                      </a:r>
+                    </a:p>
+                  </a:txBody>
+                  <a:tcPr/>
+                </a:tc>
+                <a:tc>
+                  <a:txBody>
+                    <a:bodyPr/>
+                    <a:lstStyle/>
+                    <a:p>
+                      <a:pPr algn="ctr"/>
+                      <a:r>
+                        <a:rPr lang="en-US" b="0" dirty="0"/>
+                        <a:t>March 30, 2017</a:t>
+                      </a:r>
+                    </a:p>
+                  </a:txBody>
+                  <a:tcPr/>
+                </a:tc>
+                <a:tc>
+                  <a:txBody>
+                    <a:bodyPr/>
+                    <a:lstStyle/>
+                    <a:p>
+                      <a:pPr algn="ctr"/>
+                      <a:r>
+                        <a:rPr lang="en-US" b="0" dirty="0"/>
+                        <a:t>March 30, 2017</a:t>
+                      </a:r>
+                    </a:p>
+                  </a:txBody>
+                  <a:tcPr/>
+                </a:tc>
+                <a:extLst>
+                  <a:ext uri="{0D108BD9-81ED-4DB2-BD59-A6C34878D82A}">
+                    <a16:rowId xmlns:a16="http://schemas.microsoft.com/office/drawing/2014/main" val="10011"/>
+                  </a:ext>
+                </a:extLst>
+              </a:tr>
+            </a:tbl>
+          </a:graphicData>
+        </a:graphic>
+      </p:graphicFrame>
     </p:spTree>
     <p:extLst>
       <p:ext uri="{BB962C8B-B14F-4D97-AF65-F5344CB8AC3E}">
-        <p14:creationId xmlns:p14="http://schemas.microsoft.com/office/powerpoint/2010/main" val="1892962625"/>
+        <p14:creationId xmlns:p14="http://schemas.microsoft.com/office/powerpoint/2010/main" val="1183867180"/>
       </p:ext>
     </p:extLst>
   </p:cSld>
@@ -4525,44 +5815,480 @@
           <a:p>
             <a:r>
               <a:rPr lang="en-US" dirty="0"/>
-              <a:t>Overall Build Status per Iteration</a:t>
+              <a:t>Participants</a:t>
             </a:r>
           </a:p>
         </p:txBody>
       </p:sp>
-      <p:pic>
-        <p:nvPicPr>
+      <p:graphicFrame>
+        <p:nvGraphicFramePr>
           <p:cNvPr id="4" name="Content Placeholder 3"/>
-          <p:cNvPicPr>
-            <a:picLocks noGrp="1" noChangeAspect="1"/>
-          </p:cNvPicPr>
+          <p:cNvGraphicFramePr>
+            <a:graphicFrameLocks noGrp="1"/>
+          </p:cNvGraphicFramePr>
           <p:nvPr>
             <p:ph idx="1"/>
-          </p:nvPr>
-        </p:nvPicPr>
-        <p:blipFill>
-          <a:blip r:embed="rId2">
-            <a:extLst>
-              <a:ext uri="{28A0092B-C50C-407E-A947-70E740481C1C}">
-                <a14:useLocalDpi xmlns:a14="http://schemas.microsoft.com/office/drawing/2010/main" val="0"/>
-              </a:ext>
-            </a:extLst>
-          </a:blip>
-          <a:stretch>
-            <a:fillRect/>
-          </a:stretch>
-        </p:blipFill>
-        <p:spPr>
-          <a:xfrm>
-            <a:off x="1846892" y="2779059"/>
-            <a:ext cx="9229963" cy="1237129"/>
-          </a:xfrm>
-        </p:spPr>
-      </p:pic>
+            <p:extLst>
+              <p:ext uri="{D42A27DB-BD31-4B8C-83A1-F6EECF244321}">
+                <p14:modId xmlns:p14="http://schemas.microsoft.com/office/powerpoint/2010/main" val="2998839630"/>
+              </p:ext>
+            </p:extLst>
+          </p:nvPr>
+        </p:nvGraphicFramePr>
+        <p:xfrm>
+          <a:off x="1031033" y="1743987"/>
+          <a:ext cx="10909176" cy="4511040"/>
+        </p:xfrm>
+        <a:graphic>
+          <a:graphicData uri="http://schemas.openxmlformats.org/drawingml/2006/table">
+            <a:tbl>
+              <a:tblPr firstRow="1" bandRow="1">
+                <a:tableStyleId>{FABFCF23-3B69-468F-B69F-88F6DE6A72F2}</a:tableStyleId>
+              </a:tblPr>
+              <a:tblGrid>
+                <a:gridCol w="3636392">
+                  <a:extLst>
+                    <a:ext uri="{9D8B030D-6E8A-4147-A177-3AD203B41FA5}">
+                      <a16:colId xmlns:a16="http://schemas.microsoft.com/office/drawing/2014/main" val="20000"/>
+                    </a:ext>
+                  </a:extLst>
+                </a:gridCol>
+                <a:gridCol w="3636392">
+                  <a:extLst>
+                    <a:ext uri="{9D8B030D-6E8A-4147-A177-3AD203B41FA5}">
+                      <a16:colId xmlns:a16="http://schemas.microsoft.com/office/drawing/2014/main" val="20001"/>
+                    </a:ext>
+                  </a:extLst>
+                </a:gridCol>
+                <a:gridCol w="3636392">
+                  <a:extLst>
+                    <a:ext uri="{9D8B030D-6E8A-4147-A177-3AD203B41FA5}">
+                      <a16:colId xmlns:a16="http://schemas.microsoft.com/office/drawing/2014/main" val="20002"/>
+                    </a:ext>
+                  </a:extLst>
+                </a:gridCol>
+              </a:tblGrid>
+              <a:tr h="283220">
+                <a:tc>
+                  <a:txBody>
+                    <a:bodyPr/>
+                    <a:lstStyle/>
+                    <a:p>
+                      <a:pPr algn="ctr"/>
+                      <a:r>
+                        <a:rPr lang="en-US" sz="1400" dirty="0"/>
+                        <a:t>Name</a:t>
+                      </a:r>
+                    </a:p>
+                  </a:txBody>
+                  <a:tcPr/>
+                </a:tc>
+                <a:tc>
+                  <a:txBody>
+                    <a:bodyPr/>
+                    <a:lstStyle/>
+                    <a:p>
+                      <a:pPr algn="ctr"/>
+                      <a:r>
+                        <a:rPr lang="en-US" sz="1400" dirty="0"/>
+                        <a:t>Role</a:t>
+                      </a:r>
+                    </a:p>
+                  </a:txBody>
+                  <a:tcPr/>
+                </a:tc>
+                <a:tc>
+                  <a:txBody>
+                    <a:bodyPr/>
+                    <a:lstStyle/>
+                    <a:p>
+                      <a:pPr algn="ctr"/>
+                      <a:r>
+                        <a:rPr lang="en-US" sz="1400" dirty="0"/>
+                        <a:t>Note</a:t>
+                      </a:r>
+                    </a:p>
+                  </a:txBody>
+                  <a:tcPr/>
+                </a:tc>
+                <a:extLst>
+                  <a:ext uri="{0D108BD9-81ED-4DB2-BD59-A6C34878D82A}">
+                    <a16:rowId xmlns:a16="http://schemas.microsoft.com/office/drawing/2014/main" val="10000"/>
+                  </a:ext>
+                </a:extLst>
+              </a:tr>
+              <a:tr h="877981">
+                <a:tc>
+                  <a:txBody>
+                    <a:bodyPr/>
+                    <a:lstStyle/>
+                    <a:p>
+                      <a:pPr algn="ctr"/>
+                      <a:r>
+                        <a:rPr lang="en-US" sz="1400" dirty="0"/>
+                        <a:t>Angel</a:t>
+                      </a:r>
+                      <a:r>
+                        <a:rPr lang="en-US" sz="1400" baseline="0" dirty="0"/>
+                        <a:t> Ruiz</a:t>
+                      </a:r>
+                      <a:endParaRPr lang="en-US" sz="1400" dirty="0"/>
+                    </a:p>
+                  </a:txBody>
+                  <a:tcPr/>
+                </a:tc>
+                <a:tc>
+                  <a:txBody>
+                    <a:bodyPr/>
+                    <a:lstStyle/>
+                    <a:p>
+                      <a:pPr algn="ctr"/>
+                      <a:r>
+                        <a:rPr lang="en-US" sz="1400" dirty="0"/>
+                        <a:t>Project Manager</a:t>
+                      </a:r>
+                    </a:p>
+                  </a:txBody>
+                  <a:tcPr/>
+                </a:tc>
+                <a:tc>
+                  <a:txBody>
+                    <a:bodyPr/>
+                    <a:lstStyle/>
+                    <a:p>
+                      <a:pPr algn="ctr"/>
+                      <a:r>
+                        <a:rPr lang="en-US" sz="1400" dirty="0"/>
+                        <a:t>Made</a:t>
+                      </a:r>
+                      <a:r>
+                        <a:rPr lang="en-US" sz="1400" baseline="0" dirty="0"/>
+                        <a:t> Test Cases for UC04, UC05, and UC06.</a:t>
+                      </a:r>
+                    </a:p>
+                    <a:p>
+                      <a:pPr algn="ctr"/>
+                      <a:endParaRPr lang="en-US" sz="1400" baseline="0" dirty="0"/>
+                    </a:p>
+                    <a:p>
+                      <a:pPr algn="ctr"/>
+                      <a:r>
+                        <a:rPr lang="en-US" sz="1400" baseline="0" dirty="0"/>
+                        <a:t>Executed Test Cases TC02.1, TC06.1, and TC2-03.1</a:t>
+                      </a:r>
+                      <a:endParaRPr lang="en-US" sz="1400" dirty="0"/>
+                    </a:p>
+                  </a:txBody>
+                  <a:tcPr/>
+                </a:tc>
+                <a:extLst>
+                  <a:ext uri="{0D108BD9-81ED-4DB2-BD59-A6C34878D82A}">
+                    <a16:rowId xmlns:a16="http://schemas.microsoft.com/office/drawing/2014/main" val="10001"/>
+                  </a:ext>
+                </a:extLst>
+              </a:tr>
+              <a:tr h="877981">
+                <a:tc>
+                  <a:txBody>
+                    <a:bodyPr/>
+                    <a:lstStyle/>
+                    <a:p>
+                      <a:pPr algn="ctr"/>
+                      <a:r>
+                        <a:rPr lang="en-US" sz="1400" dirty="0" err="1"/>
+                        <a:t>Jairus</a:t>
+                      </a:r>
+                      <a:r>
+                        <a:rPr lang="en-US" sz="1400" dirty="0"/>
+                        <a:t> </a:t>
+                      </a:r>
+                      <a:r>
+                        <a:rPr lang="en-US" sz="1400" dirty="0" err="1"/>
+                        <a:t>Roguel</a:t>
+                      </a:r>
+                      <a:endParaRPr lang="en-US" sz="1400" dirty="0"/>
+                    </a:p>
+                  </a:txBody>
+                  <a:tcPr/>
+                </a:tc>
+                <a:tc>
+                  <a:txBody>
+                    <a:bodyPr/>
+                    <a:lstStyle/>
+                    <a:p>
+                      <a:pPr algn="ctr"/>
+                      <a:r>
+                        <a:rPr lang="en-US" sz="1400" dirty="0"/>
+                        <a:t>Software Designer</a:t>
+                      </a:r>
+                    </a:p>
+                  </a:txBody>
+                  <a:tcPr/>
+                </a:tc>
+                <a:tc>
+                  <a:txBody>
+                    <a:bodyPr/>
+                    <a:lstStyle/>
+                    <a:p>
+                      <a:pPr algn="ctr"/>
+                      <a:r>
+                        <a:rPr lang="en-US" sz="1400" dirty="0"/>
+                        <a:t>Made</a:t>
+                      </a:r>
+                      <a:r>
+                        <a:rPr lang="en-US" sz="1400" baseline="0" dirty="0"/>
+                        <a:t> Test Cases for UC04.1, UC05.1, and UC06.1</a:t>
+                      </a:r>
+                    </a:p>
+                    <a:p>
+                      <a:pPr algn="ctr"/>
+                      <a:endParaRPr lang="en-US" sz="1400" baseline="0" dirty="0"/>
+                    </a:p>
+                    <a:p>
+                      <a:pPr marL="0" marR="0" indent="0" algn="ctr" defTabSz="914400" rtl="0" eaLnBrk="1" fontAlgn="auto" latinLnBrk="0" hangingPunct="1">
+                        <a:lnSpc>
+                          <a:spcPct val="100000"/>
+                        </a:lnSpc>
+                        <a:spcBef>
+                          <a:spcPts val="0"/>
+                        </a:spcBef>
+                        <a:spcAft>
+                          <a:spcPts val="0"/>
+                        </a:spcAft>
+                        <a:buClrTx/>
+                        <a:buSzTx/>
+                        <a:buFontTx/>
+                        <a:buNone/>
+                        <a:tabLst/>
+                        <a:defRPr/>
+                      </a:pPr>
+                      <a:r>
+                        <a:rPr lang="en-US" sz="1400" baseline="0" dirty="0"/>
+                        <a:t>Executed Test Cases TC03.1, and TC2-02.1</a:t>
+                      </a:r>
+                      <a:endParaRPr lang="en-US" sz="1400" dirty="0"/>
+                    </a:p>
+                  </a:txBody>
+                  <a:tcPr/>
+                </a:tc>
+                <a:extLst>
+                  <a:ext uri="{0D108BD9-81ED-4DB2-BD59-A6C34878D82A}">
+                    <a16:rowId xmlns:a16="http://schemas.microsoft.com/office/drawing/2014/main" val="10002"/>
+                  </a:ext>
+                </a:extLst>
+              </a:tr>
+              <a:tr h="1076235">
+                <a:tc>
+                  <a:txBody>
+                    <a:bodyPr/>
+                    <a:lstStyle/>
+                    <a:p>
+                      <a:pPr algn="ctr"/>
+                      <a:r>
+                        <a:rPr lang="en-US" sz="1400" dirty="0"/>
+                        <a:t>Jesus</a:t>
+                      </a:r>
+                      <a:r>
+                        <a:rPr lang="en-US" sz="1400" baseline="0" dirty="0"/>
+                        <a:t> </a:t>
+                      </a:r>
+                      <a:r>
+                        <a:rPr lang="en-US" sz="1400" baseline="0" dirty="0" err="1"/>
+                        <a:t>Brugada</a:t>
+                      </a:r>
+                      <a:endParaRPr lang="en-US" sz="1400" dirty="0"/>
+                    </a:p>
+                  </a:txBody>
+                  <a:tcPr/>
+                </a:tc>
+                <a:tc>
+                  <a:txBody>
+                    <a:bodyPr/>
+                    <a:lstStyle/>
+                    <a:p>
+                      <a:pPr algn="ctr"/>
+                      <a:r>
+                        <a:rPr lang="en-US" sz="1400" dirty="0"/>
+                        <a:t>Quality Assurance</a:t>
+                      </a:r>
+                      <a:r>
+                        <a:rPr lang="en-US" sz="1400" baseline="0" dirty="0"/>
+                        <a:t> Manager</a:t>
+                      </a:r>
+                      <a:endParaRPr lang="en-US" sz="1400" dirty="0"/>
+                    </a:p>
+                  </a:txBody>
+                  <a:tcPr/>
+                </a:tc>
+                <a:tc>
+                  <a:txBody>
+                    <a:bodyPr/>
+                    <a:lstStyle/>
+                    <a:p>
+                      <a:pPr algn="ctr"/>
+                      <a:r>
+                        <a:rPr lang="en-US" sz="1400" dirty="0"/>
+                        <a:t>Made</a:t>
+                      </a:r>
+                      <a:r>
+                        <a:rPr lang="en-US" sz="1400" baseline="0" dirty="0"/>
+                        <a:t> Test Cases for UC01.1, UC02.1, and UC03.1</a:t>
+                      </a:r>
+                    </a:p>
+                    <a:p>
+                      <a:pPr algn="ctr"/>
+                      <a:endParaRPr lang="en-US" sz="1400" baseline="0" dirty="0"/>
+                    </a:p>
+                    <a:p>
+                      <a:pPr marL="0" marR="0" indent="0" algn="ctr" defTabSz="914400" rtl="0" eaLnBrk="1" fontAlgn="auto" latinLnBrk="0" hangingPunct="1">
+                        <a:lnSpc>
+                          <a:spcPct val="100000"/>
+                        </a:lnSpc>
+                        <a:spcBef>
+                          <a:spcPts val="0"/>
+                        </a:spcBef>
+                        <a:spcAft>
+                          <a:spcPts val="0"/>
+                        </a:spcAft>
+                        <a:buClrTx/>
+                        <a:buSzTx/>
+                        <a:buFontTx/>
+                        <a:buNone/>
+                        <a:tabLst/>
+                        <a:defRPr/>
+                      </a:pPr>
+                      <a:r>
+                        <a:rPr lang="en-US" sz="1400" baseline="0" dirty="0"/>
+                        <a:t>Executed Test Cases TC04.1, TC2-01.1, and TC2-05.1</a:t>
+                      </a:r>
+                      <a:endParaRPr lang="en-US" sz="1400" dirty="0"/>
+                    </a:p>
+                  </a:txBody>
+                  <a:tcPr/>
+                </a:tc>
+                <a:extLst>
+                  <a:ext uri="{0D108BD9-81ED-4DB2-BD59-A6C34878D82A}">
+                    <a16:rowId xmlns:a16="http://schemas.microsoft.com/office/drawing/2014/main" val="10003"/>
+                  </a:ext>
+                </a:extLst>
+              </a:tr>
+              <a:tr h="1141748">
+                <a:tc>
+                  <a:txBody>
+                    <a:bodyPr/>
+                    <a:lstStyle/>
+                    <a:p>
+                      <a:pPr algn="ctr"/>
+                      <a:r>
+                        <a:rPr lang="en-US" sz="1400" dirty="0"/>
+                        <a:t>Diego</a:t>
+                      </a:r>
+                      <a:r>
+                        <a:rPr lang="en-US" sz="1400" baseline="0" dirty="0"/>
+                        <a:t> Gloria</a:t>
+                      </a:r>
+                      <a:endParaRPr lang="en-US" sz="1400" dirty="0"/>
+                    </a:p>
+                  </a:txBody>
+                  <a:tcPr/>
+                </a:tc>
+                <a:tc>
+                  <a:txBody>
+                    <a:bodyPr/>
+                    <a:lstStyle/>
+                    <a:p>
+                      <a:pPr algn="ctr"/>
+                      <a:r>
+                        <a:rPr lang="en-US" sz="1400" dirty="0"/>
+                        <a:t>Quality Assurance Analyst</a:t>
+                      </a:r>
+                    </a:p>
+                  </a:txBody>
+                  <a:tcPr/>
+                </a:tc>
+                <a:tc>
+                  <a:txBody>
+                    <a:bodyPr/>
+                    <a:lstStyle/>
+                    <a:p>
+                      <a:pPr algn="ctr"/>
+                      <a:r>
+                        <a:rPr lang="en-US" sz="1400" dirty="0"/>
+                        <a:t>Made</a:t>
+                      </a:r>
+                      <a:r>
+                        <a:rPr lang="en-US" sz="1400" baseline="0" dirty="0"/>
+                        <a:t> Test Cases for UC01, UC02, and UC03</a:t>
+                      </a:r>
+                    </a:p>
+                    <a:p>
+                      <a:pPr algn="ctr"/>
+                      <a:endParaRPr lang="en-US" sz="1400" baseline="0" dirty="0"/>
+                    </a:p>
+                    <a:p>
+                      <a:pPr marL="0" marR="0" indent="0" algn="ctr" defTabSz="914400" rtl="0" eaLnBrk="1" fontAlgn="auto" latinLnBrk="0" hangingPunct="1">
+                        <a:lnSpc>
+                          <a:spcPct val="100000"/>
+                        </a:lnSpc>
+                        <a:spcBef>
+                          <a:spcPts val="0"/>
+                        </a:spcBef>
+                        <a:spcAft>
+                          <a:spcPts val="0"/>
+                        </a:spcAft>
+                        <a:buClrTx/>
+                        <a:buSzTx/>
+                        <a:buFontTx/>
+                        <a:buNone/>
+                        <a:tabLst/>
+                        <a:defRPr/>
+                      </a:pPr>
+                      <a:r>
+                        <a:rPr lang="en-US" sz="1400" baseline="0" dirty="0"/>
+                        <a:t>Executed Test Cases TC01.1, TC05.1, TC2-04.1, and </a:t>
+                      </a:r>
+                    </a:p>
+                    <a:p>
+                      <a:pPr marL="0" marR="0" indent="0" algn="ctr" defTabSz="914400" rtl="0" eaLnBrk="1" fontAlgn="auto" latinLnBrk="0" hangingPunct="1">
+                        <a:lnSpc>
+                          <a:spcPct val="100000"/>
+                        </a:lnSpc>
+                        <a:spcBef>
+                          <a:spcPts val="0"/>
+                        </a:spcBef>
+                        <a:spcAft>
+                          <a:spcPts val="0"/>
+                        </a:spcAft>
+                        <a:buClrTx/>
+                        <a:buSzTx/>
+                        <a:buFontTx/>
+                        <a:buNone/>
+                        <a:tabLst/>
+                        <a:defRPr/>
+                      </a:pPr>
+                      <a:r>
+                        <a:rPr lang="en-US" sz="1400" baseline="0" dirty="0"/>
+                        <a:t>TC2-06.1</a:t>
+                      </a:r>
+                      <a:endParaRPr lang="en-US" sz="1400" dirty="0"/>
+                    </a:p>
+                  </a:txBody>
+                  <a:tcPr/>
+                </a:tc>
+                <a:extLst>
+                  <a:ext uri="{0D108BD9-81ED-4DB2-BD59-A6C34878D82A}">
+                    <a16:rowId xmlns:a16="http://schemas.microsoft.com/office/drawing/2014/main" val="10004"/>
+                  </a:ext>
+                </a:extLst>
+              </a:tr>
+            </a:tbl>
+          </a:graphicData>
+        </a:graphic>
+      </p:graphicFrame>
     </p:spTree>
     <p:extLst>
       <p:ext uri="{BB962C8B-B14F-4D97-AF65-F5344CB8AC3E}">
-        <p14:creationId xmlns:p14="http://schemas.microsoft.com/office/powerpoint/2010/main" val="379219707"/>
+        <p14:creationId xmlns:p14="http://schemas.microsoft.com/office/powerpoint/2010/main" val="1059633524"/>
       </p:ext>
     </p:extLst>
   </p:cSld>
@@ -4601,6 +6327,240 @@
         </p:nvSpPr>
         <p:spPr/>
         <p:txBody>
+          <a:bodyPr>
+            <a:normAutofit fontScale="90000"/>
+          </a:bodyPr>
+          <a:lstStyle/>
+          <a:p>
+            <a:r>
+              <a:rPr lang="en-US" dirty="0"/>
+              <a:t>Pie Chart of Iteration 1 and 2 consisting of 47 Test Cases </a:t>
+            </a:r>
+            <a:br>
+              <a:rPr lang="en-US" dirty="0"/>
+            </a:br>
+            <a:r>
+              <a:rPr lang="en-US" dirty="0"/>
+              <a:t>(35 of these are the updated ones)</a:t>
+            </a:r>
+          </a:p>
+        </p:txBody>
+      </p:sp>
+      <p:pic>
+        <p:nvPicPr>
+          <p:cNvPr id="6" name="Content Placeholder 5" descr="chart1.PNG"/>
+          <p:cNvPicPr>
+            <a:picLocks noGrp="1" noChangeAspect="1"/>
+          </p:cNvPicPr>
+          <p:nvPr>
+            <p:ph idx="1"/>
+          </p:nvPr>
+        </p:nvPicPr>
+        <p:blipFill>
+          <a:blip r:embed="rId2" cstate="print"/>
+          <a:stretch>
+            <a:fillRect/>
+          </a:stretch>
+        </p:blipFill>
+        <p:spPr>
+          <a:xfrm>
+            <a:off x="4050135" y="2421428"/>
+            <a:ext cx="4022709" cy="3933563"/>
+          </a:xfrm>
+        </p:spPr>
+      </p:pic>
+    </p:spTree>
+    <p:extLst>
+      <p:ext uri="{BB962C8B-B14F-4D97-AF65-F5344CB8AC3E}">
+        <p14:creationId xmlns:p14="http://schemas.microsoft.com/office/powerpoint/2010/main" val="83026798"/>
+      </p:ext>
+    </p:extLst>
+  </p:cSld>
+  <p:clrMapOvr>
+    <a:masterClrMapping/>
+  </p:clrMapOvr>
+</p:sld>
+</file>
+
+<file path=ppt/slides/slide15.xml><?xml version="1.0" encoding="utf-8"?>
+<p:sld xmlns:a="http://schemas.openxmlformats.org/drawingml/2006/main" xmlns:r="http://schemas.openxmlformats.org/officeDocument/2006/relationships" xmlns:p="http://schemas.openxmlformats.org/presentationml/2006/main">
+  <p:cSld>
+    <p:spTree>
+      <p:nvGrpSpPr>
+        <p:cNvPr id="1" name=""/>
+        <p:cNvGrpSpPr/>
+        <p:nvPr/>
+      </p:nvGrpSpPr>
+      <p:grpSpPr>
+        <a:xfrm>
+          <a:off x="0" y="0"/>
+          <a:ext cx="0" cy="0"/>
+          <a:chOff x="0" y="0"/>
+          <a:chExt cx="0" cy="0"/>
+        </a:xfrm>
+      </p:grpSpPr>
+      <p:sp>
+        <p:nvSpPr>
+          <p:cNvPr id="2" name="Title 1"/>
+          <p:cNvSpPr>
+            <a:spLocks noGrp="1"/>
+          </p:cNvSpPr>
+          <p:nvPr>
+            <p:ph type="title"/>
+          </p:nvPr>
+        </p:nvSpPr>
+        <p:spPr/>
+        <p:txBody>
+          <a:bodyPr/>
+          <a:lstStyle/>
+          <a:p>
+            <a:r>
+              <a:rPr lang="en-US" dirty="0"/>
+              <a:t>Test Result Per Iteration (Note: Regard only the Updated Iterations</a:t>
+            </a:r>
+          </a:p>
+        </p:txBody>
+      </p:sp>
+      <p:pic>
+        <p:nvPicPr>
+          <p:cNvPr id="6" name="Content Placeholder 5" descr="chart2.PNG"/>
+          <p:cNvPicPr>
+            <a:picLocks noGrp="1" noChangeAspect="1"/>
+          </p:cNvPicPr>
+          <p:nvPr>
+            <p:ph idx="1"/>
+          </p:nvPr>
+        </p:nvPicPr>
+        <p:blipFill>
+          <a:blip r:embed="rId2" cstate="print"/>
+          <a:stretch>
+            <a:fillRect/>
+          </a:stretch>
+        </p:blipFill>
+        <p:spPr>
+          <a:xfrm>
+            <a:off x="1795018" y="2285999"/>
+            <a:ext cx="8746707" cy="3913255"/>
+          </a:xfrm>
+        </p:spPr>
+      </p:pic>
+    </p:spTree>
+    <p:extLst>
+      <p:ext uri="{BB962C8B-B14F-4D97-AF65-F5344CB8AC3E}">
+        <p14:creationId xmlns:p14="http://schemas.microsoft.com/office/powerpoint/2010/main" val="1892962625"/>
+      </p:ext>
+    </p:extLst>
+  </p:cSld>
+  <p:clrMapOvr>
+    <a:masterClrMapping/>
+  </p:clrMapOvr>
+</p:sld>
+</file>
+
+<file path=ppt/slides/slide16.xml><?xml version="1.0" encoding="utf-8"?>
+<p:sld xmlns:a="http://schemas.openxmlformats.org/drawingml/2006/main" xmlns:r="http://schemas.openxmlformats.org/officeDocument/2006/relationships" xmlns:p="http://schemas.openxmlformats.org/presentationml/2006/main">
+  <p:cSld>
+    <p:spTree>
+      <p:nvGrpSpPr>
+        <p:cNvPr id="1" name=""/>
+        <p:cNvGrpSpPr/>
+        <p:nvPr/>
+      </p:nvGrpSpPr>
+      <p:grpSpPr>
+        <a:xfrm>
+          <a:off x="0" y="0"/>
+          <a:ext cx="0" cy="0"/>
+          <a:chOff x="0" y="0"/>
+          <a:chExt cx="0" cy="0"/>
+        </a:xfrm>
+      </p:grpSpPr>
+      <p:sp>
+        <p:nvSpPr>
+          <p:cNvPr id="2" name="Title 1"/>
+          <p:cNvSpPr>
+            <a:spLocks noGrp="1"/>
+          </p:cNvSpPr>
+          <p:nvPr>
+            <p:ph type="title"/>
+          </p:nvPr>
+        </p:nvSpPr>
+        <p:spPr/>
+        <p:txBody>
+          <a:bodyPr/>
+          <a:lstStyle/>
+          <a:p>
+            <a:r>
+              <a:rPr lang="en-US" dirty="0"/>
+              <a:t>Overall Build Status per Iteration</a:t>
+            </a:r>
+          </a:p>
+        </p:txBody>
+      </p:sp>
+      <p:pic>
+        <p:nvPicPr>
+          <p:cNvPr id="8" name="Content Placeholder 7" descr="table1.PNG"/>
+          <p:cNvPicPr>
+            <a:picLocks noGrp="1" noChangeAspect="1"/>
+          </p:cNvPicPr>
+          <p:nvPr>
+            <p:ph idx="1"/>
+          </p:nvPr>
+        </p:nvPicPr>
+        <p:blipFill>
+          <a:blip r:embed="rId2" cstate="print"/>
+          <a:stretch>
+            <a:fillRect/>
+          </a:stretch>
+        </p:blipFill>
+        <p:spPr>
+          <a:xfrm>
+            <a:off x="862149" y="2847703"/>
+            <a:ext cx="11107783" cy="1818403"/>
+          </a:xfrm>
+        </p:spPr>
+      </p:pic>
+    </p:spTree>
+    <p:extLst>
+      <p:ext uri="{BB962C8B-B14F-4D97-AF65-F5344CB8AC3E}">
+        <p14:creationId xmlns:p14="http://schemas.microsoft.com/office/powerpoint/2010/main" val="379219707"/>
+      </p:ext>
+    </p:extLst>
+  </p:cSld>
+  <p:clrMapOvr>
+    <a:masterClrMapping/>
+  </p:clrMapOvr>
+</p:sld>
+</file>
+
+<file path=ppt/slides/slide17.xml><?xml version="1.0" encoding="utf-8"?>
+<p:sld xmlns:a="http://schemas.openxmlformats.org/drawingml/2006/main" xmlns:r="http://schemas.openxmlformats.org/officeDocument/2006/relationships" xmlns:p="http://schemas.openxmlformats.org/presentationml/2006/main">
+  <p:cSld>
+    <p:spTree>
+      <p:nvGrpSpPr>
+        <p:cNvPr id="1" name=""/>
+        <p:cNvGrpSpPr/>
+        <p:nvPr/>
+      </p:nvGrpSpPr>
+      <p:grpSpPr>
+        <a:xfrm>
+          <a:off x="0" y="0"/>
+          <a:ext cx="0" cy="0"/>
+          <a:chOff x="0" y="0"/>
+          <a:chExt cx="0" cy="0"/>
+        </a:xfrm>
+      </p:grpSpPr>
+      <p:sp>
+        <p:nvSpPr>
+          <p:cNvPr id="2" name="Title 1"/>
+          <p:cNvSpPr>
+            <a:spLocks noGrp="1"/>
+          </p:cNvSpPr>
+          <p:nvPr>
+            <p:ph type="title"/>
+          </p:nvPr>
+        </p:nvSpPr>
+        <p:spPr/>
+        <p:txBody>
           <a:bodyPr/>
           <a:lstStyle/>
           <a:p>
@@ -4628,13 +6588,13 @@
           <a:p>
             <a:r>
               <a:rPr lang="en-US" dirty="0"/>
-              <a:t>Passed Result – 11/12 Test Cases</a:t>
+              <a:t>Passed Result – 27/35 Test Cases</a:t>
             </a:r>
           </a:p>
           <a:p>
             <a:r>
               <a:rPr lang="en-US" dirty="0"/>
-              <a:t>Failed Result – 1/12 Test Cases</a:t>
+              <a:t>Failed Result – 8/12 Test Cases</a:t>
             </a:r>
           </a:p>
           <a:p>
@@ -4664,7 +6624,7 @@
 </p:sld>
 </file>
 
-<file path=ppt/slides/slide15.xml><?xml version="1.0" encoding="utf-8"?>
+<file path=ppt/slides/slide18.xml><?xml version="1.0" encoding="utf-8"?>
 <p:sld xmlns:a="http://schemas.openxmlformats.org/drawingml/2006/main" xmlns:r="http://schemas.openxmlformats.org/officeDocument/2006/relationships" xmlns:p="http://schemas.openxmlformats.org/presentationml/2006/main">
   <p:cSld>
     <p:spTree>
@@ -5284,7 +7244,7 @@
 </p:sld>
 </file>
 
-<file path=ppt/slides/slide16.xml><?xml version="1.0" encoding="utf-8"?>
+<file path=ppt/slides/slide19.xml><?xml version="1.0" encoding="utf-8"?>
 <p:sld xmlns:a="http://schemas.openxmlformats.org/drawingml/2006/main" xmlns:r="http://schemas.openxmlformats.org/officeDocument/2006/relationships" xmlns:p="http://schemas.openxmlformats.org/presentationml/2006/main">
   <p:cSld>
     <p:spTree>
@@ -5732,105 +7692,6 @@
 </p:sld>
 </file>
 
-<file path=ppt/slides/slide17.xml><?xml version="1.0" encoding="utf-8"?>
-<p:sld xmlns:a="http://schemas.openxmlformats.org/drawingml/2006/main" xmlns:r="http://schemas.openxmlformats.org/officeDocument/2006/relationships" xmlns:p="http://schemas.openxmlformats.org/presentationml/2006/main">
-  <p:cSld>
-    <p:spTree>
-      <p:nvGrpSpPr>
-        <p:cNvPr id="1" name=""/>
-        <p:cNvGrpSpPr/>
-        <p:nvPr/>
-      </p:nvGrpSpPr>
-      <p:grpSpPr>
-        <a:xfrm>
-          <a:off x="0" y="0"/>
-          <a:ext cx="0" cy="0"/>
-          <a:chOff x="0" y="0"/>
-          <a:chExt cx="0" cy="0"/>
-        </a:xfrm>
-      </p:grpSpPr>
-      <p:sp>
-        <p:nvSpPr>
-          <p:cNvPr id="2" name="Title 1"/>
-          <p:cNvSpPr>
-            <a:spLocks noGrp="1"/>
-          </p:cNvSpPr>
-          <p:nvPr>
-            <p:ph type="title"/>
-          </p:nvPr>
-        </p:nvSpPr>
-        <p:spPr/>
-        <p:txBody>
-          <a:bodyPr/>
-          <a:lstStyle/>
-          <a:p>
-            <a:r>
-              <a:rPr lang="en-US" dirty="0" err="1"/>
-              <a:t>Github</a:t>
-            </a:r>
-            <a:r>
-              <a:rPr lang="en-US" dirty="0"/>
-              <a:t> Commits</a:t>
-            </a:r>
-          </a:p>
-        </p:txBody>
-      </p:sp>
-      <p:sp>
-        <p:nvSpPr>
-          <p:cNvPr id="3" name="Content Placeholder 2"/>
-          <p:cNvSpPr>
-            <a:spLocks noGrp="1"/>
-          </p:cNvSpPr>
-          <p:nvPr>
-            <p:ph idx="1"/>
-          </p:nvPr>
-        </p:nvSpPr>
-        <p:spPr/>
-        <p:txBody>
-          <a:bodyPr/>
-          <a:lstStyle/>
-          <a:p>
-            <a:endParaRPr lang="en-US"/>
-          </a:p>
-        </p:txBody>
-      </p:sp>
-      <p:pic>
-        <p:nvPicPr>
-          <p:cNvPr id="4" name="Picture 3"/>
-          <p:cNvPicPr>
-            <a:picLocks noChangeAspect="1"/>
-          </p:cNvPicPr>
-          <p:nvPr/>
-        </p:nvPicPr>
-        <p:blipFill>
-          <a:blip r:embed="rId2"/>
-          <a:stretch>
-            <a:fillRect/>
-          </a:stretch>
-        </p:blipFill>
-        <p:spPr>
-          <a:xfrm>
-            <a:off x="1529861" y="1637918"/>
-            <a:ext cx="9284677" cy="5220082"/>
-          </a:xfrm>
-          <a:prstGeom prst="rect">
-            <a:avLst/>
-          </a:prstGeom>
-        </p:spPr>
-      </p:pic>
-    </p:spTree>
-    <p:extLst>
-      <p:ext uri="{BB962C8B-B14F-4D97-AF65-F5344CB8AC3E}">
-        <p14:creationId xmlns:p14="http://schemas.microsoft.com/office/powerpoint/2010/main" val="7216454"/>
-      </p:ext>
-    </p:extLst>
-  </p:cSld>
-  <p:clrMapOvr>
-    <a:masterClrMapping/>
-  </p:clrMapOvr>
-</p:sld>
-</file>
-
 <file path=ppt/slides/slide2.xml><?xml version="1.0" encoding="utf-8"?>
 <p:sld xmlns:a="http://schemas.openxmlformats.org/drawingml/2006/main" xmlns:r="http://schemas.openxmlformats.org/officeDocument/2006/relationships" xmlns:p="http://schemas.openxmlformats.org/presentationml/2006/main">
   <p:cSld>
@@ -5865,8 +7726,424 @@
           <a:p>
             <a:r>
               <a:rPr lang="en-US" dirty="0"/>
-              <a:t>Introduction </a:t>
-            </a:r>
+              <a:t>Use Case Distribution</a:t>
+            </a:r>
+          </a:p>
+        </p:txBody>
+      </p:sp>
+      <p:graphicFrame>
+        <p:nvGraphicFramePr>
+          <p:cNvPr id="4" name="Content Placeholder 3"/>
+          <p:cNvGraphicFramePr>
+            <a:graphicFrameLocks noGrp="1"/>
+          </p:cNvGraphicFramePr>
+          <p:nvPr>
+            <p:ph idx="1"/>
+            <p:extLst>
+              <p:ext uri="{D42A27DB-BD31-4B8C-83A1-F6EECF244321}">
+                <p14:modId xmlns:p14="http://schemas.microsoft.com/office/powerpoint/2010/main" val="2276307652"/>
+              </p:ext>
+            </p:extLst>
+          </p:nvPr>
+        </p:nvGraphicFramePr>
+        <p:xfrm>
+          <a:off x="1371600" y="2286000"/>
+          <a:ext cx="9601200" cy="2225040"/>
+        </p:xfrm>
+        <a:graphic>
+          <a:graphicData uri="http://schemas.openxmlformats.org/drawingml/2006/table">
+            <a:tbl>
+              <a:tblPr firstRow="1" bandRow="1">
+                <a:tableStyleId>{FABFCF23-3B69-468F-B69F-88F6DE6A72F2}</a:tableStyleId>
+              </a:tblPr>
+              <a:tblGrid>
+                <a:gridCol w="4800600">
+                  <a:extLst>
+                    <a:ext uri="{9D8B030D-6E8A-4147-A177-3AD203B41FA5}">
+                      <a16:colId xmlns:a16="http://schemas.microsoft.com/office/drawing/2014/main" val="20000"/>
+                    </a:ext>
+                  </a:extLst>
+                </a:gridCol>
+                <a:gridCol w="4800600">
+                  <a:extLst>
+                    <a:ext uri="{9D8B030D-6E8A-4147-A177-3AD203B41FA5}">
+                      <a16:colId xmlns:a16="http://schemas.microsoft.com/office/drawing/2014/main" val="20001"/>
+                    </a:ext>
+                  </a:extLst>
+                </a:gridCol>
+              </a:tblGrid>
+              <a:tr h="370840">
+                <a:tc>
+                  <a:txBody>
+                    <a:bodyPr/>
+                    <a:lstStyle/>
+                    <a:p>
+                      <a:pPr algn="ctr"/>
+                      <a:r>
+                        <a:rPr lang="en-US" dirty="0"/>
+                        <a:t>Use Case Name</a:t>
+                      </a:r>
+                    </a:p>
+                  </a:txBody>
+                  <a:tcPr/>
+                </a:tc>
+                <a:tc>
+                  <a:txBody>
+                    <a:bodyPr/>
+                    <a:lstStyle/>
+                    <a:p>
+                      <a:pPr algn="ctr"/>
+                      <a:r>
+                        <a:rPr lang="en-US" dirty="0"/>
+                        <a:t>Name of the Author</a:t>
+                      </a:r>
+                    </a:p>
+                  </a:txBody>
+                  <a:tcPr/>
+                </a:tc>
+                <a:extLst>
+                  <a:ext uri="{0D108BD9-81ED-4DB2-BD59-A6C34878D82A}">
+                    <a16:rowId xmlns:a16="http://schemas.microsoft.com/office/drawing/2014/main" val="10000"/>
+                  </a:ext>
+                </a:extLst>
+              </a:tr>
+              <a:tr h="370840">
+                <a:tc gridSpan="2">
+                  <a:txBody>
+                    <a:bodyPr/>
+                    <a:lstStyle/>
+                    <a:p>
+                      <a:pPr algn="ctr"/>
+                      <a:r>
+                        <a:rPr lang="en-US" dirty="0"/>
+                        <a:t>ITERATION</a:t>
+                      </a:r>
+                      <a:r>
+                        <a:rPr lang="en-US" baseline="0" dirty="0"/>
+                        <a:t> 1</a:t>
+                      </a:r>
+                      <a:endParaRPr lang="en-US" dirty="0"/>
+                    </a:p>
+                  </a:txBody>
+                  <a:tcPr/>
+                </a:tc>
+                <a:tc hMerge="1">
+                  <a:txBody>
+                    <a:bodyPr/>
+                    <a:lstStyle/>
+                    <a:p>
+                      <a:pPr algn="ctr"/>
+                      <a:endParaRPr lang="en-US" dirty="0"/>
+                    </a:p>
+                  </a:txBody>
+                  <a:tcPr/>
+                </a:tc>
+                <a:extLst>
+                  <a:ext uri="{0D108BD9-81ED-4DB2-BD59-A6C34878D82A}">
+                    <a16:rowId xmlns:a16="http://schemas.microsoft.com/office/drawing/2014/main" val="10001"/>
+                  </a:ext>
+                </a:extLst>
+              </a:tr>
+              <a:tr h="370840">
+                <a:tc>
+                  <a:txBody>
+                    <a:bodyPr/>
+                    <a:lstStyle/>
+                    <a:p>
+                      <a:pPr algn="l"/>
+                      <a:r>
+                        <a:rPr lang="en-US" dirty="0"/>
+                        <a:t>UC01: User</a:t>
+                      </a:r>
+                      <a:r>
+                        <a:rPr lang="en-US" baseline="0" dirty="0"/>
+                        <a:t> Answers Survey</a:t>
+                      </a:r>
+                      <a:endParaRPr lang="en-US" dirty="0"/>
+                    </a:p>
+                  </a:txBody>
+                  <a:tcPr/>
+                </a:tc>
+                <a:tc>
+                  <a:txBody>
+                    <a:bodyPr/>
+                    <a:lstStyle/>
+                    <a:p>
+                      <a:pPr algn="ctr"/>
+                      <a:r>
+                        <a:rPr lang="en-US" dirty="0"/>
+                        <a:t>Diego Gloria</a:t>
+                      </a:r>
+                    </a:p>
+                  </a:txBody>
+                  <a:tcPr/>
+                </a:tc>
+                <a:extLst>
+                  <a:ext uri="{0D108BD9-81ED-4DB2-BD59-A6C34878D82A}">
+                    <a16:rowId xmlns:a16="http://schemas.microsoft.com/office/drawing/2014/main" val="10002"/>
+                  </a:ext>
+                </a:extLst>
+              </a:tr>
+              <a:tr h="370840">
+                <a:tc>
+                  <a:txBody>
+                    <a:bodyPr/>
+                    <a:lstStyle/>
+                    <a:p>
+                      <a:pPr algn="l"/>
+                      <a:r>
+                        <a:rPr lang="en-US" dirty="0"/>
+                        <a:t>UC02:</a:t>
+                      </a:r>
+                      <a:r>
+                        <a:rPr lang="en-US" baseline="0" dirty="0"/>
+                        <a:t> User Connects to Database</a:t>
+                      </a:r>
+                      <a:endParaRPr lang="en-US" dirty="0"/>
+                    </a:p>
+                  </a:txBody>
+                  <a:tcPr/>
+                </a:tc>
+                <a:tc>
+                  <a:txBody>
+                    <a:bodyPr/>
+                    <a:lstStyle/>
+                    <a:p>
+                      <a:pPr algn="ctr"/>
+                      <a:r>
+                        <a:rPr lang="en-US" dirty="0" err="1"/>
+                        <a:t>Jairus</a:t>
+                      </a:r>
+                      <a:r>
+                        <a:rPr lang="en-US" dirty="0"/>
+                        <a:t> </a:t>
+                      </a:r>
+                      <a:r>
+                        <a:rPr lang="en-US" dirty="0" err="1"/>
+                        <a:t>Roguel</a:t>
+                      </a:r>
+                      <a:endParaRPr lang="en-US" dirty="0"/>
+                    </a:p>
+                  </a:txBody>
+                  <a:tcPr/>
+                </a:tc>
+                <a:extLst>
+                  <a:ext uri="{0D108BD9-81ED-4DB2-BD59-A6C34878D82A}">
+                    <a16:rowId xmlns:a16="http://schemas.microsoft.com/office/drawing/2014/main" val="10003"/>
+                  </a:ext>
+                </a:extLst>
+              </a:tr>
+              <a:tr h="370840">
+                <a:tc>
+                  <a:txBody>
+                    <a:bodyPr/>
+                    <a:lstStyle/>
+                    <a:p>
+                      <a:pPr algn="l"/>
+                      <a:r>
+                        <a:rPr lang="en-US" dirty="0"/>
+                        <a:t>UC03:</a:t>
+                      </a:r>
+                      <a:r>
+                        <a:rPr lang="en-US" baseline="0" dirty="0"/>
+                        <a:t> Generating Dashboard</a:t>
+                      </a:r>
+                      <a:endParaRPr lang="en-US" dirty="0"/>
+                    </a:p>
+                  </a:txBody>
+                  <a:tcPr/>
+                </a:tc>
+                <a:tc>
+                  <a:txBody>
+                    <a:bodyPr/>
+                    <a:lstStyle/>
+                    <a:p>
+                      <a:pPr algn="ctr"/>
+                      <a:r>
+                        <a:rPr lang="en-US" dirty="0"/>
+                        <a:t>Jesus </a:t>
+                      </a:r>
+                      <a:r>
+                        <a:rPr lang="en-US" dirty="0" err="1"/>
+                        <a:t>Brugada</a:t>
+                      </a:r>
+                      <a:endParaRPr lang="en-US" dirty="0"/>
+                    </a:p>
+                  </a:txBody>
+                  <a:tcPr/>
+                </a:tc>
+                <a:extLst>
+                  <a:ext uri="{0D108BD9-81ED-4DB2-BD59-A6C34878D82A}">
+                    <a16:rowId xmlns:a16="http://schemas.microsoft.com/office/drawing/2014/main" val="10004"/>
+                  </a:ext>
+                </a:extLst>
+              </a:tr>
+              <a:tr h="370840">
+                <a:tc>
+                  <a:txBody>
+                    <a:bodyPr/>
+                    <a:lstStyle/>
+                    <a:p>
+                      <a:pPr algn="l"/>
+                      <a:r>
+                        <a:rPr lang="en-US" dirty="0"/>
+                        <a:t>UC04: Filter Reports</a:t>
+                      </a:r>
+                    </a:p>
+                  </a:txBody>
+                  <a:tcPr/>
+                </a:tc>
+                <a:tc>
+                  <a:txBody>
+                    <a:bodyPr/>
+                    <a:lstStyle/>
+                    <a:p>
+                      <a:pPr algn="ctr"/>
+                      <a:r>
+                        <a:rPr lang="en-US" dirty="0"/>
+                        <a:t>Diego</a:t>
+                      </a:r>
+                      <a:r>
+                        <a:rPr lang="en-US" baseline="0" dirty="0"/>
+                        <a:t> Gloria</a:t>
+                      </a:r>
+                      <a:endParaRPr lang="en-US" dirty="0"/>
+                    </a:p>
+                  </a:txBody>
+                  <a:tcPr/>
+                </a:tc>
+                <a:extLst>
+                  <a:ext uri="{0D108BD9-81ED-4DB2-BD59-A6C34878D82A}">
+                    <a16:rowId xmlns:a16="http://schemas.microsoft.com/office/drawing/2014/main" val="10005"/>
+                  </a:ext>
+                </a:extLst>
+              </a:tr>
+            </a:tbl>
+          </a:graphicData>
+        </a:graphic>
+      </p:graphicFrame>
+    </p:spTree>
+  </p:cSld>
+  <p:clrMapOvr>
+    <a:masterClrMapping/>
+  </p:clrMapOvr>
+</p:sld>
+</file>
+
+<file path=ppt/slides/slide20.xml><?xml version="1.0" encoding="utf-8"?>
+<p:sld xmlns:a="http://schemas.openxmlformats.org/drawingml/2006/main" xmlns:r="http://schemas.openxmlformats.org/officeDocument/2006/relationships" xmlns:p="http://schemas.openxmlformats.org/presentationml/2006/main">
+  <p:cSld>
+    <p:spTree>
+      <p:nvGrpSpPr>
+        <p:cNvPr id="1" name=""/>
+        <p:cNvGrpSpPr/>
+        <p:nvPr/>
+      </p:nvGrpSpPr>
+      <p:grpSpPr>
+        <a:xfrm>
+          <a:off x="0" y="0"/>
+          <a:ext cx="0" cy="0"/>
+          <a:chOff x="0" y="0"/>
+          <a:chExt cx="0" cy="0"/>
+        </a:xfrm>
+      </p:grpSpPr>
+      <p:sp>
+        <p:nvSpPr>
+          <p:cNvPr id="2" name="Title 1"/>
+          <p:cNvSpPr>
+            <a:spLocks noGrp="1"/>
+          </p:cNvSpPr>
+          <p:nvPr>
+            <p:ph type="ctrTitle"/>
+          </p:nvPr>
+        </p:nvSpPr>
+        <p:spPr/>
+        <p:txBody>
+          <a:bodyPr/>
+          <a:lstStyle/>
+          <a:p>
+            <a:r>
+              <a:rPr lang="en-US" dirty="0"/>
+              <a:t>GITHUB COMMITS</a:t>
+            </a:r>
+          </a:p>
+        </p:txBody>
+      </p:sp>
+      <p:sp>
+        <p:nvSpPr>
+          <p:cNvPr id="3" name="Subtitle 2"/>
+          <p:cNvSpPr>
+            <a:spLocks noGrp="1"/>
+          </p:cNvSpPr>
+          <p:nvPr>
+            <p:ph type="subTitle" idx="1"/>
+          </p:nvPr>
+        </p:nvSpPr>
+        <p:spPr>
+          <a:xfrm>
+            <a:off x="2679906" y="3956278"/>
+            <a:ext cx="6831673" cy="1709415"/>
+          </a:xfrm>
+        </p:spPr>
+        <p:txBody>
+          <a:bodyPr>
+            <a:normAutofit/>
+          </a:bodyPr>
+          <a:lstStyle/>
+          <a:p>
+            <a:r>
+              <a:rPr lang="en-US" sz="1800" dirty="0"/>
+              <a:t>Prepared by the Aria Development Team</a:t>
+            </a:r>
+          </a:p>
+        </p:txBody>
+      </p:sp>
+    </p:spTree>
+    <p:extLst>
+      <p:ext uri="{BB962C8B-B14F-4D97-AF65-F5344CB8AC3E}">
+        <p14:creationId xmlns:p14="http://schemas.microsoft.com/office/powerpoint/2010/main" val="4214452522"/>
+      </p:ext>
+    </p:extLst>
+  </p:cSld>
+  <p:clrMapOvr>
+    <a:masterClrMapping/>
+  </p:clrMapOvr>
+</p:sld>
+</file>
+
+<file path=ppt/slides/slide21.xml><?xml version="1.0" encoding="utf-8"?>
+<p:sld xmlns:a="http://schemas.openxmlformats.org/drawingml/2006/main" xmlns:r="http://schemas.openxmlformats.org/officeDocument/2006/relationships" xmlns:p="http://schemas.openxmlformats.org/presentationml/2006/main">
+  <p:cSld>
+    <p:spTree>
+      <p:nvGrpSpPr>
+        <p:cNvPr id="1" name=""/>
+        <p:cNvGrpSpPr/>
+        <p:nvPr/>
+      </p:nvGrpSpPr>
+      <p:grpSpPr>
+        <a:xfrm>
+          <a:off x="0" y="0"/>
+          <a:ext cx="0" cy="0"/>
+          <a:chOff x="0" y="0"/>
+          <a:chExt cx="0" cy="0"/>
+        </a:xfrm>
+      </p:grpSpPr>
+      <p:sp>
+        <p:nvSpPr>
+          <p:cNvPr id="2" name="Title 1"/>
+          <p:cNvSpPr>
+            <a:spLocks noGrp="1"/>
+          </p:cNvSpPr>
+          <p:nvPr>
+            <p:ph type="title"/>
+          </p:nvPr>
+        </p:nvSpPr>
+        <p:spPr/>
+        <p:txBody>
+          <a:bodyPr/>
+          <a:lstStyle/>
+          <a:p>
+            <a:endParaRPr lang="en-US" dirty="0"/>
           </a:p>
         </p:txBody>
       </p:sp>
@@ -5885,30 +8162,14 @@
           <a:bodyPr/>
           <a:lstStyle/>
           <a:p>
-            <a:r>
-              <a:rPr lang="en-US" i="1" dirty="0"/>
-              <a:t>PlanetX: </a:t>
-            </a:r>
-            <a:r>
-              <a:rPr lang="en-US" i="1" dirty="0" err="1"/>
-              <a:t>Markerless</a:t>
-            </a:r>
-            <a:r>
-              <a:rPr lang="en-US" i="1" dirty="0"/>
-              <a:t> Augmented Reality App </a:t>
-            </a:r>
-            <a:r>
-              <a:rPr lang="en-US" dirty="0"/>
-              <a:t>is an application that will help the clients of SMX Convention Center to visualize the events they want to organize with the help of a smartphone camera</a:t>
-            </a:r>
-            <a:endParaRPr lang="en-US" i="1" dirty="0"/>
+            <a:endParaRPr lang="en-US"/>
           </a:p>
         </p:txBody>
       </p:sp>
     </p:spTree>
     <p:extLst>
       <p:ext uri="{BB962C8B-B14F-4D97-AF65-F5344CB8AC3E}">
-        <p14:creationId xmlns:p14="http://schemas.microsoft.com/office/powerpoint/2010/main" val="4202284579"/>
+        <p14:creationId xmlns:p14="http://schemas.microsoft.com/office/powerpoint/2010/main" val="2027906896"/>
       </p:ext>
     </p:extLst>
   </p:cSld>
@@ -5950,56 +8211,735 @@
           <a:bodyPr/>
           <a:lstStyle/>
           <a:p>
-            <a:r>
-              <a:rPr lang="en-US" dirty="0"/>
-              <a:t>System Objectives</a:t>
-            </a:r>
+            <a:endParaRPr lang="en-US"/>
           </a:p>
         </p:txBody>
       </p:sp>
-      <p:sp>
-        <p:nvSpPr>
-          <p:cNvPr id="3" name="Content Placeholder 2"/>
-          <p:cNvSpPr>
-            <a:spLocks noGrp="1"/>
-          </p:cNvSpPr>
+      <p:graphicFrame>
+        <p:nvGraphicFramePr>
+          <p:cNvPr id="4" name="Content Placeholder 3"/>
+          <p:cNvGraphicFramePr>
+            <a:graphicFrameLocks noGrp="1"/>
+          </p:cNvGraphicFramePr>
           <p:nvPr>
             <p:ph idx="1"/>
-          </p:nvPr>
-        </p:nvSpPr>
-        <p:spPr/>
-        <p:txBody>
-          <a:bodyPr/>
-          <a:lstStyle/>
-          <a:p>
-            <a:r>
-              <a:rPr lang="en-US" dirty="0"/>
-              <a:t>To detect the ground plane of SMX Convention Center</a:t>
-            </a:r>
-          </a:p>
-          <a:p>
-            <a:r>
-              <a:rPr lang="en-US" dirty="0"/>
-              <a:t>To detect the camera of the smartphone</a:t>
-            </a:r>
-          </a:p>
-          <a:p>
-            <a:r>
-              <a:rPr lang="en-US" dirty="0"/>
-              <a:t>To place some visual objects on the ground plane</a:t>
-            </a:r>
-          </a:p>
-          <a:p>
-            <a:endParaRPr lang="en-US" dirty="0"/>
-          </a:p>
-        </p:txBody>
-      </p:sp>
+            <p:extLst>
+              <p:ext uri="{D42A27DB-BD31-4B8C-83A1-F6EECF244321}">
+                <p14:modId xmlns:p14="http://schemas.microsoft.com/office/powerpoint/2010/main" val="2640167953"/>
+              </p:ext>
+            </p:extLst>
+          </p:nvPr>
+        </p:nvGraphicFramePr>
+        <p:xfrm>
+          <a:off x="1371600" y="1423852"/>
+          <a:ext cx="9601200" cy="4145280"/>
+        </p:xfrm>
+        <a:graphic>
+          <a:graphicData uri="http://schemas.openxmlformats.org/drawingml/2006/table">
+            <a:tbl>
+              <a:tblPr firstRow="1" bandRow="1">
+                <a:tableStyleId>{FABFCF23-3B69-468F-B69F-88F6DE6A72F2}</a:tableStyleId>
+              </a:tblPr>
+              <a:tblGrid>
+                <a:gridCol w="4800600">
+                  <a:extLst>
+                    <a:ext uri="{9D8B030D-6E8A-4147-A177-3AD203B41FA5}">
+                      <a16:colId xmlns:a16="http://schemas.microsoft.com/office/drawing/2014/main" val="20000"/>
+                    </a:ext>
+                  </a:extLst>
+                </a:gridCol>
+                <a:gridCol w="4800600">
+                  <a:extLst>
+                    <a:ext uri="{9D8B030D-6E8A-4147-A177-3AD203B41FA5}">
+                      <a16:colId xmlns:a16="http://schemas.microsoft.com/office/drawing/2014/main" val="20001"/>
+                    </a:ext>
+                  </a:extLst>
+                </a:gridCol>
+              </a:tblGrid>
+              <a:tr h="370840">
+                <a:tc>
+                  <a:txBody>
+                    <a:bodyPr/>
+                    <a:lstStyle/>
+                    <a:p>
+                      <a:pPr algn="ctr"/>
+                      <a:r>
+                        <a:rPr lang="en-US" dirty="0"/>
+                        <a:t>Use Case</a:t>
+                      </a:r>
+                      <a:r>
+                        <a:rPr lang="en-US" baseline="0" dirty="0"/>
+                        <a:t> Name</a:t>
+                      </a:r>
+                      <a:endParaRPr lang="en-US" dirty="0"/>
+                    </a:p>
+                  </a:txBody>
+                  <a:tcPr/>
+                </a:tc>
+                <a:tc>
+                  <a:txBody>
+                    <a:bodyPr/>
+                    <a:lstStyle/>
+                    <a:p>
+                      <a:pPr algn="ctr"/>
+                      <a:r>
+                        <a:rPr lang="en-US" dirty="0"/>
+                        <a:t>Name of the Author</a:t>
+                      </a:r>
+                    </a:p>
+                  </a:txBody>
+                  <a:tcPr/>
+                </a:tc>
+                <a:extLst>
+                  <a:ext uri="{0D108BD9-81ED-4DB2-BD59-A6C34878D82A}">
+                    <a16:rowId xmlns:a16="http://schemas.microsoft.com/office/drawing/2014/main" val="10000"/>
+                  </a:ext>
+                </a:extLst>
+              </a:tr>
+              <a:tr h="370840">
+                <a:tc gridSpan="2">
+                  <a:txBody>
+                    <a:bodyPr/>
+                    <a:lstStyle/>
+                    <a:p>
+                      <a:pPr algn="ctr"/>
+                      <a:r>
+                        <a:rPr lang="en-US" dirty="0"/>
+                        <a:t>ITERATION</a:t>
+                      </a:r>
+                      <a:r>
+                        <a:rPr lang="en-US" baseline="0" dirty="0"/>
+                        <a:t> 2</a:t>
+                      </a:r>
+                      <a:endParaRPr lang="en-US" dirty="0"/>
+                    </a:p>
+                  </a:txBody>
+                  <a:tcPr/>
+                </a:tc>
+                <a:tc hMerge="1">
+                  <a:txBody>
+                    <a:bodyPr/>
+                    <a:lstStyle/>
+                    <a:p>
+                      <a:endParaRPr lang="en-US" dirty="0"/>
+                    </a:p>
+                  </a:txBody>
+                  <a:tcPr/>
+                </a:tc>
+                <a:extLst>
+                  <a:ext uri="{0D108BD9-81ED-4DB2-BD59-A6C34878D82A}">
+                    <a16:rowId xmlns:a16="http://schemas.microsoft.com/office/drawing/2014/main" val="10001"/>
+                  </a:ext>
+                </a:extLst>
+              </a:tr>
+              <a:tr h="370840">
+                <a:tc>
+                  <a:txBody>
+                    <a:bodyPr/>
+                    <a:lstStyle/>
+                    <a:p>
+                      <a:pPr marL="0" marR="0" indent="0" algn="l" defTabSz="914400" rtl="0" eaLnBrk="1" fontAlgn="auto" latinLnBrk="0" hangingPunct="1">
+                        <a:lnSpc>
+                          <a:spcPct val="100000"/>
+                        </a:lnSpc>
+                        <a:spcBef>
+                          <a:spcPts val="0"/>
+                        </a:spcBef>
+                        <a:spcAft>
+                          <a:spcPts val="0"/>
+                        </a:spcAft>
+                        <a:buClrTx/>
+                        <a:buSzTx/>
+                        <a:buFontTx/>
+                        <a:buNone/>
+                        <a:tabLst/>
+                        <a:defRPr/>
+                      </a:pPr>
+                      <a:r>
+                        <a:rPr lang="en-US" dirty="0"/>
+                        <a:t>UC2.01.1: </a:t>
+                      </a:r>
+                      <a:r>
+                        <a:rPr lang="en-US" sz="1800" b="0" i="0" kern="1200" dirty="0">
+                          <a:solidFill>
+                            <a:schemeClr val="dk1"/>
+                          </a:solidFill>
+                          <a:latin typeface="+mn-lt"/>
+                          <a:ea typeface="+mn-ea"/>
+                          <a:cs typeface="+mn-cs"/>
+                        </a:rPr>
+                        <a:t>Answering the Radio Button Part of the Survey</a:t>
+                      </a:r>
+                    </a:p>
+                  </a:txBody>
+                  <a:tcPr anchor="ctr"/>
+                </a:tc>
+                <a:tc>
+                  <a:txBody>
+                    <a:bodyPr/>
+                    <a:lstStyle/>
+                    <a:p>
+                      <a:pPr algn="ctr"/>
+                      <a:r>
+                        <a:rPr lang="en-US" dirty="0"/>
+                        <a:t>Angelica Ruiz</a:t>
+                      </a:r>
+                    </a:p>
+                  </a:txBody>
+                  <a:tcPr/>
+                </a:tc>
+                <a:extLst>
+                  <a:ext uri="{0D108BD9-81ED-4DB2-BD59-A6C34878D82A}">
+                    <a16:rowId xmlns:a16="http://schemas.microsoft.com/office/drawing/2014/main" val="10002"/>
+                  </a:ext>
+                </a:extLst>
+              </a:tr>
+              <a:tr h="370840">
+                <a:tc>
+                  <a:txBody>
+                    <a:bodyPr/>
+                    <a:lstStyle/>
+                    <a:p>
+                      <a:pPr marL="0" marR="0" indent="0" algn="l" defTabSz="914400" rtl="0" eaLnBrk="1" fontAlgn="auto" latinLnBrk="0" hangingPunct="1">
+                        <a:lnSpc>
+                          <a:spcPct val="100000"/>
+                        </a:lnSpc>
+                        <a:spcBef>
+                          <a:spcPts val="0"/>
+                        </a:spcBef>
+                        <a:spcAft>
+                          <a:spcPts val="0"/>
+                        </a:spcAft>
+                        <a:buClrTx/>
+                        <a:buSzTx/>
+                        <a:buFontTx/>
+                        <a:buNone/>
+                        <a:tabLst/>
+                        <a:defRPr/>
+                      </a:pPr>
+                      <a:r>
+                        <a:rPr lang="en-US" dirty="0"/>
+                        <a:t>UC2.01.2: </a:t>
+                      </a:r>
+                      <a:r>
+                        <a:rPr lang="en-US" sz="1800" b="0" i="0" kern="1200" dirty="0">
+                          <a:solidFill>
+                            <a:schemeClr val="dk1"/>
+                          </a:solidFill>
+                          <a:latin typeface="+mn-lt"/>
+                          <a:ea typeface="+mn-ea"/>
+                          <a:cs typeface="+mn-cs"/>
+                        </a:rPr>
+                        <a:t>Answering the Checkbox Part of the Survey</a:t>
+                      </a:r>
+                    </a:p>
+                  </a:txBody>
+                  <a:tcPr anchor="ctr"/>
+                </a:tc>
+                <a:tc>
+                  <a:txBody>
+                    <a:bodyPr/>
+                    <a:lstStyle/>
+                    <a:p>
+                      <a:pPr algn="ctr"/>
+                      <a:r>
+                        <a:rPr lang="en-US" dirty="0"/>
+                        <a:t>Diego Gloria</a:t>
+                      </a:r>
+                    </a:p>
+                  </a:txBody>
+                  <a:tcPr/>
+                </a:tc>
+                <a:extLst>
+                  <a:ext uri="{0D108BD9-81ED-4DB2-BD59-A6C34878D82A}">
+                    <a16:rowId xmlns:a16="http://schemas.microsoft.com/office/drawing/2014/main" val="10003"/>
+                  </a:ext>
+                </a:extLst>
+              </a:tr>
+              <a:tr h="370840">
+                <a:tc>
+                  <a:txBody>
+                    <a:bodyPr/>
+                    <a:lstStyle/>
+                    <a:p>
+                      <a:pPr marL="0" marR="0" indent="0" algn="l" defTabSz="914400" rtl="0" eaLnBrk="1" fontAlgn="auto" latinLnBrk="0" hangingPunct="1">
+                        <a:lnSpc>
+                          <a:spcPct val="100000"/>
+                        </a:lnSpc>
+                        <a:spcBef>
+                          <a:spcPts val="0"/>
+                        </a:spcBef>
+                        <a:spcAft>
+                          <a:spcPts val="0"/>
+                        </a:spcAft>
+                        <a:buClrTx/>
+                        <a:buSzTx/>
+                        <a:buFontTx/>
+                        <a:buNone/>
+                        <a:tabLst/>
+                        <a:defRPr/>
+                      </a:pPr>
+                      <a:r>
+                        <a:rPr lang="en-US" sz="1800" b="0" i="0" kern="1200" dirty="0">
+                          <a:solidFill>
+                            <a:schemeClr val="dk1"/>
+                          </a:solidFill>
+                          <a:latin typeface="+mn-lt"/>
+                          <a:ea typeface="+mn-ea"/>
+                          <a:cs typeface="+mn-cs"/>
+                        </a:rPr>
+                        <a:t>UC2.01.3:</a:t>
+                      </a:r>
+                      <a:r>
+                        <a:rPr lang="en-US" sz="1800" b="0" i="0" kern="1200" baseline="0" dirty="0">
+                          <a:solidFill>
+                            <a:schemeClr val="dk1"/>
+                          </a:solidFill>
+                          <a:latin typeface="+mn-lt"/>
+                          <a:ea typeface="+mn-ea"/>
+                          <a:cs typeface="+mn-cs"/>
+                        </a:rPr>
+                        <a:t> </a:t>
+                      </a:r>
+                      <a:r>
+                        <a:rPr lang="en-US" sz="1800" b="0" i="0" kern="1200" dirty="0">
+                          <a:solidFill>
+                            <a:schemeClr val="dk1"/>
+                          </a:solidFill>
+                          <a:latin typeface="+mn-lt"/>
+                          <a:ea typeface="+mn-ea"/>
+                          <a:cs typeface="+mn-cs"/>
+                        </a:rPr>
+                        <a:t>Answering the Comment Section Part of the Survey</a:t>
+                      </a:r>
+                    </a:p>
+                  </a:txBody>
+                  <a:tcPr anchor="ctr"/>
+                </a:tc>
+                <a:tc>
+                  <a:txBody>
+                    <a:bodyPr/>
+                    <a:lstStyle/>
+                    <a:p>
+                      <a:pPr algn="ctr"/>
+                      <a:r>
+                        <a:rPr lang="en-US" dirty="0" err="1"/>
+                        <a:t>Jairus</a:t>
+                      </a:r>
+                      <a:r>
+                        <a:rPr lang="en-US" baseline="0" dirty="0"/>
+                        <a:t> </a:t>
+                      </a:r>
+                      <a:r>
+                        <a:rPr lang="en-US" baseline="0" dirty="0" err="1"/>
+                        <a:t>Roguel</a:t>
+                      </a:r>
+                      <a:endParaRPr lang="en-US" dirty="0"/>
+                    </a:p>
+                  </a:txBody>
+                  <a:tcPr/>
+                </a:tc>
+                <a:extLst>
+                  <a:ext uri="{0D108BD9-81ED-4DB2-BD59-A6C34878D82A}">
+                    <a16:rowId xmlns:a16="http://schemas.microsoft.com/office/drawing/2014/main" val="10004"/>
+                  </a:ext>
+                </a:extLst>
+              </a:tr>
+              <a:tr h="370840">
+                <a:tc>
+                  <a:txBody>
+                    <a:bodyPr/>
+                    <a:lstStyle/>
+                    <a:p>
+                      <a:pPr marL="0" marR="0" indent="0" algn="l" defTabSz="914400" rtl="0" eaLnBrk="1" fontAlgn="auto" latinLnBrk="0" hangingPunct="1">
+                        <a:lnSpc>
+                          <a:spcPct val="100000"/>
+                        </a:lnSpc>
+                        <a:spcBef>
+                          <a:spcPts val="0"/>
+                        </a:spcBef>
+                        <a:spcAft>
+                          <a:spcPts val="0"/>
+                        </a:spcAft>
+                        <a:buClrTx/>
+                        <a:buSzTx/>
+                        <a:buFontTx/>
+                        <a:buNone/>
+                        <a:tabLst/>
+                        <a:defRPr/>
+                      </a:pPr>
+                      <a:r>
+                        <a:rPr lang="en-US" sz="1800" b="0" i="0" kern="1200" dirty="0">
+                          <a:solidFill>
+                            <a:schemeClr val="dk1"/>
+                          </a:solidFill>
+                          <a:latin typeface="+mn-lt"/>
+                          <a:ea typeface="+mn-ea"/>
+                          <a:cs typeface="+mn-cs"/>
+                        </a:rPr>
+                        <a:t>UC2.02: System Connect</a:t>
+                      </a:r>
+                      <a:r>
+                        <a:rPr lang="en-US" sz="1800" b="0" i="0" kern="1200" baseline="0" dirty="0">
+                          <a:solidFill>
+                            <a:schemeClr val="dk1"/>
+                          </a:solidFill>
+                          <a:latin typeface="+mn-lt"/>
+                          <a:ea typeface="+mn-ea"/>
+                          <a:cs typeface="+mn-cs"/>
+                        </a:rPr>
+                        <a:t>s to Database</a:t>
+                      </a:r>
+                      <a:endParaRPr lang="en-US" sz="1800" b="0" i="0" kern="1200" dirty="0">
+                        <a:solidFill>
+                          <a:schemeClr val="dk1"/>
+                        </a:solidFill>
+                        <a:latin typeface="+mn-lt"/>
+                        <a:ea typeface="+mn-ea"/>
+                        <a:cs typeface="+mn-cs"/>
+                      </a:endParaRPr>
+                    </a:p>
+                  </a:txBody>
+                  <a:tcPr anchor="ctr"/>
+                </a:tc>
+                <a:tc>
+                  <a:txBody>
+                    <a:bodyPr/>
+                    <a:lstStyle/>
+                    <a:p>
+                      <a:pPr algn="ctr"/>
+                      <a:r>
+                        <a:rPr lang="en-US" dirty="0"/>
+                        <a:t>Diego Gloria</a:t>
+                      </a:r>
+                    </a:p>
+                  </a:txBody>
+                  <a:tcPr/>
+                </a:tc>
+                <a:extLst>
+                  <a:ext uri="{0D108BD9-81ED-4DB2-BD59-A6C34878D82A}">
+                    <a16:rowId xmlns:a16="http://schemas.microsoft.com/office/drawing/2014/main" val="10005"/>
+                  </a:ext>
+                </a:extLst>
+              </a:tr>
+              <a:tr h="370840">
+                <a:tc>
+                  <a:txBody>
+                    <a:bodyPr/>
+                    <a:lstStyle/>
+                    <a:p>
+                      <a:pPr marL="0" marR="0" indent="0" algn="l" defTabSz="914400" rtl="0" eaLnBrk="1" fontAlgn="auto" latinLnBrk="0" hangingPunct="1">
+                        <a:lnSpc>
+                          <a:spcPct val="100000"/>
+                        </a:lnSpc>
+                        <a:spcBef>
+                          <a:spcPts val="0"/>
+                        </a:spcBef>
+                        <a:spcAft>
+                          <a:spcPts val="0"/>
+                        </a:spcAft>
+                        <a:buClrTx/>
+                        <a:buSzTx/>
+                        <a:buFontTx/>
+                        <a:buNone/>
+                        <a:tabLst/>
+                        <a:defRPr/>
+                      </a:pPr>
+                      <a:r>
+                        <a:rPr lang="en-US" sz="1800" b="0" i="0" kern="1200" dirty="0">
+                          <a:solidFill>
+                            <a:schemeClr val="dk1"/>
+                          </a:solidFill>
+                          <a:latin typeface="+mn-lt"/>
+                          <a:ea typeface="+mn-ea"/>
+                          <a:cs typeface="+mn-cs"/>
+                        </a:rPr>
+                        <a:t>UC2.03: Generating Dashboard</a:t>
+                      </a:r>
+                    </a:p>
+                  </a:txBody>
+                  <a:tcPr anchor="ctr"/>
+                </a:tc>
+                <a:tc>
+                  <a:txBody>
+                    <a:bodyPr/>
+                    <a:lstStyle/>
+                    <a:p>
+                      <a:pPr algn="ctr"/>
+                      <a:r>
+                        <a:rPr lang="en-US" dirty="0"/>
+                        <a:t>Angelica Ruiz</a:t>
+                      </a:r>
+                    </a:p>
+                  </a:txBody>
+                  <a:tcPr/>
+                </a:tc>
+                <a:extLst>
+                  <a:ext uri="{0D108BD9-81ED-4DB2-BD59-A6C34878D82A}">
+                    <a16:rowId xmlns:a16="http://schemas.microsoft.com/office/drawing/2014/main" val="10006"/>
+                  </a:ext>
+                </a:extLst>
+              </a:tr>
+              <a:tr h="370840">
+                <a:tc>
+                  <a:txBody>
+                    <a:bodyPr/>
+                    <a:lstStyle/>
+                    <a:p>
+                      <a:pPr marL="0" marR="0" indent="0" algn="l" defTabSz="914400" rtl="0" eaLnBrk="1" fontAlgn="auto" latinLnBrk="0" hangingPunct="1">
+                        <a:lnSpc>
+                          <a:spcPct val="100000"/>
+                        </a:lnSpc>
+                        <a:spcBef>
+                          <a:spcPts val="0"/>
+                        </a:spcBef>
+                        <a:spcAft>
+                          <a:spcPts val="0"/>
+                        </a:spcAft>
+                        <a:buClrTx/>
+                        <a:buSzTx/>
+                        <a:buFontTx/>
+                        <a:buNone/>
+                        <a:tabLst/>
+                        <a:defRPr/>
+                      </a:pPr>
+                      <a:r>
+                        <a:rPr lang="en-US" sz="1800" b="0" i="0" kern="1200" dirty="0">
+                          <a:solidFill>
+                            <a:schemeClr val="dk1"/>
+                          </a:solidFill>
+                          <a:latin typeface="+mn-lt"/>
+                          <a:ea typeface="+mn-ea"/>
+                          <a:cs typeface="+mn-cs"/>
+                        </a:rPr>
+                        <a:t>UC2.04.1:</a:t>
+                      </a:r>
+                      <a:r>
+                        <a:rPr lang="en-US" sz="1800" b="0" i="0" kern="1200" baseline="0" dirty="0">
+                          <a:solidFill>
+                            <a:schemeClr val="dk1"/>
+                          </a:solidFill>
+                          <a:latin typeface="+mn-lt"/>
+                          <a:ea typeface="+mn-ea"/>
+                          <a:cs typeface="+mn-cs"/>
+                        </a:rPr>
+                        <a:t> </a:t>
+                      </a:r>
+                      <a:r>
+                        <a:rPr lang="en-US" sz="1800" b="0" i="0" kern="1200" dirty="0">
+                          <a:solidFill>
+                            <a:schemeClr val="dk1"/>
+                          </a:solidFill>
+                          <a:latin typeface="+mn-lt"/>
+                          <a:ea typeface="+mn-ea"/>
+                          <a:cs typeface="+mn-cs"/>
+                        </a:rPr>
+                        <a:t>Modifying Survey Question Headers</a:t>
+                      </a:r>
+                    </a:p>
+                  </a:txBody>
+                  <a:tcPr anchor="ctr"/>
+                </a:tc>
+                <a:tc>
+                  <a:txBody>
+                    <a:bodyPr/>
+                    <a:lstStyle/>
+                    <a:p>
+                      <a:pPr marL="0" marR="0" indent="0" algn="ctr" defTabSz="914400" rtl="0" eaLnBrk="1" fontAlgn="auto" latinLnBrk="0" hangingPunct="1">
+                        <a:lnSpc>
+                          <a:spcPct val="100000"/>
+                        </a:lnSpc>
+                        <a:spcBef>
+                          <a:spcPts val="0"/>
+                        </a:spcBef>
+                        <a:spcAft>
+                          <a:spcPts val="0"/>
+                        </a:spcAft>
+                        <a:buClrTx/>
+                        <a:buSzTx/>
+                        <a:buFontTx/>
+                        <a:buNone/>
+                        <a:tabLst/>
+                        <a:defRPr/>
+                      </a:pPr>
+                      <a:r>
+                        <a:rPr lang="en-US" sz="1800" b="0" i="0" kern="1200" dirty="0">
+                          <a:solidFill>
+                            <a:schemeClr val="dk1"/>
+                          </a:solidFill>
+                          <a:latin typeface="+mn-lt"/>
+                          <a:ea typeface="+mn-ea"/>
+                          <a:cs typeface="+mn-cs"/>
+                        </a:rPr>
+                        <a:t>Jesus</a:t>
+                      </a:r>
+                      <a:r>
+                        <a:rPr lang="en-US" sz="1800" b="0" i="0" kern="1200" baseline="0" dirty="0">
+                          <a:solidFill>
+                            <a:schemeClr val="dk1"/>
+                          </a:solidFill>
+                          <a:latin typeface="+mn-lt"/>
+                          <a:ea typeface="+mn-ea"/>
+                          <a:cs typeface="+mn-cs"/>
+                        </a:rPr>
+                        <a:t> </a:t>
+                      </a:r>
+                      <a:r>
+                        <a:rPr lang="en-US" sz="1800" b="0" i="0" kern="1200" baseline="0" dirty="0" err="1">
+                          <a:solidFill>
+                            <a:schemeClr val="dk1"/>
+                          </a:solidFill>
+                          <a:latin typeface="+mn-lt"/>
+                          <a:ea typeface="+mn-ea"/>
+                          <a:cs typeface="+mn-cs"/>
+                        </a:rPr>
+                        <a:t>Brugada</a:t>
+                      </a:r>
+                      <a:endParaRPr lang="en-US" sz="1800" b="0" i="0" kern="1200" dirty="0">
+                        <a:solidFill>
+                          <a:schemeClr val="dk1"/>
+                        </a:solidFill>
+                        <a:latin typeface="+mn-lt"/>
+                        <a:ea typeface="+mn-ea"/>
+                        <a:cs typeface="+mn-cs"/>
+                      </a:endParaRPr>
+                    </a:p>
+                  </a:txBody>
+                  <a:tcPr/>
+                </a:tc>
+                <a:extLst>
+                  <a:ext uri="{0D108BD9-81ED-4DB2-BD59-A6C34878D82A}">
+                    <a16:rowId xmlns:a16="http://schemas.microsoft.com/office/drawing/2014/main" val="10007"/>
+                  </a:ext>
+                </a:extLst>
+              </a:tr>
+              <a:tr h="370840">
+                <a:tc>
+                  <a:txBody>
+                    <a:bodyPr/>
+                    <a:lstStyle/>
+                    <a:p>
+                      <a:pPr marL="0" marR="0" indent="0" algn="l" defTabSz="914400" rtl="0" eaLnBrk="1" fontAlgn="auto" latinLnBrk="0" hangingPunct="1">
+                        <a:lnSpc>
+                          <a:spcPct val="100000"/>
+                        </a:lnSpc>
+                        <a:spcBef>
+                          <a:spcPts val="0"/>
+                        </a:spcBef>
+                        <a:spcAft>
+                          <a:spcPts val="0"/>
+                        </a:spcAft>
+                        <a:buClrTx/>
+                        <a:buSzTx/>
+                        <a:buFontTx/>
+                        <a:buNone/>
+                        <a:tabLst/>
+                        <a:defRPr/>
+                      </a:pPr>
+                      <a:r>
+                        <a:rPr lang="en-US" sz="1800" b="0" i="0" kern="1200" dirty="0">
+                          <a:solidFill>
+                            <a:schemeClr val="dk1"/>
+                          </a:solidFill>
+                          <a:latin typeface="+mn-lt"/>
+                          <a:ea typeface="+mn-ea"/>
+                          <a:cs typeface="+mn-cs"/>
+                        </a:rPr>
+                        <a:t>UC2.04.2:</a:t>
+                      </a:r>
+                      <a:r>
+                        <a:rPr lang="en-US" sz="1800" b="0" i="0" kern="1200" baseline="0" dirty="0">
+                          <a:solidFill>
+                            <a:schemeClr val="dk1"/>
+                          </a:solidFill>
+                          <a:latin typeface="+mn-lt"/>
+                          <a:ea typeface="+mn-ea"/>
+                          <a:cs typeface="+mn-cs"/>
+                        </a:rPr>
+                        <a:t> </a:t>
+                      </a:r>
+                      <a:r>
+                        <a:rPr lang="en-US" sz="1800" b="0" i="0" kern="1200" dirty="0">
+                          <a:solidFill>
+                            <a:schemeClr val="dk1"/>
+                          </a:solidFill>
+                          <a:latin typeface="+mn-lt"/>
+                          <a:ea typeface="+mn-ea"/>
+                          <a:cs typeface="+mn-cs"/>
+                        </a:rPr>
+                        <a:t>Modifying Survey Question Details</a:t>
+                      </a:r>
+                    </a:p>
+                  </a:txBody>
+                  <a:tcPr anchor="ctr"/>
+                </a:tc>
+                <a:tc>
+                  <a:txBody>
+                    <a:bodyPr/>
+                    <a:lstStyle/>
+                    <a:p>
+                      <a:pPr marL="0" marR="0" indent="0" algn="ctr" defTabSz="914400" rtl="0" eaLnBrk="1" fontAlgn="auto" latinLnBrk="0" hangingPunct="1">
+                        <a:lnSpc>
+                          <a:spcPct val="100000"/>
+                        </a:lnSpc>
+                        <a:spcBef>
+                          <a:spcPts val="0"/>
+                        </a:spcBef>
+                        <a:spcAft>
+                          <a:spcPts val="0"/>
+                        </a:spcAft>
+                        <a:buClrTx/>
+                        <a:buSzTx/>
+                        <a:buFontTx/>
+                        <a:buNone/>
+                        <a:tabLst/>
+                        <a:defRPr/>
+                      </a:pPr>
+                      <a:r>
+                        <a:rPr lang="en-US" sz="1800" b="0" i="0" kern="1200" dirty="0">
+                          <a:solidFill>
+                            <a:schemeClr val="dk1"/>
+                          </a:solidFill>
+                          <a:latin typeface="+mn-lt"/>
+                          <a:ea typeface="+mn-ea"/>
+                          <a:cs typeface="+mn-cs"/>
+                        </a:rPr>
+                        <a:t>Jesus </a:t>
+                      </a:r>
+                      <a:r>
+                        <a:rPr lang="en-US" sz="1800" b="0" i="0" kern="1200" dirty="0" err="1">
+                          <a:solidFill>
+                            <a:schemeClr val="dk1"/>
+                          </a:solidFill>
+                          <a:latin typeface="+mn-lt"/>
+                          <a:ea typeface="+mn-ea"/>
+                          <a:cs typeface="+mn-cs"/>
+                        </a:rPr>
+                        <a:t>Brugada</a:t>
+                      </a:r>
+                      <a:endParaRPr lang="en-US" sz="1800" b="0" i="0" kern="1200" dirty="0">
+                        <a:solidFill>
+                          <a:schemeClr val="dk1"/>
+                        </a:solidFill>
+                        <a:latin typeface="+mn-lt"/>
+                        <a:ea typeface="+mn-ea"/>
+                        <a:cs typeface="+mn-cs"/>
+                      </a:endParaRPr>
+                    </a:p>
+                  </a:txBody>
+                  <a:tcPr/>
+                </a:tc>
+                <a:extLst>
+                  <a:ext uri="{0D108BD9-81ED-4DB2-BD59-A6C34878D82A}">
+                    <a16:rowId xmlns:a16="http://schemas.microsoft.com/office/drawing/2014/main" val="10008"/>
+                  </a:ext>
+                </a:extLst>
+              </a:tr>
+            </a:tbl>
+          </a:graphicData>
+        </a:graphic>
+      </p:graphicFrame>
     </p:spTree>
-    <p:extLst>
-      <p:ext uri="{BB962C8B-B14F-4D97-AF65-F5344CB8AC3E}">
-        <p14:creationId xmlns:p14="http://schemas.microsoft.com/office/powerpoint/2010/main" val="2548653401"/>
-      </p:ext>
-    </p:extLst>
   </p:cSld>
   <p:clrMapOvr>
     <a:masterClrMapping/>
@@ -6031,7 +8971,7 @@
             <a:spLocks noGrp="1"/>
           </p:cNvSpPr>
           <p:nvPr>
-            <p:ph type="title"/>
+            <p:ph type="ctrTitle"/>
           </p:nvPr>
         </p:nvSpPr>
         <p:spPr/>
@@ -6041,53 +8981,56 @@
           <a:p>
             <a:r>
               <a:rPr lang="en-US" dirty="0"/>
-              <a:t>Purpose</a:t>
-            </a:r>
+              <a:t>Quality Test plan</a:t>
+            </a:r>
+            <a:br>
+              <a:rPr lang="en-US" dirty="0"/>
+            </a:br>
+            <a:r>
+              <a:rPr lang="en-US" sz="3600" dirty="0" err="1"/>
+              <a:t>planetX</a:t>
+            </a:r>
+            <a:r>
+              <a:rPr lang="en-US" sz="3600" dirty="0"/>
+              <a:t>: a </a:t>
+            </a:r>
+            <a:r>
+              <a:rPr lang="en-US" sz="3600" dirty="0" err="1"/>
+              <a:t>markerless</a:t>
+            </a:r>
+            <a:r>
+              <a:rPr lang="en-US" sz="3600" dirty="0"/>
+              <a:t> augmented reality app</a:t>
+            </a:r>
+            <a:endParaRPr lang="en-US" dirty="0"/>
           </a:p>
         </p:txBody>
       </p:sp>
       <p:sp>
         <p:nvSpPr>
-          <p:cNvPr id="3" name="Content Placeholder 2"/>
+          <p:cNvPr id="3" name="Subtitle 2"/>
           <p:cNvSpPr>
             <a:spLocks noGrp="1"/>
           </p:cNvSpPr>
           <p:nvPr>
-            <p:ph idx="1"/>
-          </p:nvPr>
-        </p:nvSpPr>
-        <p:spPr/>
+            <p:ph type="subTitle" idx="1"/>
+          </p:nvPr>
+        </p:nvSpPr>
+        <p:spPr>
+          <a:xfrm>
+            <a:off x="2679906" y="3956278"/>
+            <a:ext cx="6831673" cy="1709415"/>
+          </a:xfrm>
+        </p:spPr>
         <p:txBody>
-          <a:bodyPr/>
+          <a:bodyPr>
+            <a:normAutofit/>
+          </a:bodyPr>
           <a:lstStyle/>
           <a:p>
             <a:r>
-              <a:rPr lang="en-US" dirty="0"/>
-              <a:t>Identify the features of the app that needs to be tested</a:t>
-            </a:r>
-          </a:p>
-          <a:p>
-            <a:r>
-              <a:rPr lang="en-US" dirty="0"/>
-              <a:t>To gauge the performance of the system</a:t>
-            </a:r>
-          </a:p>
-          <a:p>
-            <a:r>
-              <a:rPr lang="en-US" dirty="0"/>
-              <a:t>To list recommendations for the improvement of the system</a:t>
-            </a:r>
-          </a:p>
-          <a:p>
-            <a:r>
-              <a:rPr lang="en-US" dirty="0"/>
-              <a:t>To show the result of the test activities</a:t>
-            </a:r>
-          </a:p>
-          <a:p>
-            <a:r>
-              <a:rPr lang="en-US" dirty="0"/>
-              <a:t>To ensure that the functionalities and design of the app are implemented and in the demand of the client</a:t>
+              <a:rPr lang="en-US" sz="1800" dirty="0"/>
+              <a:t>Prepared by the Aria Development Team</a:t>
             </a:r>
           </a:p>
         </p:txBody>
@@ -6095,7 +9038,7 @@
     </p:spTree>
     <p:extLst>
       <p:ext uri="{BB962C8B-B14F-4D97-AF65-F5344CB8AC3E}">
-        <p14:creationId xmlns:p14="http://schemas.microsoft.com/office/powerpoint/2010/main" val="741495233"/>
+        <p14:creationId xmlns:p14="http://schemas.microsoft.com/office/powerpoint/2010/main" val="3678382479"/>
       </p:ext>
     </p:extLst>
   </p:cSld>
@@ -6139,7 +9082,7 @@
           <a:p>
             <a:r>
               <a:rPr lang="en-US" dirty="0"/>
-              <a:t>Scope</a:t>
+              <a:t>Introduction </a:t>
             </a:r>
           </a:p>
         </p:txBody>
@@ -6160,35 +9103,29 @@
           <a:lstStyle/>
           <a:p>
             <a:r>
+              <a:rPr lang="en-US" i="1" dirty="0"/>
+              <a:t>PlanetX: </a:t>
+            </a:r>
+            <a:r>
+              <a:rPr lang="en-US" i="1" dirty="0" err="1"/>
+              <a:t>Markerless</a:t>
+            </a:r>
+            <a:r>
+              <a:rPr lang="en-US" i="1" dirty="0"/>
+              <a:t> Augmented Reality App </a:t>
+            </a:r>
+            <a:r>
               <a:rPr lang="en-US" dirty="0"/>
-              <a:t>The test plan is only for PlanetX: </a:t>
-            </a:r>
-            <a:r>
-              <a:rPr lang="en-US" dirty="0" err="1"/>
-              <a:t>Markerless</a:t>
-            </a:r>
-            <a:r>
-              <a:rPr lang="en-US" dirty="0"/>
-              <a:t> Augmented Reality App development team</a:t>
-            </a:r>
-          </a:p>
-          <a:p>
-            <a:r>
-              <a:rPr lang="en-US" dirty="0"/>
-              <a:t>Use cases utilized in the testing came from </a:t>
-            </a:r>
-            <a:r>
-              <a:rPr lang="en-US" dirty="0" err="1"/>
-              <a:t>Testlink</a:t>
-            </a:r>
-            <a:endParaRPr lang="en-US" dirty="0"/>
+              <a:t>is an application that will help the clients of SMX Convention Center to visualize the events they want to organize with the help of a smartphone camera</a:t>
+            </a:r>
+            <a:endParaRPr lang="en-US" i="1" dirty="0"/>
           </a:p>
         </p:txBody>
       </p:sp>
     </p:spTree>
     <p:extLst>
       <p:ext uri="{BB962C8B-B14F-4D97-AF65-F5344CB8AC3E}">
-        <p14:creationId xmlns:p14="http://schemas.microsoft.com/office/powerpoint/2010/main" val="2267142128"/>
+        <p14:creationId xmlns:p14="http://schemas.microsoft.com/office/powerpoint/2010/main" val="4202284579"/>
       </p:ext>
     </p:extLst>
   </p:cSld>
@@ -6232,7 +9169,7 @@
           <a:p>
             <a:r>
               <a:rPr lang="en-US" dirty="0"/>
-              <a:t>References</a:t>
+              <a:t>System Objectives</a:t>
             </a:r>
           </a:p>
         </p:txBody>
@@ -6254,33 +9191,30 @@
           <a:p>
             <a:r>
               <a:rPr lang="en-US" dirty="0"/>
-              <a:t>The knowledge of the Team Members on their project</a:t>
+              <a:t>To detect the ground plane of SMX Convention Center</a:t>
             </a:r>
           </a:p>
           <a:p>
             <a:r>
               <a:rPr lang="en-US" dirty="0"/>
-              <a:t>Mock-ups</a:t>
+              <a:t>To detect the camera of the smartphone</a:t>
             </a:r>
           </a:p>
           <a:p>
             <a:r>
               <a:rPr lang="en-US" dirty="0"/>
-              <a:t>Use Cases</a:t>
-            </a:r>
-          </a:p>
-          <a:p>
-            <a:r>
-              <a:rPr lang="en-US" dirty="0"/>
-              <a:t>Final Paper of the System</a:t>
-            </a:r>
+              <a:t>To place some visual objects on the ground plane</a:t>
+            </a:r>
+          </a:p>
+          <a:p>
+            <a:endParaRPr lang="en-US" dirty="0"/>
           </a:p>
         </p:txBody>
       </p:sp>
     </p:spTree>
     <p:extLst>
       <p:ext uri="{BB962C8B-B14F-4D97-AF65-F5344CB8AC3E}">
-        <p14:creationId xmlns:p14="http://schemas.microsoft.com/office/powerpoint/2010/main" val="1036495335"/>
+        <p14:creationId xmlns:p14="http://schemas.microsoft.com/office/powerpoint/2010/main" val="2548653401"/>
       </p:ext>
     </p:extLst>
   </p:cSld>
@@ -6324,615 +9258,61 @@
           <a:p>
             <a:r>
               <a:rPr lang="en-US" dirty="0"/>
-              <a:t>Test Area and Specification</a:t>
+              <a:t>Purpose</a:t>
             </a:r>
           </a:p>
         </p:txBody>
       </p:sp>
-      <p:graphicFrame>
-        <p:nvGraphicFramePr>
-          <p:cNvPr id="4" name="Content Placeholder 3"/>
-          <p:cNvGraphicFramePr>
-            <a:graphicFrameLocks noGrp="1"/>
-          </p:cNvGraphicFramePr>
+      <p:sp>
+        <p:nvSpPr>
+          <p:cNvPr id="3" name="Content Placeholder 2"/>
+          <p:cNvSpPr>
+            <a:spLocks noGrp="1"/>
+          </p:cNvSpPr>
           <p:nvPr>
             <p:ph idx="1"/>
-            <p:extLst>
-              <p:ext uri="{D42A27DB-BD31-4B8C-83A1-F6EECF244321}">
-                <p14:modId xmlns:p14="http://schemas.microsoft.com/office/powerpoint/2010/main" val="3292690542"/>
-              </p:ext>
-            </p:extLst>
-          </p:nvPr>
-        </p:nvGraphicFramePr>
-        <p:xfrm>
-          <a:off x="1371600" y="1362635"/>
-          <a:ext cx="9601200" cy="5308600"/>
-        </p:xfrm>
-        <a:graphic>
-          <a:graphicData uri="http://schemas.openxmlformats.org/drawingml/2006/table">
-            <a:tbl>
-              <a:tblPr firstRow="1" bandRow="1">
-                <a:tableStyleId>{FABFCF23-3B69-468F-B69F-88F6DE6A72F2}</a:tableStyleId>
-              </a:tblPr>
-              <a:tblGrid>
-                <a:gridCol w="1344706">
-                  <a:extLst>
-                    <a:ext uri="{9D8B030D-6E8A-4147-A177-3AD203B41FA5}">
-                      <a16:colId xmlns:a16="http://schemas.microsoft.com/office/drawing/2014/main" val="20000"/>
-                    </a:ext>
-                  </a:extLst>
-                </a:gridCol>
-                <a:gridCol w="3455894">
-                  <a:extLst>
-                    <a:ext uri="{9D8B030D-6E8A-4147-A177-3AD203B41FA5}">
-                      <a16:colId xmlns:a16="http://schemas.microsoft.com/office/drawing/2014/main" val="20001"/>
-                    </a:ext>
-                  </a:extLst>
-                </a:gridCol>
-                <a:gridCol w="2400300">
-                  <a:extLst>
-                    <a:ext uri="{9D8B030D-6E8A-4147-A177-3AD203B41FA5}">
-                      <a16:colId xmlns:a16="http://schemas.microsoft.com/office/drawing/2014/main" val="20002"/>
-                    </a:ext>
-                  </a:extLst>
-                </a:gridCol>
-                <a:gridCol w="2400300">
-                  <a:extLst>
-                    <a:ext uri="{9D8B030D-6E8A-4147-A177-3AD203B41FA5}">
-                      <a16:colId xmlns:a16="http://schemas.microsoft.com/office/drawing/2014/main" val="20003"/>
-                    </a:ext>
-                  </a:extLst>
-                </a:gridCol>
-              </a:tblGrid>
-              <a:tr h="370840">
-                <a:tc>
-                  <a:txBody>
-                    <a:bodyPr/>
-                    <a:lstStyle/>
-                    <a:p>
-                      <a:pPr algn="ctr"/>
-                      <a:r>
-                        <a:rPr lang="en-US" dirty="0"/>
-                        <a:t>UC No,</a:t>
-                      </a:r>
-                    </a:p>
-                  </a:txBody>
-                  <a:tcPr/>
-                </a:tc>
-                <a:tc>
-                  <a:txBody>
-                    <a:bodyPr/>
-                    <a:lstStyle/>
-                    <a:p>
-                      <a:pPr algn="ctr"/>
-                      <a:r>
-                        <a:rPr lang="en-US" dirty="0"/>
-                        <a:t>UC</a:t>
-                      </a:r>
-                      <a:r>
-                        <a:rPr lang="en-US" baseline="0" dirty="0"/>
-                        <a:t> Name</a:t>
-                      </a:r>
-                      <a:endParaRPr lang="en-US" dirty="0"/>
-                    </a:p>
-                  </a:txBody>
-                  <a:tcPr/>
-                </a:tc>
-                <a:tc>
-                  <a:txBody>
-                    <a:bodyPr/>
-                    <a:lstStyle/>
-                    <a:p>
-                      <a:pPr algn="ctr"/>
-                      <a:r>
-                        <a:rPr lang="en-US" dirty="0"/>
-                        <a:t>Test Type</a:t>
-                      </a:r>
-                    </a:p>
-                  </a:txBody>
-                  <a:tcPr/>
-                </a:tc>
-                <a:tc>
-                  <a:txBody>
-                    <a:bodyPr/>
-                    <a:lstStyle/>
-                    <a:p>
-                      <a:pPr algn="ctr"/>
-                      <a:r>
-                        <a:rPr lang="en-US" dirty="0"/>
-                        <a:t>Build No.</a:t>
-                      </a:r>
-                    </a:p>
-                  </a:txBody>
-                  <a:tcPr/>
-                </a:tc>
-                <a:extLst>
-                  <a:ext uri="{0D108BD9-81ED-4DB2-BD59-A6C34878D82A}">
-                    <a16:rowId xmlns:a16="http://schemas.microsoft.com/office/drawing/2014/main" val="10000"/>
-                  </a:ext>
-                </a:extLst>
-              </a:tr>
-              <a:tr h="370840">
-                <a:tc>
-                  <a:txBody>
-                    <a:bodyPr/>
-                    <a:lstStyle/>
-                    <a:p>
-                      <a:pPr algn="ctr"/>
-                      <a:r>
-                        <a:rPr lang="en-US" dirty="0"/>
-                        <a:t>UC01</a:t>
-                      </a:r>
-                    </a:p>
-                  </a:txBody>
-                  <a:tcPr/>
-                </a:tc>
-                <a:tc>
-                  <a:txBody>
-                    <a:bodyPr/>
-                    <a:lstStyle/>
-                    <a:p>
-                      <a:pPr algn="ctr"/>
-                      <a:r>
-                        <a:rPr lang="en-US" dirty="0"/>
-                        <a:t>Download the</a:t>
-                      </a:r>
-                      <a:r>
-                        <a:rPr lang="en-US" baseline="0" dirty="0"/>
-                        <a:t> PlanetX from the App Store</a:t>
-                      </a:r>
-                      <a:endParaRPr lang="en-US" dirty="0"/>
-                    </a:p>
-                  </a:txBody>
-                  <a:tcPr/>
-                </a:tc>
-                <a:tc>
-                  <a:txBody>
-                    <a:bodyPr/>
-                    <a:lstStyle/>
-                    <a:p>
-                      <a:pPr algn="ctr"/>
-                      <a:r>
-                        <a:rPr lang="en-US" dirty="0"/>
-                        <a:t>Functional, Performance</a:t>
-                      </a:r>
-                    </a:p>
-                  </a:txBody>
-                  <a:tcPr/>
-                </a:tc>
-                <a:tc>
-                  <a:txBody>
-                    <a:bodyPr/>
-                    <a:lstStyle/>
-                    <a:p>
-                      <a:pPr algn="ctr"/>
-                      <a:r>
-                        <a:rPr lang="en-US" dirty="0"/>
-                        <a:t>001,</a:t>
-                      </a:r>
-                      <a:r>
-                        <a:rPr lang="en-US" baseline="0" dirty="0"/>
-                        <a:t> 002</a:t>
-                      </a:r>
-                      <a:endParaRPr lang="en-US" dirty="0"/>
-                    </a:p>
-                  </a:txBody>
-                  <a:tcPr/>
-                </a:tc>
-                <a:extLst>
-                  <a:ext uri="{0D108BD9-81ED-4DB2-BD59-A6C34878D82A}">
-                    <a16:rowId xmlns:a16="http://schemas.microsoft.com/office/drawing/2014/main" val="10001"/>
-                  </a:ext>
-                </a:extLst>
-              </a:tr>
-              <a:tr h="370840">
-                <a:tc>
-                  <a:txBody>
-                    <a:bodyPr/>
-                    <a:lstStyle/>
-                    <a:p>
-                      <a:pPr algn="ctr"/>
-                      <a:r>
-                        <a:rPr lang="en-US" dirty="0"/>
-                        <a:t>UC02</a:t>
-                      </a:r>
-                    </a:p>
-                  </a:txBody>
-                  <a:tcPr/>
-                </a:tc>
-                <a:tc>
-                  <a:txBody>
-                    <a:bodyPr/>
-                    <a:lstStyle/>
-                    <a:p>
-                      <a:pPr algn="ctr"/>
-                      <a:r>
-                        <a:rPr lang="en-US" dirty="0"/>
-                        <a:t>Tap the PlanetX</a:t>
-                      </a:r>
-                      <a:r>
-                        <a:rPr lang="en-US" baseline="0" dirty="0"/>
-                        <a:t> application</a:t>
-                      </a:r>
-                      <a:endParaRPr lang="en-US" dirty="0"/>
-                    </a:p>
-                  </a:txBody>
-                  <a:tcPr/>
-                </a:tc>
-                <a:tc>
-                  <a:txBody>
-                    <a:bodyPr/>
-                    <a:lstStyle/>
-                    <a:p>
-                      <a:pPr algn="ctr"/>
-                      <a:r>
-                        <a:rPr lang="en-US" dirty="0"/>
-                        <a:t>Functional, GUI, Performance</a:t>
-                      </a:r>
-                    </a:p>
-                  </a:txBody>
-                  <a:tcPr/>
-                </a:tc>
-                <a:tc>
-                  <a:txBody>
-                    <a:bodyPr/>
-                    <a:lstStyle/>
-                    <a:p>
-                      <a:pPr algn="ctr"/>
-                      <a:r>
-                        <a:rPr lang="en-US" dirty="0"/>
-                        <a:t>001, 002</a:t>
-                      </a:r>
-                    </a:p>
-                  </a:txBody>
-                  <a:tcPr/>
-                </a:tc>
-                <a:extLst>
-                  <a:ext uri="{0D108BD9-81ED-4DB2-BD59-A6C34878D82A}">
-                    <a16:rowId xmlns:a16="http://schemas.microsoft.com/office/drawing/2014/main" val="10002"/>
-                  </a:ext>
-                </a:extLst>
-              </a:tr>
-              <a:tr h="370840">
-                <a:tc>
-                  <a:txBody>
-                    <a:bodyPr/>
-                    <a:lstStyle/>
-                    <a:p>
-                      <a:pPr algn="ctr"/>
-                      <a:r>
-                        <a:rPr lang="en-US" dirty="0"/>
-                        <a:t>UC03</a:t>
-                      </a:r>
-                    </a:p>
-                  </a:txBody>
-                  <a:tcPr/>
-                </a:tc>
-                <a:tc>
-                  <a:txBody>
-                    <a:bodyPr/>
-                    <a:lstStyle/>
-                    <a:p>
-                      <a:pPr algn="ctr"/>
-                      <a:r>
-                        <a:rPr lang="en-US" dirty="0"/>
-                        <a:t>Choose number of people to accommodate</a:t>
-                      </a:r>
-                    </a:p>
-                  </a:txBody>
-                  <a:tcPr/>
-                </a:tc>
-                <a:tc>
-                  <a:txBody>
-                    <a:bodyPr/>
-                    <a:lstStyle/>
-                    <a:p>
-                      <a:pPr marL="0" marR="0" lvl="0" indent="0" algn="ctr" defTabSz="914400" rtl="0" eaLnBrk="1" fontAlgn="auto" latinLnBrk="0" hangingPunct="1">
-                        <a:lnSpc>
-                          <a:spcPct val="100000"/>
-                        </a:lnSpc>
-                        <a:spcBef>
-                          <a:spcPts val="0"/>
-                        </a:spcBef>
-                        <a:spcAft>
-                          <a:spcPts val="0"/>
-                        </a:spcAft>
-                        <a:buClrTx/>
-                        <a:buSzTx/>
-                        <a:buFontTx/>
-                        <a:buNone/>
-                        <a:tabLst/>
-                        <a:defRPr/>
-                      </a:pPr>
-                      <a:r>
-                        <a:rPr lang="en-US" dirty="0"/>
-                        <a:t>Functional, GUI, Performance</a:t>
-                      </a:r>
-                    </a:p>
-                    <a:p>
-                      <a:pPr algn="ctr"/>
-                      <a:endParaRPr lang="en-US" dirty="0"/>
-                    </a:p>
-                  </a:txBody>
-                  <a:tcPr/>
-                </a:tc>
-                <a:tc>
-                  <a:txBody>
-                    <a:bodyPr/>
-                    <a:lstStyle/>
-                    <a:p>
-                      <a:pPr algn="ctr"/>
-                      <a:r>
-                        <a:rPr lang="en-US" dirty="0"/>
-                        <a:t>001</a:t>
-                      </a:r>
-                    </a:p>
-                  </a:txBody>
-                  <a:tcPr/>
-                </a:tc>
-                <a:extLst>
-                  <a:ext uri="{0D108BD9-81ED-4DB2-BD59-A6C34878D82A}">
-                    <a16:rowId xmlns:a16="http://schemas.microsoft.com/office/drawing/2014/main" val="10003"/>
-                  </a:ext>
-                </a:extLst>
-              </a:tr>
-              <a:tr h="370840">
-                <a:tc>
-                  <a:txBody>
-                    <a:bodyPr/>
-                    <a:lstStyle/>
-                    <a:p>
-                      <a:pPr algn="ctr"/>
-                      <a:r>
-                        <a:rPr lang="en-US" dirty="0"/>
-                        <a:t>UC03.1</a:t>
-                      </a:r>
-                    </a:p>
-                  </a:txBody>
-                  <a:tcPr/>
-                </a:tc>
-                <a:tc>
-                  <a:txBody>
-                    <a:bodyPr/>
-                    <a:lstStyle/>
-                    <a:p>
-                      <a:pPr algn="ctr"/>
-                      <a:r>
-                        <a:rPr lang="en-US" dirty="0"/>
-                        <a:t>Detect ground plane</a:t>
-                      </a:r>
-                    </a:p>
-                  </a:txBody>
-                  <a:tcPr/>
-                </a:tc>
-                <a:tc>
-                  <a:txBody>
-                    <a:bodyPr/>
-                    <a:lstStyle/>
-                    <a:p>
-                      <a:pPr marL="0" marR="0" lvl="0" indent="0" algn="ctr" defTabSz="914400" rtl="0" eaLnBrk="1" fontAlgn="auto" latinLnBrk="0" hangingPunct="1">
-                        <a:lnSpc>
-                          <a:spcPct val="100000"/>
-                        </a:lnSpc>
-                        <a:spcBef>
-                          <a:spcPts val="0"/>
-                        </a:spcBef>
-                        <a:spcAft>
-                          <a:spcPts val="0"/>
-                        </a:spcAft>
-                        <a:buClrTx/>
-                        <a:buSzTx/>
-                        <a:buFontTx/>
-                        <a:buNone/>
-                        <a:tabLst/>
-                        <a:defRPr/>
-                      </a:pPr>
-                      <a:r>
-                        <a:rPr lang="en-US" dirty="0"/>
-                        <a:t>Functional, GUI, Performance</a:t>
-                      </a:r>
-                    </a:p>
-                    <a:p>
-                      <a:pPr algn="ctr"/>
-                      <a:endParaRPr lang="en-US" dirty="0"/>
-                    </a:p>
-                  </a:txBody>
-                  <a:tcPr/>
-                </a:tc>
-                <a:tc>
-                  <a:txBody>
-                    <a:bodyPr/>
-                    <a:lstStyle/>
-                    <a:p>
-                      <a:pPr algn="ctr"/>
-                      <a:r>
-                        <a:rPr lang="en-US" dirty="0"/>
-                        <a:t>002</a:t>
-                      </a:r>
-                    </a:p>
-                  </a:txBody>
-                  <a:tcPr/>
-                </a:tc>
-                <a:extLst>
-                  <a:ext uri="{0D108BD9-81ED-4DB2-BD59-A6C34878D82A}">
-                    <a16:rowId xmlns:a16="http://schemas.microsoft.com/office/drawing/2014/main" val="10004"/>
-                  </a:ext>
-                </a:extLst>
-              </a:tr>
-              <a:tr h="370840">
-                <a:tc>
-                  <a:txBody>
-                    <a:bodyPr/>
-                    <a:lstStyle/>
-                    <a:p>
-                      <a:pPr algn="ctr"/>
-                      <a:r>
-                        <a:rPr lang="en-US" dirty="0"/>
-                        <a:t>UC04</a:t>
-                      </a:r>
-                    </a:p>
-                  </a:txBody>
-                  <a:tcPr/>
-                </a:tc>
-                <a:tc>
-                  <a:txBody>
-                    <a:bodyPr/>
-                    <a:lstStyle/>
-                    <a:p>
-                      <a:pPr algn="ctr"/>
-                      <a:r>
-                        <a:rPr lang="en-US" dirty="0"/>
-                        <a:t>Choose event</a:t>
-                      </a:r>
-                    </a:p>
-                  </a:txBody>
-                  <a:tcPr/>
-                </a:tc>
-                <a:tc>
-                  <a:txBody>
-                    <a:bodyPr/>
-                    <a:lstStyle/>
-                    <a:p>
-                      <a:pPr marL="0" marR="0" lvl="0" indent="0" algn="ctr" defTabSz="914400" rtl="0" eaLnBrk="1" fontAlgn="auto" latinLnBrk="0" hangingPunct="1">
-                        <a:lnSpc>
-                          <a:spcPct val="100000"/>
-                        </a:lnSpc>
-                        <a:spcBef>
-                          <a:spcPts val="0"/>
-                        </a:spcBef>
-                        <a:spcAft>
-                          <a:spcPts val="0"/>
-                        </a:spcAft>
-                        <a:buClrTx/>
-                        <a:buSzTx/>
-                        <a:buFontTx/>
-                        <a:buNone/>
-                        <a:tabLst/>
-                        <a:defRPr/>
-                      </a:pPr>
-                      <a:r>
-                        <a:rPr lang="en-US" dirty="0"/>
-                        <a:t>Functional, GUI, Performance</a:t>
-                      </a:r>
-                    </a:p>
-                    <a:p>
-                      <a:pPr algn="ctr"/>
-                      <a:endParaRPr lang="en-US" dirty="0"/>
-                    </a:p>
-                  </a:txBody>
-                  <a:tcPr/>
-                </a:tc>
-                <a:tc>
-                  <a:txBody>
-                    <a:bodyPr/>
-                    <a:lstStyle/>
-                    <a:p>
-                      <a:pPr algn="ctr"/>
-                      <a:r>
-                        <a:rPr lang="en-US" dirty="0"/>
-                        <a:t>001</a:t>
-                      </a:r>
-                    </a:p>
-                  </a:txBody>
-                  <a:tcPr/>
-                </a:tc>
-                <a:extLst>
-                  <a:ext uri="{0D108BD9-81ED-4DB2-BD59-A6C34878D82A}">
-                    <a16:rowId xmlns:a16="http://schemas.microsoft.com/office/drawing/2014/main" val="10005"/>
-                  </a:ext>
-                </a:extLst>
-              </a:tr>
-              <a:tr h="370840">
-                <a:tc>
-                  <a:txBody>
-                    <a:bodyPr/>
-                    <a:lstStyle/>
-                    <a:p>
-                      <a:pPr algn="ctr"/>
-                      <a:r>
-                        <a:rPr lang="en-US" dirty="0"/>
-                        <a:t>UC04.1</a:t>
-                      </a:r>
-                    </a:p>
-                  </a:txBody>
-                  <a:tcPr/>
-                </a:tc>
-                <a:tc>
-                  <a:txBody>
-                    <a:bodyPr/>
-                    <a:lstStyle/>
-                    <a:p>
-                      <a:pPr algn="ctr"/>
-                      <a:r>
-                        <a:rPr lang="en-US" dirty="0"/>
-                        <a:t>Choose 3D objects</a:t>
-                      </a:r>
-                    </a:p>
-                  </a:txBody>
-                  <a:tcPr/>
-                </a:tc>
-                <a:tc>
-                  <a:txBody>
-                    <a:bodyPr/>
-                    <a:lstStyle/>
-                    <a:p>
-                      <a:pPr marL="0" marR="0" lvl="0" indent="0" algn="ctr" defTabSz="914400" rtl="0" eaLnBrk="1" fontAlgn="auto" latinLnBrk="0" hangingPunct="1">
-                        <a:lnSpc>
-                          <a:spcPct val="100000"/>
-                        </a:lnSpc>
-                        <a:spcBef>
-                          <a:spcPts val="0"/>
-                        </a:spcBef>
-                        <a:spcAft>
-                          <a:spcPts val="0"/>
-                        </a:spcAft>
-                        <a:buClrTx/>
-                        <a:buSzTx/>
-                        <a:buFontTx/>
-                        <a:buNone/>
-                        <a:tabLst/>
-                        <a:defRPr/>
-                      </a:pPr>
-                      <a:r>
-                        <a:rPr lang="en-US" dirty="0"/>
-                        <a:t>Functional, GUI, Performance</a:t>
-                      </a:r>
-                    </a:p>
-                    <a:p>
-                      <a:pPr algn="ctr"/>
-                      <a:endParaRPr lang="en-US" dirty="0"/>
-                    </a:p>
-                  </a:txBody>
-                  <a:tcPr/>
-                </a:tc>
-                <a:tc>
-                  <a:txBody>
-                    <a:bodyPr/>
-                    <a:lstStyle/>
-                    <a:p>
-                      <a:pPr algn="ctr"/>
-                      <a:r>
-                        <a:rPr lang="en-US" dirty="0"/>
-                        <a:t>002</a:t>
-                      </a:r>
-                    </a:p>
-                  </a:txBody>
-                  <a:tcPr/>
-                </a:tc>
-                <a:extLst>
-                  <a:ext uri="{0D108BD9-81ED-4DB2-BD59-A6C34878D82A}">
-                    <a16:rowId xmlns:a16="http://schemas.microsoft.com/office/drawing/2014/main" val="10006"/>
-                  </a:ext>
-                </a:extLst>
-              </a:tr>
-            </a:tbl>
-          </a:graphicData>
-        </a:graphic>
-      </p:graphicFrame>
+          </p:nvPr>
+        </p:nvSpPr>
+        <p:spPr/>
+        <p:txBody>
+          <a:bodyPr/>
+          <a:lstStyle/>
+          <a:p>
+            <a:r>
+              <a:rPr lang="en-US" dirty="0"/>
+              <a:t>Identify the features of the app that needs to be tested</a:t>
+            </a:r>
+          </a:p>
+          <a:p>
+            <a:r>
+              <a:rPr lang="en-US" dirty="0"/>
+              <a:t>To gauge the performance of the system</a:t>
+            </a:r>
+          </a:p>
+          <a:p>
+            <a:r>
+              <a:rPr lang="en-US" dirty="0"/>
+              <a:t>To list recommendations for the improvement of the system</a:t>
+            </a:r>
+          </a:p>
+          <a:p>
+            <a:r>
+              <a:rPr lang="en-US" dirty="0"/>
+              <a:t>To show the result of the test activities</a:t>
+            </a:r>
+          </a:p>
+          <a:p>
+            <a:r>
+              <a:rPr lang="en-US" dirty="0"/>
+              <a:t>To ensure that the functionalities and design of the app are implemented and in the demand of the client</a:t>
+            </a:r>
+          </a:p>
+        </p:txBody>
+      </p:sp>
     </p:spTree>
     <p:extLst>
       <p:ext uri="{BB962C8B-B14F-4D97-AF65-F5344CB8AC3E}">
-        <p14:creationId xmlns:p14="http://schemas.microsoft.com/office/powerpoint/2010/main" val="4705265"/>
+        <p14:creationId xmlns:p14="http://schemas.microsoft.com/office/powerpoint/2010/main" val="741495233"/>
       </p:ext>
     </p:extLst>
   </p:cSld>
@@ -6974,378 +9354,58 @@
           <a:bodyPr/>
           <a:lstStyle/>
           <a:p>
-            <a:endParaRPr lang="en-US"/>
+            <a:r>
+              <a:rPr lang="en-US" dirty="0"/>
+              <a:t>Scope</a:t>
+            </a:r>
           </a:p>
         </p:txBody>
       </p:sp>
-      <p:graphicFrame>
-        <p:nvGraphicFramePr>
-          <p:cNvPr id="4" name="Content Placeholder 3"/>
-          <p:cNvGraphicFramePr>
-            <a:graphicFrameLocks noGrp="1"/>
-          </p:cNvGraphicFramePr>
+      <p:sp>
+        <p:nvSpPr>
+          <p:cNvPr id="3" name="Content Placeholder 2"/>
+          <p:cNvSpPr>
+            <a:spLocks noGrp="1"/>
+          </p:cNvSpPr>
           <p:nvPr>
             <p:ph idx="1"/>
-            <p:extLst>
-              <p:ext uri="{D42A27DB-BD31-4B8C-83A1-F6EECF244321}">
-                <p14:modId xmlns:p14="http://schemas.microsoft.com/office/powerpoint/2010/main" val="3276772862"/>
-              </p:ext>
-            </p:extLst>
-          </p:nvPr>
-        </p:nvGraphicFramePr>
-        <p:xfrm>
-          <a:off x="1371600" y="2286000"/>
-          <a:ext cx="9601200" cy="2291080"/>
-        </p:xfrm>
-        <a:graphic>
-          <a:graphicData uri="http://schemas.openxmlformats.org/drawingml/2006/table">
-            <a:tbl>
-              <a:tblPr firstRow="1" bandRow="1">
-                <a:tableStyleId>{FABFCF23-3B69-468F-B69F-88F6DE6A72F2}</a:tableStyleId>
-              </a:tblPr>
-              <a:tblGrid>
-                <a:gridCol w="2400300">
-                  <a:extLst>
-                    <a:ext uri="{9D8B030D-6E8A-4147-A177-3AD203B41FA5}">
-                      <a16:colId xmlns:a16="http://schemas.microsoft.com/office/drawing/2014/main" val="20000"/>
-                    </a:ext>
-                  </a:extLst>
-                </a:gridCol>
-                <a:gridCol w="2400300">
-                  <a:extLst>
-                    <a:ext uri="{9D8B030D-6E8A-4147-A177-3AD203B41FA5}">
-                      <a16:colId xmlns:a16="http://schemas.microsoft.com/office/drawing/2014/main" val="20001"/>
-                    </a:ext>
-                  </a:extLst>
-                </a:gridCol>
-                <a:gridCol w="2400300">
-                  <a:extLst>
-                    <a:ext uri="{9D8B030D-6E8A-4147-A177-3AD203B41FA5}">
-                      <a16:colId xmlns:a16="http://schemas.microsoft.com/office/drawing/2014/main" val="20002"/>
-                    </a:ext>
-                  </a:extLst>
-                </a:gridCol>
-                <a:gridCol w="2400300">
-                  <a:extLst>
-                    <a:ext uri="{9D8B030D-6E8A-4147-A177-3AD203B41FA5}">
-                      <a16:colId xmlns:a16="http://schemas.microsoft.com/office/drawing/2014/main" val="20003"/>
-                    </a:ext>
-                  </a:extLst>
-                </a:gridCol>
-              </a:tblGrid>
-              <a:tr h="370840">
-                <a:tc>
-                  <a:txBody>
-                    <a:bodyPr/>
-                    <a:lstStyle/>
-                    <a:p>
-                      <a:pPr algn="ctr"/>
-                      <a:r>
-                        <a:rPr lang="en-US" dirty="0"/>
-                        <a:t>UC No.</a:t>
-                      </a:r>
-                    </a:p>
-                  </a:txBody>
-                  <a:tcPr/>
-                </a:tc>
-                <a:tc>
-                  <a:txBody>
-                    <a:bodyPr/>
-                    <a:lstStyle/>
-                    <a:p>
-                      <a:pPr algn="ctr"/>
-                      <a:r>
-                        <a:rPr lang="en-US" dirty="0"/>
-                        <a:t>UC Name</a:t>
-                      </a:r>
-                    </a:p>
-                  </a:txBody>
-                  <a:tcPr/>
-                </a:tc>
-                <a:tc>
-                  <a:txBody>
-                    <a:bodyPr/>
-                    <a:lstStyle/>
-                    <a:p>
-                      <a:pPr algn="ctr"/>
-                      <a:r>
-                        <a:rPr lang="en-US" dirty="0"/>
-                        <a:t>Test Type</a:t>
-                      </a:r>
-                    </a:p>
-                  </a:txBody>
-                  <a:tcPr/>
-                </a:tc>
-                <a:tc>
-                  <a:txBody>
-                    <a:bodyPr/>
-                    <a:lstStyle/>
-                    <a:p>
-                      <a:pPr algn="ctr"/>
-                      <a:r>
-                        <a:rPr lang="en-US" dirty="0"/>
-                        <a:t>Build No.</a:t>
-                      </a:r>
-                    </a:p>
-                  </a:txBody>
-                  <a:tcPr/>
-                </a:tc>
-                <a:extLst>
-                  <a:ext uri="{0D108BD9-81ED-4DB2-BD59-A6C34878D82A}">
-                    <a16:rowId xmlns:a16="http://schemas.microsoft.com/office/drawing/2014/main" val="10000"/>
-                  </a:ext>
-                </a:extLst>
-              </a:tr>
-              <a:tr h="370840">
-                <a:tc>
-                  <a:txBody>
-                    <a:bodyPr/>
-                    <a:lstStyle/>
-                    <a:p>
-                      <a:pPr algn="ctr"/>
-                      <a:r>
-                        <a:rPr lang="en-US" dirty="0"/>
-                        <a:t>UC05</a:t>
-                      </a:r>
-                    </a:p>
-                  </a:txBody>
-                  <a:tcPr/>
-                </a:tc>
-                <a:tc>
-                  <a:txBody>
-                    <a:bodyPr/>
-                    <a:lstStyle/>
-                    <a:p>
-                      <a:pPr algn="ctr"/>
-                      <a:r>
-                        <a:rPr lang="en-US" dirty="0"/>
-                        <a:t>Interact with the AR Camera</a:t>
-                      </a:r>
-                    </a:p>
-                  </a:txBody>
-                  <a:tcPr/>
-                </a:tc>
-                <a:tc>
-                  <a:txBody>
-                    <a:bodyPr/>
-                    <a:lstStyle/>
-                    <a:p>
-                      <a:pPr marL="0" marR="0" lvl="0" indent="0" algn="ctr" defTabSz="914400" rtl="0" eaLnBrk="1" fontAlgn="auto" latinLnBrk="0" hangingPunct="1">
-                        <a:lnSpc>
-                          <a:spcPct val="100000"/>
-                        </a:lnSpc>
-                        <a:spcBef>
-                          <a:spcPts val="0"/>
-                        </a:spcBef>
-                        <a:spcAft>
-                          <a:spcPts val="0"/>
-                        </a:spcAft>
-                        <a:buClrTx/>
-                        <a:buSzTx/>
-                        <a:buFontTx/>
-                        <a:buNone/>
-                        <a:tabLst/>
-                        <a:defRPr/>
-                      </a:pPr>
-                      <a:r>
-                        <a:rPr lang="en-US" dirty="0"/>
-                        <a:t>Functional, GUI, Performance</a:t>
-                      </a:r>
-                    </a:p>
-                  </a:txBody>
-                  <a:tcPr/>
-                </a:tc>
-                <a:tc>
-                  <a:txBody>
-                    <a:bodyPr/>
-                    <a:lstStyle/>
-                    <a:p>
-                      <a:pPr algn="ctr"/>
-                      <a:r>
-                        <a:rPr lang="en-US" dirty="0"/>
-                        <a:t>001</a:t>
-                      </a:r>
-                    </a:p>
-                  </a:txBody>
-                  <a:tcPr/>
-                </a:tc>
-                <a:extLst>
-                  <a:ext uri="{0D108BD9-81ED-4DB2-BD59-A6C34878D82A}">
-                    <a16:rowId xmlns:a16="http://schemas.microsoft.com/office/drawing/2014/main" val="10001"/>
-                  </a:ext>
-                </a:extLst>
-              </a:tr>
-              <a:tr h="370840">
-                <a:tc>
-                  <a:txBody>
-                    <a:bodyPr/>
-                    <a:lstStyle/>
-                    <a:p>
-                      <a:pPr algn="ctr"/>
-                      <a:r>
-                        <a:rPr lang="en-US" dirty="0"/>
-                        <a:t>UC05.1</a:t>
-                      </a:r>
-                    </a:p>
-                  </a:txBody>
-                  <a:tcPr/>
-                </a:tc>
-                <a:tc>
-                  <a:txBody>
-                    <a:bodyPr/>
-                    <a:lstStyle/>
-                    <a:p>
-                      <a:pPr algn="ctr"/>
-                      <a:r>
-                        <a:rPr lang="en-US" dirty="0"/>
-                        <a:t>Resize 3D</a:t>
-                      </a:r>
-                      <a:r>
-                        <a:rPr lang="en-US" baseline="0" dirty="0"/>
-                        <a:t> objects</a:t>
-                      </a:r>
-                      <a:endParaRPr lang="en-US" dirty="0"/>
-                    </a:p>
-                  </a:txBody>
-                  <a:tcPr/>
-                </a:tc>
-                <a:tc>
-                  <a:txBody>
-                    <a:bodyPr/>
-                    <a:lstStyle/>
-                    <a:p>
-                      <a:pPr marL="0" marR="0" lvl="0" indent="0" algn="ctr" defTabSz="914400" rtl="0" eaLnBrk="1" fontAlgn="auto" latinLnBrk="0" hangingPunct="1">
-                        <a:lnSpc>
-                          <a:spcPct val="100000"/>
-                        </a:lnSpc>
-                        <a:spcBef>
-                          <a:spcPts val="0"/>
-                        </a:spcBef>
-                        <a:spcAft>
-                          <a:spcPts val="0"/>
-                        </a:spcAft>
-                        <a:buClrTx/>
-                        <a:buSzTx/>
-                        <a:buFontTx/>
-                        <a:buNone/>
-                        <a:tabLst/>
-                        <a:defRPr/>
-                      </a:pPr>
-                      <a:r>
-                        <a:rPr lang="en-US" dirty="0"/>
-                        <a:t>Functional, GUI, Performance</a:t>
-                      </a:r>
-                    </a:p>
-                  </a:txBody>
-                  <a:tcPr/>
-                </a:tc>
-                <a:tc>
-                  <a:txBody>
-                    <a:bodyPr/>
-                    <a:lstStyle/>
-                    <a:p>
-                      <a:pPr algn="ctr"/>
-                      <a:r>
-                        <a:rPr lang="en-US" dirty="0"/>
-                        <a:t>002</a:t>
-                      </a:r>
-                    </a:p>
-                  </a:txBody>
-                  <a:tcPr/>
-                </a:tc>
-                <a:extLst>
-                  <a:ext uri="{0D108BD9-81ED-4DB2-BD59-A6C34878D82A}">
-                    <a16:rowId xmlns:a16="http://schemas.microsoft.com/office/drawing/2014/main" val="10002"/>
-                  </a:ext>
-                </a:extLst>
-              </a:tr>
-              <a:tr h="370840">
-                <a:tc>
-                  <a:txBody>
-                    <a:bodyPr/>
-                    <a:lstStyle/>
-                    <a:p>
-                      <a:pPr algn="ctr"/>
-                      <a:r>
-                        <a:rPr lang="en-US" dirty="0"/>
-                        <a:t>UC06</a:t>
-                      </a:r>
-                    </a:p>
-                  </a:txBody>
-                  <a:tcPr/>
-                </a:tc>
-                <a:tc>
-                  <a:txBody>
-                    <a:bodyPr/>
-                    <a:lstStyle/>
-                    <a:p>
-                      <a:pPr algn="ctr"/>
-                      <a:r>
-                        <a:rPr lang="en-US" dirty="0"/>
-                        <a:t>Close the app</a:t>
-                      </a:r>
-                    </a:p>
-                  </a:txBody>
-                  <a:tcPr/>
-                </a:tc>
-                <a:tc>
-                  <a:txBody>
-                    <a:bodyPr/>
-                    <a:lstStyle/>
-                    <a:p>
-                      <a:pPr marL="0" marR="0" lvl="0" indent="0" algn="ctr" defTabSz="914400" rtl="0" eaLnBrk="1" fontAlgn="auto" latinLnBrk="0" hangingPunct="1">
-                        <a:lnSpc>
-                          <a:spcPct val="100000"/>
-                        </a:lnSpc>
-                        <a:spcBef>
-                          <a:spcPts val="0"/>
-                        </a:spcBef>
-                        <a:spcAft>
-                          <a:spcPts val="0"/>
-                        </a:spcAft>
-                        <a:buClrTx/>
-                        <a:buSzTx/>
-                        <a:buFontTx/>
-                        <a:buNone/>
-                        <a:tabLst/>
-                        <a:defRPr/>
-                      </a:pPr>
-                      <a:r>
-                        <a:rPr lang="en-US" dirty="0"/>
-                        <a:t>Functional, GUI, Performance</a:t>
-                      </a:r>
-                    </a:p>
-                  </a:txBody>
-                  <a:tcPr/>
-                </a:tc>
-                <a:tc>
-                  <a:txBody>
-                    <a:bodyPr/>
-                    <a:lstStyle/>
-                    <a:p>
-                      <a:pPr algn="ctr"/>
-                      <a:r>
-                        <a:rPr lang="en-US" dirty="0"/>
-                        <a:t>001,002</a:t>
-                      </a:r>
-                    </a:p>
-                  </a:txBody>
-                  <a:tcPr/>
-                </a:tc>
-                <a:extLst>
-                  <a:ext uri="{0D108BD9-81ED-4DB2-BD59-A6C34878D82A}">
-                    <a16:rowId xmlns:a16="http://schemas.microsoft.com/office/drawing/2014/main" val="10003"/>
-                  </a:ext>
-                </a:extLst>
-              </a:tr>
-            </a:tbl>
-          </a:graphicData>
-        </a:graphic>
-      </p:graphicFrame>
+          </p:nvPr>
+        </p:nvSpPr>
+        <p:spPr/>
+        <p:txBody>
+          <a:bodyPr/>
+          <a:lstStyle/>
+          <a:p>
+            <a:r>
+              <a:rPr lang="en-US" dirty="0"/>
+              <a:t>The test plan is only for PlanetX: </a:t>
+            </a:r>
+            <a:r>
+              <a:rPr lang="en-US" dirty="0" err="1"/>
+              <a:t>Markerless</a:t>
+            </a:r>
+            <a:r>
+              <a:rPr lang="en-US" dirty="0"/>
+              <a:t> Augmented Reality App development team</a:t>
+            </a:r>
+          </a:p>
+          <a:p>
+            <a:r>
+              <a:rPr lang="en-US" dirty="0"/>
+              <a:t>Use cases utilized in the testing came from </a:t>
+            </a:r>
+            <a:r>
+              <a:rPr lang="en-US" dirty="0" err="1"/>
+              <a:t>Testlink</a:t>
+            </a:r>
+            <a:endParaRPr lang="en-US" dirty="0"/>
+          </a:p>
+        </p:txBody>
+      </p:sp>
     </p:spTree>
     <p:extLst>
       <p:ext uri="{BB962C8B-B14F-4D97-AF65-F5344CB8AC3E}">
-        <p14:creationId xmlns:p14="http://schemas.microsoft.com/office/powerpoint/2010/main" val="2544367676"/>
+        <p14:creationId xmlns:p14="http://schemas.microsoft.com/office/powerpoint/2010/main" val="2267142128"/>
       </p:ext>
     </p:extLst>
   </p:cSld>
@@ -7389,688 +9449,55 @@
           <a:p>
             <a:r>
               <a:rPr lang="en-US" dirty="0"/>
-              <a:t>Milestone</a:t>
+              <a:t>References</a:t>
             </a:r>
           </a:p>
         </p:txBody>
       </p:sp>
-      <p:graphicFrame>
-        <p:nvGraphicFramePr>
-          <p:cNvPr id="4" name="Content Placeholder 3"/>
-          <p:cNvGraphicFramePr>
-            <a:graphicFrameLocks noGrp="1"/>
-          </p:cNvGraphicFramePr>
+      <p:sp>
+        <p:nvSpPr>
+          <p:cNvPr id="3" name="Content Placeholder 2"/>
+          <p:cNvSpPr>
+            <a:spLocks noGrp="1"/>
+          </p:cNvSpPr>
           <p:nvPr>
             <p:ph idx="1"/>
-            <p:extLst>
-              <p:ext uri="{D42A27DB-BD31-4B8C-83A1-F6EECF244321}">
-                <p14:modId xmlns:p14="http://schemas.microsoft.com/office/powerpoint/2010/main" val="2109552368"/>
-              </p:ext>
-            </p:extLst>
-          </p:nvPr>
-        </p:nvGraphicFramePr>
-        <p:xfrm>
-          <a:off x="1371600" y="1757083"/>
-          <a:ext cx="9601200" cy="4450080"/>
-        </p:xfrm>
-        <a:graphic>
-          <a:graphicData uri="http://schemas.openxmlformats.org/drawingml/2006/table">
-            <a:tbl>
-              <a:tblPr firstRow="1" bandRow="1">
-                <a:tableStyleId>{FABFCF23-3B69-468F-B69F-88F6DE6A72F2}</a:tableStyleId>
-              </a:tblPr>
-              <a:tblGrid>
-                <a:gridCol w="3200400">
-                  <a:extLst>
-                    <a:ext uri="{9D8B030D-6E8A-4147-A177-3AD203B41FA5}">
-                      <a16:colId xmlns:a16="http://schemas.microsoft.com/office/drawing/2014/main" val="20000"/>
-                    </a:ext>
-                  </a:extLst>
-                </a:gridCol>
-                <a:gridCol w="3200400">
-                  <a:extLst>
-                    <a:ext uri="{9D8B030D-6E8A-4147-A177-3AD203B41FA5}">
-                      <a16:colId xmlns:a16="http://schemas.microsoft.com/office/drawing/2014/main" val="20001"/>
-                    </a:ext>
-                  </a:extLst>
-                </a:gridCol>
-                <a:gridCol w="3200400">
-                  <a:extLst>
-                    <a:ext uri="{9D8B030D-6E8A-4147-A177-3AD203B41FA5}">
-                      <a16:colId xmlns:a16="http://schemas.microsoft.com/office/drawing/2014/main" val="20002"/>
-                    </a:ext>
-                  </a:extLst>
-                </a:gridCol>
-              </a:tblGrid>
-              <a:tr h="370840">
-                <a:tc>
-                  <a:txBody>
-                    <a:bodyPr/>
-                    <a:lstStyle/>
-                    <a:p>
-                      <a:pPr algn="ctr"/>
-                      <a:r>
-                        <a:rPr lang="en-US" dirty="0"/>
-                        <a:t>Deliverables</a:t>
-                      </a:r>
-                    </a:p>
-                  </a:txBody>
-                  <a:tcPr/>
-                </a:tc>
-                <a:tc>
-                  <a:txBody>
-                    <a:bodyPr/>
-                    <a:lstStyle/>
-                    <a:p>
-                      <a:pPr algn="ctr"/>
-                      <a:r>
-                        <a:rPr lang="en-US" dirty="0"/>
-                        <a:t>Date Start</a:t>
-                      </a:r>
-                    </a:p>
-                  </a:txBody>
-                  <a:tcPr/>
-                </a:tc>
-                <a:tc>
-                  <a:txBody>
-                    <a:bodyPr/>
-                    <a:lstStyle/>
-                    <a:p>
-                      <a:pPr algn="ctr"/>
-                      <a:r>
-                        <a:rPr lang="en-US" dirty="0"/>
-                        <a:t>Date End</a:t>
-                      </a:r>
-                    </a:p>
-                  </a:txBody>
-                  <a:tcPr/>
-                </a:tc>
-                <a:extLst>
-                  <a:ext uri="{0D108BD9-81ED-4DB2-BD59-A6C34878D82A}">
-                    <a16:rowId xmlns:a16="http://schemas.microsoft.com/office/drawing/2014/main" val="10000"/>
-                  </a:ext>
-                </a:extLst>
-              </a:tr>
-              <a:tr h="370840">
-                <a:tc>
-                  <a:txBody>
-                    <a:bodyPr/>
-                    <a:lstStyle/>
-                    <a:p>
-                      <a:pPr algn="ctr"/>
-                      <a:r>
-                        <a:rPr lang="en-US" b="1" dirty="0"/>
-                        <a:t>Create Use</a:t>
-                      </a:r>
-                      <a:r>
-                        <a:rPr lang="en-US" b="1" baseline="0" dirty="0"/>
-                        <a:t> Cases</a:t>
-                      </a:r>
-                      <a:endParaRPr lang="en-US" b="1" dirty="0"/>
-                    </a:p>
-                  </a:txBody>
-                  <a:tcPr/>
-                </a:tc>
-                <a:tc>
-                  <a:txBody>
-                    <a:bodyPr/>
-                    <a:lstStyle/>
-                    <a:p>
-                      <a:pPr algn="ctr"/>
-                      <a:r>
-                        <a:rPr lang="en-US" dirty="0"/>
-                        <a:t>February 27, 2017</a:t>
-                      </a:r>
-                    </a:p>
-                  </a:txBody>
-                  <a:tcPr/>
-                </a:tc>
-                <a:tc>
-                  <a:txBody>
-                    <a:bodyPr/>
-                    <a:lstStyle/>
-                    <a:p>
-                      <a:pPr algn="ctr"/>
-                      <a:r>
-                        <a:rPr lang="en-US" dirty="0"/>
-                        <a:t>March</a:t>
-                      </a:r>
-                      <a:r>
-                        <a:rPr lang="en-US" baseline="0" dirty="0"/>
-                        <a:t> 6, 2017</a:t>
-                      </a:r>
-                      <a:endParaRPr lang="en-US" dirty="0"/>
-                    </a:p>
-                  </a:txBody>
-                  <a:tcPr/>
-                </a:tc>
-                <a:extLst>
-                  <a:ext uri="{0D108BD9-81ED-4DB2-BD59-A6C34878D82A}">
-                    <a16:rowId xmlns:a16="http://schemas.microsoft.com/office/drawing/2014/main" val="10001"/>
-                  </a:ext>
-                </a:extLst>
-              </a:tr>
-              <a:tr h="370840">
-                <a:tc>
-                  <a:txBody>
-                    <a:bodyPr/>
-                    <a:lstStyle/>
-                    <a:p>
-                      <a:pPr algn="ctr"/>
-                      <a:r>
-                        <a:rPr lang="en-US" b="1" dirty="0"/>
-                        <a:t>Develop Test Plan</a:t>
-                      </a:r>
-                    </a:p>
-                  </a:txBody>
-                  <a:tcPr/>
-                </a:tc>
-                <a:tc>
-                  <a:txBody>
-                    <a:bodyPr/>
-                    <a:lstStyle/>
-                    <a:p>
-                      <a:pPr algn="ctr"/>
-                      <a:r>
-                        <a:rPr lang="en-US" dirty="0"/>
-                        <a:t>February 27, 2017</a:t>
-                      </a:r>
-                    </a:p>
-                  </a:txBody>
-                  <a:tcPr/>
-                </a:tc>
-                <a:tc>
-                  <a:txBody>
-                    <a:bodyPr/>
-                    <a:lstStyle/>
-                    <a:p>
-                      <a:pPr algn="ctr"/>
-                      <a:r>
-                        <a:rPr lang="en-US" dirty="0"/>
-                        <a:t>March 6, 2017</a:t>
-                      </a:r>
-                    </a:p>
-                  </a:txBody>
-                  <a:tcPr/>
-                </a:tc>
-                <a:extLst>
-                  <a:ext uri="{0D108BD9-81ED-4DB2-BD59-A6C34878D82A}">
-                    <a16:rowId xmlns:a16="http://schemas.microsoft.com/office/drawing/2014/main" val="10002"/>
-                  </a:ext>
-                </a:extLst>
-              </a:tr>
-              <a:tr h="370840">
-                <a:tc>
-                  <a:txBody>
-                    <a:bodyPr/>
-                    <a:lstStyle/>
-                    <a:p>
-                      <a:pPr algn="ctr"/>
-                      <a:r>
-                        <a:rPr lang="en-US" b="1" dirty="0"/>
-                        <a:t>Update Test Plan</a:t>
-                      </a:r>
-                    </a:p>
-                  </a:txBody>
-                  <a:tcPr/>
-                </a:tc>
-                <a:tc>
-                  <a:txBody>
-                    <a:bodyPr/>
-                    <a:lstStyle/>
-                    <a:p>
-                      <a:pPr algn="ctr"/>
-                      <a:r>
-                        <a:rPr lang="en-US" dirty="0"/>
-                        <a:t>March 6, 2017</a:t>
-                      </a:r>
-                    </a:p>
-                  </a:txBody>
-                  <a:tcPr/>
-                </a:tc>
-                <a:tc>
-                  <a:txBody>
-                    <a:bodyPr/>
-                    <a:lstStyle/>
-                    <a:p>
-                      <a:pPr algn="ctr"/>
-                      <a:r>
-                        <a:rPr lang="en-US" dirty="0"/>
-                        <a:t>March 13,</a:t>
-                      </a:r>
-                      <a:r>
-                        <a:rPr lang="en-US" baseline="0" dirty="0"/>
-                        <a:t> 2017</a:t>
-                      </a:r>
-                      <a:endParaRPr lang="en-US" dirty="0"/>
-                    </a:p>
-                  </a:txBody>
-                  <a:tcPr/>
-                </a:tc>
-                <a:extLst>
-                  <a:ext uri="{0D108BD9-81ED-4DB2-BD59-A6C34878D82A}">
-                    <a16:rowId xmlns:a16="http://schemas.microsoft.com/office/drawing/2014/main" val="10003"/>
-                  </a:ext>
-                </a:extLst>
-              </a:tr>
-              <a:tr h="370840">
-                <a:tc gridSpan="3">
-                  <a:txBody>
-                    <a:bodyPr/>
-                    <a:lstStyle/>
-                    <a:p>
-                      <a:pPr algn="ctr"/>
-                      <a:r>
-                        <a:rPr lang="en-US" b="1" dirty="0"/>
-                        <a:t>BUILD</a:t>
-                      </a:r>
-                      <a:r>
-                        <a:rPr lang="en-US" b="1" baseline="0" dirty="0"/>
-                        <a:t> 001</a:t>
-                      </a:r>
-                      <a:endParaRPr lang="en-US" b="1" dirty="0"/>
-                    </a:p>
-                  </a:txBody>
-                  <a:tcPr/>
-                </a:tc>
-                <a:tc hMerge="1">
-                  <a:txBody>
-                    <a:bodyPr/>
-                    <a:lstStyle/>
-                    <a:p>
-                      <a:pPr algn="ctr"/>
-                      <a:endParaRPr lang="en-US" dirty="0"/>
-                    </a:p>
-                  </a:txBody>
-                  <a:tcPr/>
-                </a:tc>
-                <a:tc hMerge="1">
-                  <a:txBody>
-                    <a:bodyPr/>
-                    <a:lstStyle/>
-                    <a:p>
-                      <a:pPr algn="ctr"/>
-                      <a:endParaRPr lang="en-US" dirty="0"/>
-                    </a:p>
-                  </a:txBody>
-                  <a:tcPr/>
-                </a:tc>
-                <a:extLst>
-                  <a:ext uri="{0D108BD9-81ED-4DB2-BD59-A6C34878D82A}">
-                    <a16:rowId xmlns:a16="http://schemas.microsoft.com/office/drawing/2014/main" val="10004"/>
-                  </a:ext>
-                </a:extLst>
-              </a:tr>
-              <a:tr h="370840">
-                <a:tc>
-                  <a:txBody>
-                    <a:bodyPr/>
-                    <a:lstStyle/>
-                    <a:p>
-                      <a:pPr algn="ctr"/>
-                      <a:r>
-                        <a:rPr lang="en-US" b="1" dirty="0"/>
-                        <a:t>Test Case</a:t>
-                      </a:r>
-                    </a:p>
-                  </a:txBody>
-                  <a:tcPr/>
-                </a:tc>
-                <a:tc>
-                  <a:txBody>
-                    <a:bodyPr/>
-                    <a:lstStyle/>
-                    <a:p>
-                      <a:pPr algn="ctr"/>
-                      <a:r>
-                        <a:rPr lang="en-US" b="0" dirty="0"/>
-                        <a:t>March 13, 2017</a:t>
-                      </a:r>
-                    </a:p>
-                  </a:txBody>
-                  <a:tcPr/>
-                </a:tc>
-                <a:tc>
-                  <a:txBody>
-                    <a:bodyPr/>
-                    <a:lstStyle/>
-                    <a:p>
-                      <a:pPr algn="ctr"/>
-                      <a:r>
-                        <a:rPr lang="en-US" b="0" dirty="0"/>
-                        <a:t>March 13, 2017</a:t>
-                      </a:r>
-                    </a:p>
-                  </a:txBody>
-                  <a:tcPr/>
-                </a:tc>
-                <a:extLst>
-                  <a:ext uri="{0D108BD9-81ED-4DB2-BD59-A6C34878D82A}">
-                    <a16:rowId xmlns:a16="http://schemas.microsoft.com/office/drawing/2014/main" val="10005"/>
-                  </a:ext>
-                </a:extLst>
-              </a:tr>
-              <a:tr h="370840">
-                <a:tc>
-                  <a:txBody>
-                    <a:bodyPr/>
-                    <a:lstStyle/>
-                    <a:p>
-                      <a:pPr algn="ctr"/>
-                      <a:r>
-                        <a:rPr lang="en-US" b="1" dirty="0"/>
-                        <a:t>Execute TC – Build</a:t>
-                      </a:r>
-                      <a:r>
-                        <a:rPr lang="en-US" b="1" baseline="0" dirty="0"/>
-                        <a:t> 001</a:t>
-                      </a:r>
-                      <a:endParaRPr lang="en-US" b="1" dirty="0"/>
-                    </a:p>
-                  </a:txBody>
-                  <a:tcPr/>
-                </a:tc>
-                <a:tc>
-                  <a:txBody>
-                    <a:bodyPr/>
-                    <a:lstStyle/>
-                    <a:p>
-                      <a:pPr algn="ctr"/>
-                      <a:r>
-                        <a:rPr lang="en-US" b="0" dirty="0"/>
-                        <a:t>March 16, 2017</a:t>
-                      </a:r>
-                    </a:p>
-                  </a:txBody>
-                  <a:tcPr/>
-                </a:tc>
-                <a:tc>
-                  <a:txBody>
-                    <a:bodyPr/>
-                    <a:lstStyle/>
-                    <a:p>
-                      <a:pPr algn="ctr"/>
-                      <a:r>
-                        <a:rPr lang="en-US" b="0" dirty="0"/>
-                        <a:t>March 16, 2017</a:t>
-                      </a:r>
-                    </a:p>
-                  </a:txBody>
-                  <a:tcPr/>
-                </a:tc>
-                <a:extLst>
-                  <a:ext uri="{0D108BD9-81ED-4DB2-BD59-A6C34878D82A}">
-                    <a16:rowId xmlns:a16="http://schemas.microsoft.com/office/drawing/2014/main" val="10006"/>
-                  </a:ext>
-                </a:extLst>
-              </a:tr>
-              <a:tr h="370840">
-                <a:tc>
-                  <a:txBody>
-                    <a:bodyPr/>
-                    <a:lstStyle/>
-                    <a:p>
-                      <a:pPr algn="ctr"/>
-                      <a:r>
-                        <a:rPr lang="en-US" b="1" dirty="0"/>
-                        <a:t>Test Log/Reports</a:t>
-                      </a:r>
-                    </a:p>
-                  </a:txBody>
-                  <a:tcPr/>
-                </a:tc>
-                <a:tc>
-                  <a:txBody>
-                    <a:bodyPr/>
-                    <a:lstStyle/>
-                    <a:p>
-                      <a:pPr algn="ctr"/>
-                      <a:r>
-                        <a:rPr lang="en-US" b="0" dirty="0"/>
-                        <a:t>March 16, 2017</a:t>
-                      </a:r>
-                    </a:p>
-                  </a:txBody>
-                  <a:tcPr/>
-                </a:tc>
-                <a:tc>
-                  <a:txBody>
-                    <a:bodyPr/>
-                    <a:lstStyle/>
-                    <a:p>
-                      <a:pPr algn="ctr"/>
-                      <a:r>
-                        <a:rPr lang="en-US" b="0" dirty="0"/>
-                        <a:t>March 20, 2017</a:t>
-                      </a:r>
-                    </a:p>
-                  </a:txBody>
-                  <a:tcPr/>
-                </a:tc>
-                <a:extLst>
-                  <a:ext uri="{0D108BD9-81ED-4DB2-BD59-A6C34878D82A}">
-                    <a16:rowId xmlns:a16="http://schemas.microsoft.com/office/drawing/2014/main" val="10007"/>
-                  </a:ext>
-                </a:extLst>
-              </a:tr>
-              <a:tr h="370840">
-                <a:tc>
-                  <a:txBody>
-                    <a:bodyPr/>
-                    <a:lstStyle/>
-                    <a:p>
-                      <a:pPr algn="ctr"/>
-                      <a:r>
-                        <a:rPr lang="en-US" b="1" dirty="0"/>
-                        <a:t>Review/Update</a:t>
-                      </a:r>
-                      <a:r>
-                        <a:rPr lang="en-US" b="1" baseline="0" dirty="0"/>
-                        <a:t> Cases</a:t>
-                      </a:r>
-                      <a:endParaRPr lang="en-US" b="1" dirty="0"/>
-                    </a:p>
-                  </a:txBody>
-                  <a:tcPr/>
-                </a:tc>
-                <a:tc>
-                  <a:txBody>
-                    <a:bodyPr/>
-                    <a:lstStyle/>
-                    <a:p>
-                      <a:pPr algn="ctr"/>
-                      <a:r>
-                        <a:rPr lang="en-US" b="0" dirty="0"/>
-                        <a:t>March</a:t>
-                      </a:r>
-                      <a:r>
-                        <a:rPr lang="en-US" b="0" baseline="0" dirty="0"/>
-                        <a:t> 20, 2017</a:t>
-                      </a:r>
-                      <a:endParaRPr lang="en-US" b="0" dirty="0"/>
-                    </a:p>
-                  </a:txBody>
-                  <a:tcPr/>
-                </a:tc>
-                <a:tc>
-                  <a:txBody>
-                    <a:bodyPr/>
-                    <a:lstStyle/>
-                    <a:p>
-                      <a:pPr algn="ctr"/>
-                      <a:r>
-                        <a:rPr lang="en-US" b="0" dirty="0"/>
-                        <a:t>March 27, 2017</a:t>
-                      </a:r>
-                    </a:p>
-                  </a:txBody>
-                  <a:tcPr/>
-                </a:tc>
-                <a:extLst>
-                  <a:ext uri="{0D108BD9-81ED-4DB2-BD59-A6C34878D82A}">
-                    <a16:rowId xmlns:a16="http://schemas.microsoft.com/office/drawing/2014/main" val="10008"/>
-                  </a:ext>
-                </a:extLst>
-              </a:tr>
-              <a:tr h="370840">
-                <a:tc gridSpan="3">
-                  <a:txBody>
-                    <a:bodyPr/>
-                    <a:lstStyle/>
-                    <a:p>
-                      <a:pPr algn="ctr"/>
-                      <a:r>
-                        <a:rPr lang="en-US" b="1" dirty="0"/>
-                        <a:t>BUILD</a:t>
-                      </a:r>
-                      <a:r>
-                        <a:rPr lang="en-US" b="1" baseline="0" dirty="0"/>
-                        <a:t> 002</a:t>
-                      </a:r>
-                      <a:endParaRPr lang="en-US" b="1" dirty="0"/>
-                    </a:p>
-                  </a:txBody>
-                  <a:tcPr/>
-                </a:tc>
-                <a:tc hMerge="1">
-                  <a:txBody>
-                    <a:bodyPr/>
-                    <a:lstStyle/>
-                    <a:p>
-                      <a:pPr algn="ctr"/>
-                      <a:endParaRPr lang="en-US" b="1" dirty="0"/>
-                    </a:p>
-                  </a:txBody>
-                  <a:tcPr/>
-                </a:tc>
-                <a:tc hMerge="1">
-                  <a:txBody>
-                    <a:bodyPr/>
-                    <a:lstStyle/>
-                    <a:p>
-                      <a:pPr algn="ctr"/>
-                      <a:endParaRPr lang="en-US" b="1" dirty="0"/>
-                    </a:p>
-                  </a:txBody>
-                  <a:tcPr/>
-                </a:tc>
-                <a:extLst>
-                  <a:ext uri="{0D108BD9-81ED-4DB2-BD59-A6C34878D82A}">
-                    <a16:rowId xmlns:a16="http://schemas.microsoft.com/office/drawing/2014/main" val="10009"/>
-                  </a:ext>
-                </a:extLst>
-              </a:tr>
-              <a:tr h="370840">
-                <a:tc>
-                  <a:txBody>
-                    <a:bodyPr/>
-                    <a:lstStyle/>
-                    <a:p>
-                      <a:pPr algn="ctr"/>
-                      <a:r>
-                        <a:rPr lang="en-US" b="1" dirty="0"/>
-                        <a:t>Execute</a:t>
-                      </a:r>
-                      <a:r>
-                        <a:rPr lang="en-US" b="1" baseline="0" dirty="0"/>
-                        <a:t> TC – Build 002</a:t>
-                      </a:r>
-                      <a:endParaRPr lang="en-US" b="1" dirty="0"/>
-                    </a:p>
-                  </a:txBody>
-                  <a:tcPr/>
-                </a:tc>
-                <a:tc>
-                  <a:txBody>
-                    <a:bodyPr/>
-                    <a:lstStyle/>
-                    <a:p>
-                      <a:pPr algn="ctr"/>
-                      <a:r>
-                        <a:rPr lang="en-US" b="0" dirty="0"/>
-                        <a:t>March 27, 2017</a:t>
-                      </a:r>
-                    </a:p>
-                  </a:txBody>
-                  <a:tcPr/>
-                </a:tc>
-                <a:tc>
-                  <a:txBody>
-                    <a:bodyPr/>
-                    <a:lstStyle/>
-                    <a:p>
-                      <a:pPr algn="ctr"/>
-                      <a:r>
-                        <a:rPr lang="en-US" b="0" dirty="0"/>
-                        <a:t>March 30, 2017</a:t>
-                      </a:r>
-                    </a:p>
-                  </a:txBody>
-                  <a:tcPr/>
-                </a:tc>
-                <a:extLst>
-                  <a:ext uri="{0D108BD9-81ED-4DB2-BD59-A6C34878D82A}">
-                    <a16:rowId xmlns:a16="http://schemas.microsoft.com/office/drawing/2014/main" val="10010"/>
-                  </a:ext>
-                </a:extLst>
-              </a:tr>
-              <a:tr h="370840">
-                <a:tc>
-                  <a:txBody>
-                    <a:bodyPr/>
-                    <a:lstStyle/>
-                    <a:p>
-                      <a:pPr algn="ctr"/>
-                      <a:r>
-                        <a:rPr lang="en-US" b="1" dirty="0"/>
-                        <a:t>Test Log/Results</a:t>
-                      </a:r>
-                    </a:p>
-                  </a:txBody>
-                  <a:tcPr/>
-                </a:tc>
-                <a:tc>
-                  <a:txBody>
-                    <a:bodyPr/>
-                    <a:lstStyle/>
-                    <a:p>
-                      <a:pPr algn="ctr"/>
-                      <a:r>
-                        <a:rPr lang="en-US" b="0" dirty="0"/>
-                        <a:t>March 30, 2017</a:t>
-                      </a:r>
-                    </a:p>
-                  </a:txBody>
-                  <a:tcPr/>
-                </a:tc>
-                <a:tc>
-                  <a:txBody>
-                    <a:bodyPr/>
-                    <a:lstStyle/>
-                    <a:p>
-                      <a:pPr algn="ctr"/>
-                      <a:r>
-                        <a:rPr lang="en-US" b="0" dirty="0"/>
-                        <a:t>March 30, 2017</a:t>
-                      </a:r>
-                    </a:p>
-                  </a:txBody>
-                  <a:tcPr/>
-                </a:tc>
-                <a:extLst>
-                  <a:ext uri="{0D108BD9-81ED-4DB2-BD59-A6C34878D82A}">
-                    <a16:rowId xmlns:a16="http://schemas.microsoft.com/office/drawing/2014/main" val="10011"/>
-                  </a:ext>
-                </a:extLst>
-              </a:tr>
-            </a:tbl>
-          </a:graphicData>
-        </a:graphic>
-      </p:graphicFrame>
+          </p:nvPr>
+        </p:nvSpPr>
+        <p:spPr/>
+        <p:txBody>
+          <a:bodyPr/>
+          <a:lstStyle/>
+          <a:p>
+            <a:r>
+              <a:rPr lang="en-US" dirty="0"/>
+              <a:t>The knowledge of the Team Members on their project</a:t>
+            </a:r>
+          </a:p>
+          <a:p>
+            <a:r>
+              <a:rPr lang="en-US" dirty="0"/>
+              <a:t>Mock-ups</a:t>
+            </a:r>
+          </a:p>
+          <a:p>
+            <a:r>
+              <a:rPr lang="en-US" dirty="0"/>
+              <a:t>Use Cases</a:t>
+            </a:r>
+          </a:p>
+          <a:p>
+            <a:r>
+              <a:rPr lang="en-US" dirty="0"/>
+              <a:t>Final Paper of the System</a:t>
+            </a:r>
+          </a:p>
+        </p:txBody>
+      </p:sp>
     </p:spTree>
     <p:extLst>
       <p:ext uri="{BB962C8B-B14F-4D97-AF65-F5344CB8AC3E}">
-        <p14:creationId xmlns:p14="http://schemas.microsoft.com/office/powerpoint/2010/main" val="1183867180"/>
+        <p14:creationId xmlns:p14="http://schemas.microsoft.com/office/powerpoint/2010/main" val="1036495335"/>
       </p:ext>
     </p:extLst>
   </p:cSld>
@@ -8123,7 +9550,7 @@
     </a:clrScheme>
     <a:fontScheme name="Crop">
       <a:majorFont>
-        <a:latin typeface="Franklin Gothic Book" panose="020B0503020102020204"/>
+        <a:latin typeface="Franklin Gothic Book"/>
         <a:ea typeface=""/>
         <a:cs typeface=""/>
         <a:font script="Jpan" typeface="メイリオ"/>
@@ -8158,7 +9585,7 @@
         <a:font script="Geor" typeface="Sylfaen"/>
       </a:majorFont>
       <a:minorFont>
-        <a:latin typeface="Franklin Gothic Book" panose="020B0503020102020204"/>
+        <a:latin typeface="Franklin Gothic Book"/>
         <a:ea typeface=""/>
         <a:cs typeface=""/>
         <a:font script="Jpan" typeface="メイリオ"/>
